--- a/c_231107.pptx
+++ b/c_231107.pptx
@@ -6,6 +6,15 @@
   </p:sldMasterIdLst>
   <p:sldIdLst>
     <p:sldId id="256" r:id="rId2"/>
+    <p:sldId id="257" r:id="rId3"/>
+    <p:sldId id="258" r:id="rId4"/>
+    <p:sldId id="259" r:id="rId5"/>
+    <p:sldId id="260" r:id="rId6"/>
+    <p:sldId id="261" r:id="rId7"/>
+    <p:sldId id="262" r:id="rId8"/>
+    <p:sldId id="263" r:id="rId9"/>
+    <p:sldId id="264" r:id="rId10"/>
+    <p:sldId id="265" r:id="rId11"/>
   </p:sldIdLst>
   <p:sldSz cx="12192000" cy="6858000"/>
   <p:notesSz cx="6858000" cy="9144000"/>
@@ -104,6 +113,11 @@
       </a:defRPr>
     </a:lvl9pPr>
   </p:defaultTextStyle>
+  <p:extLst>
+    <p:ext uri="{EFAFB233-063F-42B5-8137-9DF3F51BA10A}">
+      <p15:sldGuideLst xmlns:p15="http://schemas.microsoft.com/office/powerpoint/2012/main"/>
+    </p:ext>
+  </p:extLst>
 </p:presentation>
 </file>
 
@@ -254,7 +268,7 @@
           <a:p>
             <a:fld id="{63F61B26-FEF4-9C4B-819D-1BC363A7EBD4}" type="datetimeFigureOut">
               <a:rPr kumimoji="1" lang="ko-KR" altLang="en-US" smtClean="0"/>
-              <a:t>2023. 11. 7.</a:t>
+              <a:t>2023. 11. 8.</a:t>
             </a:fld>
             <a:endParaRPr kumimoji="1" lang="ko-KR" altLang="en-US"/>
           </a:p>
@@ -452,7 +466,7 @@
           <a:p>
             <a:fld id="{63F61B26-FEF4-9C4B-819D-1BC363A7EBD4}" type="datetimeFigureOut">
               <a:rPr kumimoji="1" lang="ko-KR" altLang="en-US" smtClean="0"/>
-              <a:t>2023. 11. 7.</a:t>
+              <a:t>2023. 11. 8.</a:t>
             </a:fld>
             <a:endParaRPr kumimoji="1" lang="ko-KR" altLang="en-US"/>
           </a:p>
@@ -660,7 +674,7 @@
           <a:p>
             <a:fld id="{63F61B26-FEF4-9C4B-819D-1BC363A7EBD4}" type="datetimeFigureOut">
               <a:rPr kumimoji="1" lang="ko-KR" altLang="en-US" smtClean="0"/>
-              <a:t>2023. 11. 7.</a:t>
+              <a:t>2023. 11. 8.</a:t>
             </a:fld>
             <a:endParaRPr kumimoji="1" lang="ko-KR" altLang="en-US"/>
           </a:p>
@@ -858,7 +872,7 @@
           <a:p>
             <a:fld id="{63F61B26-FEF4-9C4B-819D-1BC363A7EBD4}" type="datetimeFigureOut">
               <a:rPr kumimoji="1" lang="ko-KR" altLang="en-US" smtClean="0"/>
-              <a:t>2023. 11. 7.</a:t>
+              <a:t>2023. 11. 8.</a:t>
             </a:fld>
             <a:endParaRPr kumimoji="1" lang="ko-KR" altLang="en-US"/>
           </a:p>
@@ -1133,7 +1147,7 @@
           <a:p>
             <a:fld id="{63F61B26-FEF4-9C4B-819D-1BC363A7EBD4}" type="datetimeFigureOut">
               <a:rPr kumimoji="1" lang="ko-KR" altLang="en-US" smtClean="0"/>
-              <a:t>2023. 11. 7.</a:t>
+              <a:t>2023. 11. 8.</a:t>
             </a:fld>
             <a:endParaRPr kumimoji="1" lang="ko-KR" altLang="en-US"/>
           </a:p>
@@ -1398,7 +1412,7 @@
           <a:p>
             <a:fld id="{63F61B26-FEF4-9C4B-819D-1BC363A7EBD4}" type="datetimeFigureOut">
               <a:rPr kumimoji="1" lang="ko-KR" altLang="en-US" smtClean="0"/>
-              <a:t>2023. 11. 7.</a:t>
+              <a:t>2023. 11. 8.</a:t>
             </a:fld>
             <a:endParaRPr kumimoji="1" lang="ko-KR" altLang="en-US"/>
           </a:p>
@@ -1810,7 +1824,7 @@
           <a:p>
             <a:fld id="{63F61B26-FEF4-9C4B-819D-1BC363A7EBD4}" type="datetimeFigureOut">
               <a:rPr kumimoji="1" lang="ko-KR" altLang="en-US" smtClean="0"/>
-              <a:t>2023. 11. 7.</a:t>
+              <a:t>2023. 11. 8.</a:t>
             </a:fld>
             <a:endParaRPr kumimoji="1" lang="ko-KR" altLang="en-US"/>
           </a:p>
@@ -1951,7 +1965,7 @@
           <a:p>
             <a:fld id="{63F61B26-FEF4-9C4B-819D-1BC363A7EBD4}" type="datetimeFigureOut">
               <a:rPr kumimoji="1" lang="ko-KR" altLang="en-US" smtClean="0"/>
-              <a:t>2023. 11. 7.</a:t>
+              <a:t>2023. 11. 8.</a:t>
             </a:fld>
             <a:endParaRPr kumimoji="1" lang="ko-KR" altLang="en-US"/>
           </a:p>
@@ -2064,7 +2078,7 @@
           <a:p>
             <a:fld id="{63F61B26-FEF4-9C4B-819D-1BC363A7EBD4}" type="datetimeFigureOut">
               <a:rPr kumimoji="1" lang="ko-KR" altLang="en-US" smtClean="0"/>
-              <a:t>2023. 11. 7.</a:t>
+              <a:t>2023. 11. 8.</a:t>
             </a:fld>
             <a:endParaRPr kumimoji="1" lang="ko-KR" altLang="en-US"/>
           </a:p>
@@ -2375,7 +2389,7 @@
           <a:p>
             <a:fld id="{63F61B26-FEF4-9C4B-819D-1BC363A7EBD4}" type="datetimeFigureOut">
               <a:rPr kumimoji="1" lang="ko-KR" altLang="en-US" smtClean="0"/>
-              <a:t>2023. 11. 7.</a:t>
+              <a:t>2023. 11. 8.</a:t>
             </a:fld>
             <a:endParaRPr kumimoji="1" lang="ko-KR" altLang="en-US"/>
           </a:p>
@@ -2663,7 +2677,7 @@
           <a:p>
             <a:fld id="{63F61B26-FEF4-9C4B-819D-1BC363A7EBD4}" type="datetimeFigureOut">
               <a:rPr kumimoji="1" lang="ko-KR" altLang="en-US" smtClean="0"/>
-              <a:t>2023. 11. 7.</a:t>
+              <a:t>2023. 11. 8.</a:t>
             </a:fld>
             <a:endParaRPr kumimoji="1" lang="ko-KR" altLang="en-US"/>
           </a:p>
@@ -2904,7 +2918,7 @@
           <a:p>
             <a:fld id="{63F61B26-FEF4-9C4B-819D-1BC363A7EBD4}" type="datetimeFigureOut">
               <a:rPr kumimoji="1" lang="ko-KR" altLang="en-US" smtClean="0"/>
-              <a:t>2023. 11. 7.</a:t>
+              <a:t>2023. 11. 8.</a:t>
             </a:fld>
             <a:endParaRPr kumimoji="1" lang="ko-KR" altLang="en-US"/>
           </a:p>
@@ -3586,6 +3600,5295 @@
 </p:sld>
 </file>
 
+<file path=ppt/slides/slide10.xml><?xml version="1.0" encoding="utf-8"?>
+<p:sld xmlns:a="http://schemas.openxmlformats.org/drawingml/2006/main" xmlns:r="http://schemas.openxmlformats.org/officeDocument/2006/relationships" xmlns:p="http://schemas.openxmlformats.org/presentationml/2006/main">
+  <p:cSld>
+    <p:spTree>
+      <p:nvGrpSpPr>
+        <p:cNvPr id="1" name=""/>
+        <p:cNvGrpSpPr/>
+        <p:nvPr/>
+      </p:nvGrpSpPr>
+      <p:grpSpPr>
+        <a:xfrm>
+          <a:off x="0" y="0"/>
+          <a:ext cx="0" cy="0"/>
+          <a:chOff x="0" y="0"/>
+          <a:chExt cx="0" cy="0"/>
+        </a:xfrm>
+      </p:grpSpPr>
+      <p:sp>
+        <p:nvSpPr>
+          <p:cNvPr id="9" name="모서리가 둥근 직사각형 8">
+            <a:extLst>
+              <a:ext uri="{FF2B5EF4-FFF2-40B4-BE49-F238E27FC236}">
+                <a16:creationId xmlns:a16="http://schemas.microsoft.com/office/drawing/2014/main" id="{9530EE96-6809-0882-49F2-6C0149D9C941}"/>
+              </a:ext>
+            </a:extLst>
+          </p:cNvPr>
+          <p:cNvSpPr/>
+          <p:nvPr/>
+        </p:nvSpPr>
+        <p:spPr>
+          <a:xfrm>
+            <a:off x="1065541" y="3680271"/>
+            <a:ext cx="4435974" cy="2773428"/>
+          </a:xfrm>
+          <a:prstGeom prst="roundRect">
+            <a:avLst/>
+          </a:prstGeom>
+          <a:solidFill>
+            <a:schemeClr val="bg1"/>
+          </a:solidFill>
+        </p:spPr>
+        <p:style>
+          <a:lnRef idx="2">
+            <a:schemeClr val="accent1">
+              <a:shade val="15000"/>
+            </a:schemeClr>
+          </a:lnRef>
+          <a:fillRef idx="1">
+            <a:schemeClr val="accent1"/>
+          </a:fillRef>
+          <a:effectRef idx="0">
+            <a:schemeClr val="accent1"/>
+          </a:effectRef>
+          <a:fontRef idx="minor">
+            <a:schemeClr val="lt1"/>
+          </a:fontRef>
+        </p:style>
+        <p:txBody>
+          <a:bodyPr rtlCol="0" anchor="ctr"/>
+          <a:lstStyle/>
+          <a:p>
+            <a:pPr algn="ctr"/>
+            <a:endParaRPr kumimoji="1" lang="ko-KR" altLang="en-US"/>
+          </a:p>
+        </p:txBody>
+      </p:sp>
+      <p:sp>
+        <p:nvSpPr>
+          <p:cNvPr id="5" name="TextBox 4">
+            <a:extLst>
+              <a:ext uri="{FF2B5EF4-FFF2-40B4-BE49-F238E27FC236}">
+                <a16:creationId xmlns:a16="http://schemas.microsoft.com/office/drawing/2014/main" id="{FA958DEC-2F6F-0610-887A-3446B7CFAB31}"/>
+              </a:ext>
+            </a:extLst>
+          </p:cNvPr>
+          <p:cNvSpPr txBox="1"/>
+          <p:nvPr/>
+        </p:nvSpPr>
+        <p:spPr>
+          <a:xfrm>
+            <a:off x="425083" y="251720"/>
+            <a:ext cx="6094740" cy="2677656"/>
+          </a:xfrm>
+          <a:prstGeom prst="rect">
+            <a:avLst/>
+          </a:prstGeom>
+          <a:noFill/>
+        </p:spPr>
+        <p:txBody>
+          <a:bodyPr wrap="square">
+            <a:spAutoFit/>
+          </a:bodyPr>
+          <a:lstStyle/>
+          <a:p>
+            <a:r>
+              <a:rPr lang="en-US" altLang="ko-KR" sz="1400" dirty="0">
+                <a:latin typeface="DM Mono" panose="020B0509040201040103" pitchFamily="49" charset="0"/>
+              </a:rPr>
+              <a:t>void Increment2(int* </a:t>
+            </a:r>
+            <a:r>
+              <a:rPr lang="en-US" altLang="ko-KR" sz="1400" dirty="0" err="1">
+                <a:latin typeface="DM Mono" panose="020B0509040201040103" pitchFamily="49" charset="0"/>
+              </a:rPr>
+              <a:t>px</a:t>
+            </a:r>
+            <a:r>
+              <a:rPr lang="en-US" altLang="ko-KR" sz="1400" dirty="0">
+                <a:latin typeface="DM Mono" panose="020B0509040201040103" pitchFamily="49" charset="0"/>
+              </a:rPr>
+              <a:t>)</a:t>
+            </a:r>
+          </a:p>
+          <a:p>
+            <a:r>
+              <a:rPr lang="en-US" altLang="ko-KR" sz="1400" dirty="0">
+                <a:latin typeface="DM Mono" panose="020B0509040201040103" pitchFamily="49" charset="0"/>
+              </a:rPr>
+              <a:t>{</a:t>
+            </a:r>
+          </a:p>
+          <a:p>
+            <a:r>
+              <a:rPr lang="en-US" altLang="ko-KR" sz="1400" dirty="0">
+                <a:solidFill>
+                  <a:srgbClr val="FF0000"/>
+                </a:solidFill>
+                <a:latin typeface="DM Mono" panose="020B0509040201040103" pitchFamily="49" charset="0"/>
+              </a:rPr>
+              <a:t>    ++(*</a:t>
+            </a:r>
+            <a:r>
+              <a:rPr lang="en-US" altLang="ko-KR" sz="1400" dirty="0" err="1">
+                <a:solidFill>
+                  <a:srgbClr val="FF0000"/>
+                </a:solidFill>
+                <a:latin typeface="DM Mono" panose="020B0509040201040103" pitchFamily="49" charset="0"/>
+              </a:rPr>
+              <a:t>px</a:t>
+            </a:r>
+            <a:r>
+              <a:rPr lang="en-US" altLang="ko-KR" sz="1400" dirty="0">
+                <a:solidFill>
+                  <a:srgbClr val="FF0000"/>
+                </a:solidFill>
+                <a:latin typeface="DM Mono" panose="020B0509040201040103" pitchFamily="49" charset="0"/>
+              </a:rPr>
+              <a:t>);</a:t>
+            </a:r>
+          </a:p>
+          <a:p>
+            <a:r>
+              <a:rPr lang="en-US" altLang="ko-KR" sz="1400" dirty="0">
+                <a:latin typeface="DM Mono" panose="020B0509040201040103" pitchFamily="49" charset="0"/>
+              </a:rPr>
+              <a:t>}</a:t>
+            </a:r>
+          </a:p>
+          <a:p>
+            <a:endParaRPr lang="en-US" altLang="ko-KR" sz="1400" dirty="0">
+              <a:latin typeface="DM Mono" panose="020B0509040201040103" pitchFamily="49" charset="0"/>
+            </a:endParaRPr>
+          </a:p>
+          <a:p>
+            <a:r>
+              <a:rPr lang="en-US" altLang="ko-KR" sz="1400" dirty="0">
+                <a:latin typeface="DM Mono" panose="020B0509040201040103" pitchFamily="49" charset="0"/>
+              </a:rPr>
+              <a:t>int main(void)</a:t>
+            </a:r>
+          </a:p>
+          <a:p>
+            <a:r>
+              <a:rPr lang="en-US" altLang="ko-KR" sz="1400" dirty="0">
+                <a:latin typeface="DM Mono" panose="020B0509040201040103" pitchFamily="49" charset="0"/>
+              </a:rPr>
+              <a:t>{</a:t>
+            </a:r>
+          </a:p>
+          <a:p>
+            <a:r>
+              <a:rPr lang="en-US" altLang="ko-KR" sz="1400" dirty="0">
+                <a:latin typeface="DM Mono" panose="020B0509040201040103" pitchFamily="49" charset="0"/>
+              </a:rPr>
+              <a:t>    int x = 0;</a:t>
+            </a:r>
+          </a:p>
+          <a:p>
+            <a:r>
+              <a:rPr lang="en-US" altLang="ko-KR" sz="1400" dirty="0">
+                <a:latin typeface="DM Mono" panose="020B0509040201040103" pitchFamily="49" charset="0"/>
+              </a:rPr>
+              <a:t>    Increment2(&amp;x);</a:t>
+            </a:r>
+          </a:p>
+          <a:p>
+            <a:endParaRPr lang="en-US" altLang="ko-KR" sz="1400" dirty="0">
+              <a:latin typeface="DM Mono" panose="020B0509040201040103" pitchFamily="49" charset="0"/>
+            </a:endParaRPr>
+          </a:p>
+          <a:p>
+            <a:r>
+              <a:rPr lang="en-US" altLang="ko-KR" sz="1400" dirty="0">
+                <a:latin typeface="DM Mono" panose="020B0509040201040103" pitchFamily="49" charset="0"/>
+              </a:rPr>
+              <a:t>    return 0;</a:t>
+            </a:r>
+          </a:p>
+          <a:p>
+            <a:r>
+              <a:rPr lang="en-US" altLang="ko-KR" sz="1400" dirty="0">
+                <a:latin typeface="DM Mono" panose="020B0509040201040103" pitchFamily="49" charset="0"/>
+              </a:rPr>
+              <a:t>}</a:t>
+            </a:r>
+            <a:endParaRPr lang="ko-KR" altLang="en-US" sz="1400" dirty="0">
+              <a:latin typeface="DM Mono" panose="020B0509040201040103" pitchFamily="49" charset="0"/>
+            </a:endParaRPr>
+          </a:p>
+        </p:txBody>
+      </p:sp>
+      <p:sp>
+        <p:nvSpPr>
+          <p:cNvPr id="6" name="직사각형 5">
+            <a:extLst>
+              <a:ext uri="{FF2B5EF4-FFF2-40B4-BE49-F238E27FC236}">
+                <a16:creationId xmlns:a16="http://schemas.microsoft.com/office/drawing/2014/main" id="{3003F43C-93FD-FA12-60C8-D41B8B7EA8D6}"/>
+              </a:ext>
+            </a:extLst>
+          </p:cNvPr>
+          <p:cNvSpPr/>
+          <p:nvPr/>
+        </p:nvSpPr>
+        <p:spPr>
+          <a:xfrm>
+            <a:off x="2521049" y="4649600"/>
+            <a:ext cx="1268087" cy="521899"/>
+          </a:xfrm>
+          <a:prstGeom prst="rect">
+            <a:avLst/>
+          </a:prstGeom>
+          <a:solidFill>
+            <a:srgbClr val="92D050"/>
+          </a:solidFill>
+        </p:spPr>
+        <p:style>
+          <a:lnRef idx="2">
+            <a:schemeClr val="accent1">
+              <a:shade val="15000"/>
+            </a:schemeClr>
+          </a:lnRef>
+          <a:fillRef idx="1">
+            <a:schemeClr val="accent1"/>
+          </a:fillRef>
+          <a:effectRef idx="0">
+            <a:schemeClr val="accent1"/>
+          </a:effectRef>
+          <a:fontRef idx="minor">
+            <a:schemeClr val="lt1"/>
+          </a:fontRef>
+        </p:style>
+        <p:txBody>
+          <a:bodyPr rtlCol="0" anchor="ctr"/>
+          <a:lstStyle/>
+          <a:p>
+            <a:pPr algn="ctr"/>
+            <a:r>
+              <a:rPr kumimoji="1" lang="en-US" altLang="ko-KR" sz="1600" dirty="0">
+                <a:solidFill>
+                  <a:srgbClr val="FF0000"/>
+                </a:solidFill>
+                <a:latin typeface="DM Mono" panose="020B0509040201040103" pitchFamily="49" charset="0"/>
+              </a:rPr>
+              <a:t>1</a:t>
+            </a:r>
+            <a:endParaRPr kumimoji="1" lang="ko-KR" altLang="en-US" sz="1600" dirty="0">
+              <a:solidFill>
+                <a:srgbClr val="FF0000"/>
+              </a:solidFill>
+              <a:latin typeface="DM Mono" panose="020B0509040201040103" pitchFamily="49" charset="0"/>
+            </a:endParaRPr>
+          </a:p>
+        </p:txBody>
+      </p:sp>
+      <p:sp>
+        <p:nvSpPr>
+          <p:cNvPr id="7" name="TextBox 6">
+            <a:extLst>
+              <a:ext uri="{FF2B5EF4-FFF2-40B4-BE49-F238E27FC236}">
+                <a16:creationId xmlns:a16="http://schemas.microsoft.com/office/drawing/2014/main" id="{4ECEF5FA-2A2E-B997-6A61-8A85878EB717}"/>
+              </a:ext>
+            </a:extLst>
+          </p:cNvPr>
+          <p:cNvSpPr txBox="1"/>
+          <p:nvPr/>
+        </p:nvSpPr>
+        <p:spPr>
+          <a:xfrm>
+            <a:off x="1789960" y="4725883"/>
+            <a:ext cx="731089" cy="369332"/>
+          </a:xfrm>
+          <a:prstGeom prst="rect">
+            <a:avLst/>
+          </a:prstGeom>
+          <a:noFill/>
+        </p:spPr>
+        <p:txBody>
+          <a:bodyPr wrap="square">
+            <a:spAutoFit/>
+          </a:bodyPr>
+          <a:lstStyle/>
+          <a:p>
+            <a:pPr algn="r"/>
+            <a:r>
+              <a:rPr lang="en-US" altLang="ko-KR" sz="1800" dirty="0">
+                <a:latin typeface="DM Mono" panose="020B0509040201040103" pitchFamily="49" charset="0"/>
+              </a:rPr>
+              <a:t>x</a:t>
+            </a:r>
+            <a:endParaRPr lang="ko-KR" altLang="en-US" dirty="0"/>
+          </a:p>
+        </p:txBody>
+      </p:sp>
+      <p:sp>
+        <p:nvSpPr>
+          <p:cNvPr id="8" name="TextBox 7">
+            <a:extLst>
+              <a:ext uri="{FF2B5EF4-FFF2-40B4-BE49-F238E27FC236}">
+                <a16:creationId xmlns:a16="http://schemas.microsoft.com/office/drawing/2014/main" id="{2AD7A2A4-84BE-242F-F7F9-2A53A9805A0B}"/>
+              </a:ext>
+            </a:extLst>
+          </p:cNvPr>
+          <p:cNvSpPr txBox="1"/>
+          <p:nvPr/>
+        </p:nvSpPr>
+        <p:spPr>
+          <a:xfrm>
+            <a:off x="2298923" y="4372600"/>
+            <a:ext cx="713836" cy="276999"/>
+          </a:xfrm>
+          <a:prstGeom prst="rect">
+            <a:avLst/>
+          </a:prstGeom>
+          <a:noFill/>
+        </p:spPr>
+        <p:txBody>
+          <a:bodyPr wrap="square">
+            <a:spAutoFit/>
+          </a:bodyPr>
+          <a:lstStyle/>
+          <a:p>
+            <a:r>
+              <a:rPr kumimoji="1" lang="en-US" altLang="ko-KR" sz="1200" dirty="0">
+                <a:solidFill>
+                  <a:srgbClr val="FF0000"/>
+                </a:solidFill>
+                <a:latin typeface="DM Mono" panose="020B0509040201040103" pitchFamily="49" charset="0"/>
+              </a:rPr>
+              <a:t>200</a:t>
+            </a:r>
+            <a:endParaRPr lang="ko-KR" altLang="en-US" sz="1200" dirty="0">
+              <a:solidFill>
+                <a:srgbClr val="FF0000"/>
+              </a:solidFill>
+            </a:endParaRPr>
+          </a:p>
+        </p:txBody>
+      </p:sp>
+      <p:sp>
+        <p:nvSpPr>
+          <p:cNvPr id="11" name="TextBox 10">
+            <a:extLst>
+              <a:ext uri="{FF2B5EF4-FFF2-40B4-BE49-F238E27FC236}">
+                <a16:creationId xmlns:a16="http://schemas.microsoft.com/office/drawing/2014/main" id="{F3209435-BC98-0A11-0886-8559C2DBB2A2}"/>
+              </a:ext>
+            </a:extLst>
+          </p:cNvPr>
+          <p:cNvSpPr txBox="1"/>
+          <p:nvPr/>
+        </p:nvSpPr>
+        <p:spPr>
+          <a:xfrm>
+            <a:off x="1759213" y="3291116"/>
+            <a:ext cx="3048630" cy="369332"/>
+          </a:xfrm>
+          <a:prstGeom prst="rect">
+            <a:avLst/>
+          </a:prstGeom>
+          <a:noFill/>
+        </p:spPr>
+        <p:txBody>
+          <a:bodyPr wrap="square">
+            <a:spAutoFit/>
+          </a:bodyPr>
+          <a:lstStyle/>
+          <a:p>
+            <a:pPr algn="ctr"/>
+            <a:r>
+              <a:rPr lang="ko-KR" altLang="en-US" sz="1800" dirty="0" err="1">
+                <a:latin typeface="DM Mono" panose="020B0509040201040103" pitchFamily="49" charset="0"/>
+              </a:rPr>
+              <a:t>main</a:t>
+            </a:r>
+            <a:endParaRPr lang="ko-KR" altLang="en-US" dirty="0"/>
+          </a:p>
+        </p:txBody>
+      </p:sp>
+      <p:sp>
+        <p:nvSpPr>
+          <p:cNvPr id="2" name="모서리가 둥근 직사각형 1">
+            <a:extLst>
+              <a:ext uri="{FF2B5EF4-FFF2-40B4-BE49-F238E27FC236}">
+                <a16:creationId xmlns:a16="http://schemas.microsoft.com/office/drawing/2014/main" id="{BC55FF81-E0B9-9A57-2932-47C60B259360}"/>
+              </a:ext>
+            </a:extLst>
+          </p:cNvPr>
+          <p:cNvSpPr/>
+          <p:nvPr/>
+        </p:nvSpPr>
+        <p:spPr>
+          <a:xfrm>
+            <a:off x="6513841" y="779633"/>
+            <a:ext cx="4435974" cy="2773428"/>
+          </a:xfrm>
+          <a:prstGeom prst="roundRect">
+            <a:avLst/>
+          </a:prstGeom>
+          <a:solidFill>
+            <a:schemeClr val="bg1"/>
+          </a:solidFill>
+        </p:spPr>
+        <p:style>
+          <a:lnRef idx="2">
+            <a:schemeClr val="accent1">
+              <a:shade val="15000"/>
+            </a:schemeClr>
+          </a:lnRef>
+          <a:fillRef idx="1">
+            <a:schemeClr val="accent1"/>
+          </a:fillRef>
+          <a:effectRef idx="0">
+            <a:schemeClr val="accent1"/>
+          </a:effectRef>
+          <a:fontRef idx="minor">
+            <a:schemeClr val="lt1"/>
+          </a:fontRef>
+        </p:style>
+        <p:txBody>
+          <a:bodyPr rtlCol="0" anchor="ctr"/>
+          <a:lstStyle/>
+          <a:p>
+            <a:pPr algn="ctr"/>
+            <a:endParaRPr kumimoji="1" lang="ko-KR" altLang="en-US" dirty="0"/>
+          </a:p>
+        </p:txBody>
+      </p:sp>
+      <p:sp>
+        <p:nvSpPr>
+          <p:cNvPr id="3" name="TextBox 2">
+            <a:extLst>
+              <a:ext uri="{FF2B5EF4-FFF2-40B4-BE49-F238E27FC236}">
+                <a16:creationId xmlns:a16="http://schemas.microsoft.com/office/drawing/2014/main" id="{B22F7ACB-D4F4-047B-05AD-A6DF26BC244C}"/>
+              </a:ext>
+            </a:extLst>
+          </p:cNvPr>
+          <p:cNvSpPr txBox="1"/>
+          <p:nvPr/>
+        </p:nvSpPr>
+        <p:spPr>
+          <a:xfrm>
+            <a:off x="7207513" y="390478"/>
+            <a:ext cx="3048630" cy="369332"/>
+          </a:xfrm>
+          <a:prstGeom prst="rect">
+            <a:avLst/>
+          </a:prstGeom>
+          <a:noFill/>
+        </p:spPr>
+        <p:txBody>
+          <a:bodyPr wrap="square">
+            <a:spAutoFit/>
+          </a:bodyPr>
+          <a:lstStyle/>
+          <a:p>
+            <a:pPr algn="ctr"/>
+            <a:r>
+              <a:rPr lang="en-US" altLang="ko-KR" sz="1800" dirty="0">
+                <a:latin typeface="DM Mono" panose="020B0509040201040103" pitchFamily="49" charset="0"/>
+              </a:rPr>
+              <a:t>Increment</a:t>
+            </a:r>
+            <a:endParaRPr lang="ko-KR" altLang="en-US" dirty="0"/>
+          </a:p>
+        </p:txBody>
+      </p:sp>
+      <p:sp>
+        <p:nvSpPr>
+          <p:cNvPr id="4" name="직사각형 3">
+            <a:extLst>
+              <a:ext uri="{FF2B5EF4-FFF2-40B4-BE49-F238E27FC236}">
+                <a16:creationId xmlns:a16="http://schemas.microsoft.com/office/drawing/2014/main" id="{89884F83-7593-85BE-DD13-010922F3E457}"/>
+              </a:ext>
+            </a:extLst>
+          </p:cNvPr>
+          <p:cNvSpPr/>
+          <p:nvPr/>
+        </p:nvSpPr>
+        <p:spPr>
+          <a:xfrm>
+            <a:off x="7938602" y="1200584"/>
+            <a:ext cx="1268087" cy="521899"/>
+          </a:xfrm>
+          <a:prstGeom prst="rect">
+            <a:avLst/>
+          </a:prstGeom>
+          <a:solidFill>
+            <a:srgbClr val="FFFF00"/>
+          </a:solidFill>
+        </p:spPr>
+        <p:style>
+          <a:lnRef idx="2">
+            <a:schemeClr val="accent1">
+              <a:shade val="15000"/>
+            </a:schemeClr>
+          </a:lnRef>
+          <a:fillRef idx="1">
+            <a:schemeClr val="accent1"/>
+          </a:fillRef>
+          <a:effectRef idx="0">
+            <a:schemeClr val="accent1"/>
+          </a:effectRef>
+          <a:fontRef idx="minor">
+            <a:schemeClr val="lt1"/>
+          </a:fontRef>
+        </p:style>
+        <p:txBody>
+          <a:bodyPr rtlCol="0" anchor="ctr"/>
+          <a:lstStyle/>
+          <a:p>
+            <a:pPr algn="ctr"/>
+            <a:r>
+              <a:rPr kumimoji="1" lang="en-US" altLang="ko-KR" sz="1600" dirty="0">
+                <a:solidFill>
+                  <a:srgbClr val="FF0000"/>
+                </a:solidFill>
+                <a:latin typeface="DM Mono" panose="020B0509040201040103" pitchFamily="49" charset="0"/>
+              </a:rPr>
+              <a:t>200</a:t>
+            </a:r>
+            <a:endParaRPr kumimoji="1" lang="ko-KR" altLang="en-US" sz="1600" dirty="0">
+              <a:solidFill>
+                <a:srgbClr val="FF0000"/>
+              </a:solidFill>
+              <a:latin typeface="DM Mono" panose="020B0509040201040103" pitchFamily="49" charset="0"/>
+            </a:endParaRPr>
+          </a:p>
+        </p:txBody>
+      </p:sp>
+      <p:sp>
+        <p:nvSpPr>
+          <p:cNvPr id="10" name="TextBox 9">
+            <a:extLst>
+              <a:ext uri="{FF2B5EF4-FFF2-40B4-BE49-F238E27FC236}">
+                <a16:creationId xmlns:a16="http://schemas.microsoft.com/office/drawing/2014/main" id="{AFA45D68-A1CF-47FD-94C0-0A1305D59D2A}"/>
+              </a:ext>
+            </a:extLst>
+          </p:cNvPr>
+          <p:cNvSpPr txBox="1"/>
+          <p:nvPr/>
+        </p:nvSpPr>
+        <p:spPr>
+          <a:xfrm>
+            <a:off x="7207513" y="1276867"/>
+            <a:ext cx="731089" cy="369332"/>
+          </a:xfrm>
+          <a:prstGeom prst="rect">
+            <a:avLst/>
+          </a:prstGeom>
+          <a:noFill/>
+        </p:spPr>
+        <p:txBody>
+          <a:bodyPr wrap="square">
+            <a:spAutoFit/>
+          </a:bodyPr>
+          <a:lstStyle/>
+          <a:p>
+            <a:pPr algn="r"/>
+            <a:r>
+              <a:rPr lang="en-US" altLang="ko-KR" sz="1800" dirty="0" err="1">
+                <a:latin typeface="DM Mono" panose="020B0509040201040103" pitchFamily="49" charset="0"/>
+              </a:rPr>
+              <a:t>px</a:t>
+            </a:r>
+            <a:endParaRPr lang="ko-KR" altLang="en-US" dirty="0"/>
+          </a:p>
+        </p:txBody>
+      </p:sp>
+      <p:cxnSp>
+        <p:nvCxnSpPr>
+          <p:cNvPr id="12" name="구부러진 연결선[U] 11">
+            <a:extLst>
+              <a:ext uri="{FF2B5EF4-FFF2-40B4-BE49-F238E27FC236}">
+                <a16:creationId xmlns:a16="http://schemas.microsoft.com/office/drawing/2014/main" id="{C9B997CA-4600-2D06-710C-AD219E329D07}"/>
+              </a:ext>
+            </a:extLst>
+          </p:cNvPr>
+          <p:cNvCxnSpPr>
+            <a:cxnSpLocks/>
+            <a:stCxn id="4" idx="2"/>
+            <a:endCxn id="6" idx="0"/>
+          </p:cNvCxnSpPr>
+          <p:nvPr/>
+        </p:nvCxnSpPr>
+        <p:spPr>
+          <a:xfrm rot="5400000">
+            <a:off x="4400312" y="477265"/>
+            <a:ext cx="2927117" cy="5417553"/>
+          </a:xfrm>
+          <a:prstGeom prst="curvedConnector3">
+            <a:avLst>
+              <a:gd name="adj1" fmla="val 50000"/>
+            </a:avLst>
+          </a:prstGeom>
+          <a:ln>
+            <a:tailEnd type="triangle"/>
+          </a:ln>
+        </p:spPr>
+        <p:style>
+          <a:lnRef idx="1">
+            <a:schemeClr val="dk1"/>
+          </a:lnRef>
+          <a:fillRef idx="0">
+            <a:schemeClr val="dk1"/>
+          </a:fillRef>
+          <a:effectRef idx="0">
+            <a:schemeClr val="dk1"/>
+          </a:effectRef>
+          <a:fontRef idx="minor">
+            <a:schemeClr val="tx1"/>
+          </a:fontRef>
+        </p:style>
+      </p:cxnSp>
+      <p:sp>
+        <p:nvSpPr>
+          <p:cNvPr id="13" name="TextBox 12">
+            <a:extLst>
+              <a:ext uri="{FF2B5EF4-FFF2-40B4-BE49-F238E27FC236}">
+                <a16:creationId xmlns:a16="http://schemas.microsoft.com/office/drawing/2014/main" id="{DC3188C5-6C70-4C55-3E95-071F009F2E6A}"/>
+              </a:ext>
+            </a:extLst>
+          </p:cNvPr>
+          <p:cNvSpPr txBox="1"/>
+          <p:nvPr/>
+        </p:nvSpPr>
+        <p:spPr>
+          <a:xfrm>
+            <a:off x="3733026" y="2760099"/>
+            <a:ext cx="2992241" cy="338554"/>
+          </a:xfrm>
+          <a:prstGeom prst="rect">
+            <a:avLst/>
+          </a:prstGeom>
+          <a:noFill/>
+        </p:spPr>
+        <p:txBody>
+          <a:bodyPr wrap="square">
+            <a:spAutoFit/>
+          </a:bodyPr>
+          <a:lstStyle/>
+          <a:p>
+            <a:r>
+              <a:rPr lang="ko-KR" altLang="en-US" sz="1600" dirty="0"/>
+              <a:t>포인터 참조를 통해 값을 변경</a:t>
+            </a:r>
+          </a:p>
+        </p:txBody>
+      </p:sp>
+    </p:spTree>
+    <p:extLst>
+      <p:ext uri="{BB962C8B-B14F-4D97-AF65-F5344CB8AC3E}">
+        <p14:creationId xmlns:p14="http://schemas.microsoft.com/office/powerpoint/2010/main" val="2502935743"/>
+      </p:ext>
+    </p:extLst>
+  </p:cSld>
+  <p:clrMapOvr>
+    <a:masterClrMapping/>
+  </p:clrMapOvr>
+</p:sld>
+</file>
+
+<file path=ppt/slides/slide2.xml><?xml version="1.0" encoding="utf-8"?>
+<p:sld xmlns:a="http://schemas.openxmlformats.org/drawingml/2006/main" xmlns:r="http://schemas.openxmlformats.org/officeDocument/2006/relationships" xmlns:p="http://schemas.openxmlformats.org/presentationml/2006/main">
+  <p:cSld>
+    <p:spTree>
+      <p:nvGrpSpPr>
+        <p:cNvPr id="1" name=""/>
+        <p:cNvGrpSpPr/>
+        <p:nvPr/>
+      </p:nvGrpSpPr>
+      <p:grpSpPr>
+        <a:xfrm>
+          <a:off x="0" y="0"/>
+          <a:ext cx="0" cy="0"/>
+          <a:chOff x="0" y="0"/>
+          <a:chExt cx="0" cy="0"/>
+        </a:xfrm>
+      </p:grpSpPr>
+      <p:sp>
+        <p:nvSpPr>
+          <p:cNvPr id="5" name="TextBox 4">
+            <a:extLst>
+              <a:ext uri="{FF2B5EF4-FFF2-40B4-BE49-F238E27FC236}">
+                <a16:creationId xmlns:a16="http://schemas.microsoft.com/office/drawing/2014/main" id="{9C7B23C2-934E-0E1F-A4BB-6F30E14D22F1}"/>
+              </a:ext>
+            </a:extLst>
+          </p:cNvPr>
+          <p:cNvSpPr txBox="1"/>
+          <p:nvPr/>
+        </p:nvSpPr>
+        <p:spPr>
+          <a:xfrm>
+            <a:off x="554247" y="423496"/>
+            <a:ext cx="6094562" cy="1077218"/>
+          </a:xfrm>
+          <a:prstGeom prst="rect">
+            <a:avLst/>
+          </a:prstGeom>
+          <a:noFill/>
+        </p:spPr>
+        <p:txBody>
+          <a:bodyPr wrap="square">
+            <a:spAutoFit/>
+          </a:bodyPr>
+          <a:lstStyle/>
+          <a:p>
+            <a:r>
+              <a:rPr lang="ko-KR" altLang="en-US" sz="1600" dirty="0" err="1">
+                <a:latin typeface="DM Mono" panose="020B0509040201040103" pitchFamily="49" charset="0"/>
+              </a:rPr>
+              <a:t>int</a:t>
+            </a:r>
+            <a:r>
+              <a:rPr lang="ko-KR" altLang="en-US" sz="1600" dirty="0">
+                <a:latin typeface="DM Mono" panose="020B0509040201040103" pitchFamily="49" charset="0"/>
+              </a:rPr>
+              <a:t> </a:t>
+            </a:r>
+            <a:r>
+              <a:rPr lang="ko-KR" altLang="en-US" sz="1600" dirty="0" err="1">
+                <a:latin typeface="DM Mono" panose="020B0509040201040103" pitchFamily="49" charset="0"/>
+              </a:rPr>
+              <a:t>age</a:t>
+            </a:r>
+            <a:r>
+              <a:rPr lang="en-US" altLang="ko-KR" sz="1600" dirty="0">
+                <a:latin typeface="DM Mono" panose="020B0509040201040103" pitchFamily="49" charset="0"/>
+              </a:rPr>
+              <a:t> = 42</a:t>
+            </a:r>
+            <a:r>
+              <a:rPr lang="ko-KR" altLang="en-US" sz="1600" dirty="0">
+                <a:latin typeface="DM Mono" panose="020B0509040201040103" pitchFamily="49" charset="0"/>
+              </a:rPr>
+              <a:t>;</a:t>
+            </a:r>
+            <a:endParaRPr lang="en-US" altLang="ko-KR" sz="1600" dirty="0">
+              <a:latin typeface="DM Mono" panose="020B0509040201040103" pitchFamily="49" charset="0"/>
+            </a:endParaRPr>
+          </a:p>
+          <a:p>
+            <a:endParaRPr lang="en-US" altLang="ko-KR" sz="1600" dirty="0">
+              <a:latin typeface="DM Mono" panose="020B0509040201040103" pitchFamily="49" charset="0"/>
+            </a:endParaRPr>
+          </a:p>
+          <a:p>
+            <a:r>
+              <a:rPr lang="en-US" altLang="ko-KR" sz="1600" dirty="0">
+                <a:latin typeface="DM Mono" panose="020B0509040201040103" pitchFamily="49" charset="0"/>
+              </a:rPr>
+              <a:t>int* p;</a:t>
+            </a:r>
+          </a:p>
+          <a:p>
+            <a:r>
+              <a:rPr lang="en-US" altLang="ko-KR" sz="1600" dirty="0">
+                <a:solidFill>
+                  <a:srgbClr val="FF0000"/>
+                </a:solidFill>
+                <a:latin typeface="DM Mono" panose="020B0509040201040103" pitchFamily="49" charset="0"/>
+              </a:rPr>
+              <a:t>p = &amp;age;</a:t>
+            </a:r>
+            <a:endParaRPr lang="ko-KR" altLang="en-US" sz="1600" dirty="0">
+              <a:solidFill>
+                <a:srgbClr val="FF0000"/>
+              </a:solidFill>
+              <a:latin typeface="DM Mono" panose="020B0509040201040103" pitchFamily="49" charset="0"/>
+            </a:endParaRPr>
+          </a:p>
+        </p:txBody>
+      </p:sp>
+      <p:sp>
+        <p:nvSpPr>
+          <p:cNvPr id="6" name="직사각형 5">
+            <a:extLst>
+              <a:ext uri="{FF2B5EF4-FFF2-40B4-BE49-F238E27FC236}">
+                <a16:creationId xmlns:a16="http://schemas.microsoft.com/office/drawing/2014/main" id="{4F6909BF-8216-5DC5-B38B-8DE70BF55BD9}"/>
+              </a:ext>
+            </a:extLst>
+          </p:cNvPr>
+          <p:cNvSpPr/>
+          <p:nvPr/>
+        </p:nvSpPr>
+        <p:spPr>
+          <a:xfrm>
+            <a:off x="1621762" y="2907101"/>
+            <a:ext cx="1268087" cy="521899"/>
+          </a:xfrm>
+          <a:prstGeom prst="rect">
+            <a:avLst/>
+          </a:prstGeom>
+          <a:solidFill>
+            <a:srgbClr val="FFFF00"/>
+          </a:solidFill>
+        </p:spPr>
+        <p:style>
+          <a:lnRef idx="2">
+            <a:schemeClr val="accent1">
+              <a:shade val="15000"/>
+            </a:schemeClr>
+          </a:lnRef>
+          <a:fillRef idx="1">
+            <a:schemeClr val="accent1"/>
+          </a:fillRef>
+          <a:effectRef idx="0">
+            <a:schemeClr val="accent1"/>
+          </a:effectRef>
+          <a:fontRef idx="minor">
+            <a:schemeClr val="lt1"/>
+          </a:fontRef>
+        </p:style>
+        <p:txBody>
+          <a:bodyPr rtlCol="0" anchor="ctr"/>
+          <a:lstStyle/>
+          <a:p>
+            <a:pPr algn="ctr"/>
+            <a:r>
+              <a:rPr kumimoji="1" lang="en-US" altLang="ko-KR" sz="1600" dirty="0">
+                <a:solidFill>
+                  <a:schemeClr val="tx1"/>
+                </a:solidFill>
+                <a:latin typeface="DM Mono" panose="020B0509040201040103" pitchFamily="49" charset="0"/>
+              </a:rPr>
+              <a:t>42</a:t>
+            </a:r>
+            <a:endParaRPr kumimoji="1" lang="ko-KR" altLang="en-US" sz="1600" dirty="0">
+              <a:solidFill>
+                <a:schemeClr val="tx1"/>
+              </a:solidFill>
+              <a:latin typeface="DM Mono" panose="020B0509040201040103" pitchFamily="49" charset="0"/>
+            </a:endParaRPr>
+          </a:p>
+        </p:txBody>
+      </p:sp>
+      <p:sp>
+        <p:nvSpPr>
+          <p:cNvPr id="8" name="TextBox 7">
+            <a:extLst>
+              <a:ext uri="{FF2B5EF4-FFF2-40B4-BE49-F238E27FC236}">
+                <a16:creationId xmlns:a16="http://schemas.microsoft.com/office/drawing/2014/main" id="{A7EB1D88-005B-08EC-0EB3-4747C5C1DDDD}"/>
+              </a:ext>
+            </a:extLst>
+          </p:cNvPr>
+          <p:cNvSpPr txBox="1"/>
+          <p:nvPr/>
+        </p:nvSpPr>
+        <p:spPr>
+          <a:xfrm>
+            <a:off x="890673" y="2983384"/>
+            <a:ext cx="731089" cy="369332"/>
+          </a:xfrm>
+          <a:prstGeom prst="rect">
+            <a:avLst/>
+          </a:prstGeom>
+          <a:noFill/>
+        </p:spPr>
+        <p:txBody>
+          <a:bodyPr wrap="square">
+            <a:spAutoFit/>
+          </a:bodyPr>
+          <a:lstStyle/>
+          <a:p>
+            <a:pPr algn="r"/>
+            <a:r>
+              <a:rPr lang="ko-KR" altLang="en-US" sz="1800" dirty="0" err="1">
+                <a:latin typeface="DM Mono" panose="020B0509040201040103" pitchFamily="49" charset="0"/>
+              </a:rPr>
+              <a:t>age</a:t>
+            </a:r>
+            <a:endParaRPr lang="ko-KR" altLang="en-US" dirty="0"/>
+          </a:p>
+        </p:txBody>
+      </p:sp>
+      <p:sp>
+        <p:nvSpPr>
+          <p:cNvPr id="10" name="TextBox 9">
+            <a:extLst>
+              <a:ext uri="{FF2B5EF4-FFF2-40B4-BE49-F238E27FC236}">
+                <a16:creationId xmlns:a16="http://schemas.microsoft.com/office/drawing/2014/main" id="{B1C18809-4D91-7B35-2130-AFDF6D1A8773}"/>
+              </a:ext>
+            </a:extLst>
+          </p:cNvPr>
+          <p:cNvSpPr txBox="1"/>
+          <p:nvPr/>
+        </p:nvSpPr>
+        <p:spPr>
+          <a:xfrm>
+            <a:off x="1399636" y="2630101"/>
+            <a:ext cx="713836" cy="276999"/>
+          </a:xfrm>
+          <a:prstGeom prst="rect">
+            <a:avLst/>
+          </a:prstGeom>
+          <a:noFill/>
+        </p:spPr>
+        <p:txBody>
+          <a:bodyPr wrap="square">
+            <a:spAutoFit/>
+          </a:bodyPr>
+          <a:lstStyle/>
+          <a:p>
+            <a:r>
+              <a:rPr kumimoji="1" lang="en-US" altLang="ko-KR" sz="1200" dirty="0">
+                <a:solidFill>
+                  <a:schemeClr val="tx1"/>
+                </a:solidFill>
+                <a:latin typeface="DM Mono" panose="020B0509040201040103" pitchFamily="49" charset="0"/>
+              </a:rPr>
+              <a:t>200</a:t>
+            </a:r>
+            <a:endParaRPr lang="ko-KR" altLang="en-US" sz="1200" dirty="0"/>
+          </a:p>
+        </p:txBody>
+      </p:sp>
+      <p:sp>
+        <p:nvSpPr>
+          <p:cNvPr id="11" name="직사각형 10">
+            <a:extLst>
+              <a:ext uri="{FF2B5EF4-FFF2-40B4-BE49-F238E27FC236}">
+                <a16:creationId xmlns:a16="http://schemas.microsoft.com/office/drawing/2014/main" id="{658A53FE-86A1-24A2-8DFD-CA04673E8C29}"/>
+              </a:ext>
+            </a:extLst>
+          </p:cNvPr>
+          <p:cNvSpPr/>
+          <p:nvPr/>
+        </p:nvSpPr>
+        <p:spPr>
+          <a:xfrm>
+            <a:off x="1621762" y="4269767"/>
+            <a:ext cx="1268087" cy="521899"/>
+          </a:xfrm>
+          <a:prstGeom prst="rect">
+            <a:avLst/>
+          </a:prstGeom>
+          <a:solidFill>
+            <a:srgbClr val="FFFF00"/>
+          </a:solidFill>
+        </p:spPr>
+        <p:style>
+          <a:lnRef idx="2">
+            <a:schemeClr val="accent1">
+              <a:shade val="15000"/>
+            </a:schemeClr>
+          </a:lnRef>
+          <a:fillRef idx="1">
+            <a:schemeClr val="accent1"/>
+          </a:fillRef>
+          <a:effectRef idx="0">
+            <a:schemeClr val="accent1"/>
+          </a:effectRef>
+          <a:fontRef idx="minor">
+            <a:schemeClr val="lt1"/>
+          </a:fontRef>
+        </p:style>
+        <p:txBody>
+          <a:bodyPr rtlCol="0" anchor="ctr"/>
+          <a:lstStyle/>
+          <a:p>
+            <a:pPr algn="ctr"/>
+            <a:r>
+              <a:rPr kumimoji="1" lang="en-US" altLang="ko-KR" sz="1600" dirty="0">
+                <a:solidFill>
+                  <a:srgbClr val="FF0000"/>
+                </a:solidFill>
+                <a:latin typeface="DM Mono" panose="020B0509040201040103" pitchFamily="49" charset="0"/>
+              </a:rPr>
+              <a:t>200</a:t>
+            </a:r>
+            <a:endParaRPr kumimoji="1" lang="ko-KR" altLang="en-US" sz="1600" dirty="0">
+              <a:solidFill>
+                <a:srgbClr val="FF0000"/>
+              </a:solidFill>
+              <a:latin typeface="DM Mono" panose="020B0509040201040103" pitchFamily="49" charset="0"/>
+            </a:endParaRPr>
+          </a:p>
+        </p:txBody>
+      </p:sp>
+      <p:sp>
+        <p:nvSpPr>
+          <p:cNvPr id="12" name="TextBox 11">
+            <a:extLst>
+              <a:ext uri="{FF2B5EF4-FFF2-40B4-BE49-F238E27FC236}">
+                <a16:creationId xmlns:a16="http://schemas.microsoft.com/office/drawing/2014/main" id="{38BCD862-3D35-3AAD-A828-26158764DA81}"/>
+              </a:ext>
+            </a:extLst>
+          </p:cNvPr>
+          <p:cNvSpPr txBox="1"/>
+          <p:nvPr/>
+        </p:nvSpPr>
+        <p:spPr>
+          <a:xfrm>
+            <a:off x="890673" y="4346050"/>
+            <a:ext cx="731089" cy="369332"/>
+          </a:xfrm>
+          <a:prstGeom prst="rect">
+            <a:avLst/>
+          </a:prstGeom>
+          <a:noFill/>
+        </p:spPr>
+        <p:txBody>
+          <a:bodyPr wrap="square">
+            <a:spAutoFit/>
+          </a:bodyPr>
+          <a:lstStyle/>
+          <a:p>
+            <a:pPr algn="r"/>
+            <a:r>
+              <a:rPr lang="en-US" altLang="ko-KR" sz="1800" dirty="0">
+                <a:latin typeface="DM Mono" panose="020B0509040201040103" pitchFamily="49" charset="0"/>
+              </a:rPr>
+              <a:t>p</a:t>
+            </a:r>
+            <a:endParaRPr lang="ko-KR" altLang="en-US" dirty="0"/>
+          </a:p>
+        </p:txBody>
+      </p:sp>
+    </p:spTree>
+    <p:extLst>
+      <p:ext uri="{BB962C8B-B14F-4D97-AF65-F5344CB8AC3E}">
+        <p14:creationId xmlns:p14="http://schemas.microsoft.com/office/powerpoint/2010/main" val="458104020"/>
+      </p:ext>
+    </p:extLst>
+  </p:cSld>
+  <p:clrMapOvr>
+    <a:masterClrMapping/>
+  </p:clrMapOvr>
+</p:sld>
+</file>
+
+<file path=ppt/slides/slide3.xml><?xml version="1.0" encoding="utf-8"?>
+<p:sld xmlns:a="http://schemas.openxmlformats.org/drawingml/2006/main" xmlns:r="http://schemas.openxmlformats.org/officeDocument/2006/relationships" xmlns:p="http://schemas.openxmlformats.org/presentationml/2006/main">
+  <p:cSld>
+    <p:spTree>
+      <p:nvGrpSpPr>
+        <p:cNvPr id="1" name=""/>
+        <p:cNvGrpSpPr/>
+        <p:nvPr/>
+      </p:nvGrpSpPr>
+      <p:grpSpPr>
+        <a:xfrm>
+          <a:off x="0" y="0"/>
+          <a:ext cx="0" cy="0"/>
+          <a:chOff x="0" y="0"/>
+          <a:chExt cx="0" cy="0"/>
+        </a:xfrm>
+      </p:grpSpPr>
+      <p:sp>
+        <p:nvSpPr>
+          <p:cNvPr id="5" name="TextBox 4">
+            <a:extLst>
+              <a:ext uri="{FF2B5EF4-FFF2-40B4-BE49-F238E27FC236}">
+                <a16:creationId xmlns:a16="http://schemas.microsoft.com/office/drawing/2014/main" id="{9C7B23C2-934E-0E1F-A4BB-6F30E14D22F1}"/>
+              </a:ext>
+            </a:extLst>
+          </p:cNvPr>
+          <p:cNvSpPr txBox="1"/>
+          <p:nvPr/>
+        </p:nvSpPr>
+        <p:spPr>
+          <a:xfrm>
+            <a:off x="554247" y="423496"/>
+            <a:ext cx="6094562" cy="1569660"/>
+          </a:xfrm>
+          <a:prstGeom prst="rect">
+            <a:avLst/>
+          </a:prstGeom>
+          <a:noFill/>
+        </p:spPr>
+        <p:txBody>
+          <a:bodyPr wrap="square">
+            <a:spAutoFit/>
+          </a:bodyPr>
+          <a:lstStyle/>
+          <a:p>
+            <a:r>
+              <a:rPr lang="ko-KR" altLang="en-US" sz="1600" dirty="0" err="1">
+                <a:latin typeface="DM Mono" panose="020B0509040201040103" pitchFamily="49" charset="0"/>
+              </a:rPr>
+              <a:t>int</a:t>
+            </a:r>
+            <a:r>
+              <a:rPr lang="ko-KR" altLang="en-US" sz="1600" dirty="0">
+                <a:latin typeface="DM Mono" panose="020B0509040201040103" pitchFamily="49" charset="0"/>
+              </a:rPr>
+              <a:t> </a:t>
+            </a:r>
+            <a:r>
+              <a:rPr lang="ko-KR" altLang="en-US" sz="1600" dirty="0" err="1">
+                <a:latin typeface="DM Mono" panose="020B0509040201040103" pitchFamily="49" charset="0"/>
+              </a:rPr>
+              <a:t>age</a:t>
+            </a:r>
+            <a:r>
+              <a:rPr lang="en-US" altLang="ko-KR" sz="1600" dirty="0">
+                <a:latin typeface="DM Mono" panose="020B0509040201040103" pitchFamily="49" charset="0"/>
+              </a:rPr>
+              <a:t> = 42</a:t>
+            </a:r>
+            <a:r>
+              <a:rPr lang="ko-KR" altLang="en-US" sz="1600" dirty="0">
+                <a:latin typeface="DM Mono" panose="020B0509040201040103" pitchFamily="49" charset="0"/>
+              </a:rPr>
+              <a:t>;</a:t>
+            </a:r>
+            <a:endParaRPr lang="en-US" altLang="ko-KR" sz="1600" dirty="0">
+              <a:latin typeface="DM Mono" panose="020B0509040201040103" pitchFamily="49" charset="0"/>
+            </a:endParaRPr>
+          </a:p>
+          <a:p>
+            <a:endParaRPr lang="en-US" altLang="ko-KR" sz="1600" dirty="0">
+              <a:latin typeface="DM Mono" panose="020B0509040201040103" pitchFamily="49" charset="0"/>
+            </a:endParaRPr>
+          </a:p>
+          <a:p>
+            <a:r>
+              <a:rPr lang="en-US" altLang="ko-KR" sz="1600" dirty="0">
+                <a:latin typeface="DM Mono" panose="020B0509040201040103" pitchFamily="49" charset="0"/>
+              </a:rPr>
+              <a:t>int* p;</a:t>
+            </a:r>
+          </a:p>
+          <a:p>
+            <a:r>
+              <a:rPr lang="en-US" altLang="ko-KR" sz="1600" dirty="0">
+                <a:latin typeface="DM Mono" panose="020B0509040201040103" pitchFamily="49" charset="0"/>
+              </a:rPr>
+              <a:t>p = &amp;age;</a:t>
+            </a:r>
+          </a:p>
+          <a:p>
+            <a:endParaRPr lang="en-US" altLang="ko-KR" sz="1600" dirty="0">
+              <a:latin typeface="DM Mono" panose="020B0509040201040103" pitchFamily="49" charset="0"/>
+            </a:endParaRPr>
+          </a:p>
+          <a:p>
+            <a:r>
+              <a:rPr lang="en-US" altLang="ko-KR" sz="1600" dirty="0" err="1">
+                <a:latin typeface="DM Mono" panose="020B0509040201040103" pitchFamily="49" charset="0"/>
+              </a:rPr>
+              <a:t>printf</a:t>
+            </a:r>
+            <a:r>
+              <a:rPr lang="en-US" altLang="ko-KR" sz="1600" dirty="0">
+                <a:latin typeface="DM Mono" panose="020B0509040201040103" pitchFamily="49" charset="0"/>
+              </a:rPr>
+              <a:t>(”%d\n”, </a:t>
+            </a:r>
+            <a:r>
+              <a:rPr lang="en-US" altLang="ko-KR" sz="1600" dirty="0">
+                <a:solidFill>
+                  <a:srgbClr val="FF0000"/>
+                </a:solidFill>
+                <a:latin typeface="DM Mono" panose="020B0509040201040103" pitchFamily="49" charset="0"/>
+              </a:rPr>
+              <a:t>*p</a:t>
+            </a:r>
+            <a:r>
+              <a:rPr lang="en-US" altLang="ko-KR" sz="1600" dirty="0">
+                <a:latin typeface="DM Mono" panose="020B0509040201040103" pitchFamily="49" charset="0"/>
+              </a:rPr>
+              <a:t>); // 42</a:t>
+            </a:r>
+            <a:endParaRPr lang="ko-KR" altLang="en-US" sz="1600" dirty="0">
+              <a:latin typeface="DM Mono" panose="020B0509040201040103" pitchFamily="49" charset="0"/>
+            </a:endParaRPr>
+          </a:p>
+        </p:txBody>
+      </p:sp>
+      <p:sp>
+        <p:nvSpPr>
+          <p:cNvPr id="6" name="직사각형 5">
+            <a:extLst>
+              <a:ext uri="{FF2B5EF4-FFF2-40B4-BE49-F238E27FC236}">
+                <a16:creationId xmlns:a16="http://schemas.microsoft.com/office/drawing/2014/main" id="{4F6909BF-8216-5DC5-B38B-8DE70BF55BD9}"/>
+              </a:ext>
+            </a:extLst>
+          </p:cNvPr>
+          <p:cNvSpPr/>
+          <p:nvPr/>
+        </p:nvSpPr>
+        <p:spPr>
+          <a:xfrm>
+            <a:off x="1621762" y="2907101"/>
+            <a:ext cx="1268087" cy="521899"/>
+          </a:xfrm>
+          <a:prstGeom prst="rect">
+            <a:avLst/>
+          </a:prstGeom>
+          <a:solidFill>
+            <a:srgbClr val="92D050"/>
+          </a:solidFill>
+        </p:spPr>
+        <p:style>
+          <a:lnRef idx="2">
+            <a:schemeClr val="accent1">
+              <a:shade val="15000"/>
+            </a:schemeClr>
+          </a:lnRef>
+          <a:fillRef idx="1">
+            <a:schemeClr val="accent1"/>
+          </a:fillRef>
+          <a:effectRef idx="0">
+            <a:schemeClr val="accent1"/>
+          </a:effectRef>
+          <a:fontRef idx="minor">
+            <a:schemeClr val="lt1"/>
+          </a:fontRef>
+        </p:style>
+        <p:txBody>
+          <a:bodyPr rtlCol="0" anchor="ctr"/>
+          <a:lstStyle/>
+          <a:p>
+            <a:pPr algn="ctr"/>
+            <a:r>
+              <a:rPr kumimoji="1" lang="en-US" altLang="ko-KR" sz="1600" dirty="0">
+                <a:solidFill>
+                  <a:schemeClr val="tx1"/>
+                </a:solidFill>
+                <a:latin typeface="DM Mono" panose="020B0509040201040103" pitchFamily="49" charset="0"/>
+              </a:rPr>
+              <a:t>42</a:t>
+            </a:r>
+            <a:endParaRPr kumimoji="1" lang="ko-KR" altLang="en-US" sz="1600" dirty="0">
+              <a:solidFill>
+                <a:schemeClr val="tx1"/>
+              </a:solidFill>
+              <a:latin typeface="DM Mono" panose="020B0509040201040103" pitchFamily="49" charset="0"/>
+            </a:endParaRPr>
+          </a:p>
+        </p:txBody>
+      </p:sp>
+      <p:sp>
+        <p:nvSpPr>
+          <p:cNvPr id="8" name="TextBox 7">
+            <a:extLst>
+              <a:ext uri="{FF2B5EF4-FFF2-40B4-BE49-F238E27FC236}">
+                <a16:creationId xmlns:a16="http://schemas.microsoft.com/office/drawing/2014/main" id="{A7EB1D88-005B-08EC-0EB3-4747C5C1DDDD}"/>
+              </a:ext>
+            </a:extLst>
+          </p:cNvPr>
+          <p:cNvSpPr txBox="1"/>
+          <p:nvPr/>
+        </p:nvSpPr>
+        <p:spPr>
+          <a:xfrm>
+            <a:off x="890673" y="2983384"/>
+            <a:ext cx="731089" cy="369332"/>
+          </a:xfrm>
+          <a:prstGeom prst="rect">
+            <a:avLst/>
+          </a:prstGeom>
+          <a:noFill/>
+        </p:spPr>
+        <p:txBody>
+          <a:bodyPr wrap="square">
+            <a:spAutoFit/>
+          </a:bodyPr>
+          <a:lstStyle/>
+          <a:p>
+            <a:pPr algn="r"/>
+            <a:r>
+              <a:rPr lang="ko-KR" altLang="en-US" sz="1800" dirty="0" err="1">
+                <a:latin typeface="DM Mono" panose="020B0509040201040103" pitchFamily="49" charset="0"/>
+              </a:rPr>
+              <a:t>age</a:t>
+            </a:r>
+            <a:endParaRPr lang="ko-KR" altLang="en-US" dirty="0"/>
+          </a:p>
+        </p:txBody>
+      </p:sp>
+      <p:sp>
+        <p:nvSpPr>
+          <p:cNvPr id="10" name="TextBox 9">
+            <a:extLst>
+              <a:ext uri="{FF2B5EF4-FFF2-40B4-BE49-F238E27FC236}">
+                <a16:creationId xmlns:a16="http://schemas.microsoft.com/office/drawing/2014/main" id="{B1C18809-4D91-7B35-2130-AFDF6D1A8773}"/>
+              </a:ext>
+            </a:extLst>
+          </p:cNvPr>
+          <p:cNvSpPr txBox="1"/>
+          <p:nvPr/>
+        </p:nvSpPr>
+        <p:spPr>
+          <a:xfrm>
+            <a:off x="1399636" y="2630101"/>
+            <a:ext cx="713836" cy="276999"/>
+          </a:xfrm>
+          <a:prstGeom prst="rect">
+            <a:avLst/>
+          </a:prstGeom>
+          <a:noFill/>
+        </p:spPr>
+        <p:txBody>
+          <a:bodyPr wrap="square">
+            <a:spAutoFit/>
+          </a:bodyPr>
+          <a:lstStyle/>
+          <a:p>
+            <a:r>
+              <a:rPr kumimoji="1" lang="en-US" altLang="ko-KR" sz="1200" dirty="0">
+                <a:solidFill>
+                  <a:schemeClr val="tx1"/>
+                </a:solidFill>
+                <a:latin typeface="DM Mono" panose="020B0509040201040103" pitchFamily="49" charset="0"/>
+              </a:rPr>
+              <a:t>200</a:t>
+            </a:r>
+            <a:endParaRPr lang="ko-KR" altLang="en-US" sz="1200" dirty="0"/>
+          </a:p>
+        </p:txBody>
+      </p:sp>
+      <p:sp>
+        <p:nvSpPr>
+          <p:cNvPr id="11" name="직사각형 10">
+            <a:extLst>
+              <a:ext uri="{FF2B5EF4-FFF2-40B4-BE49-F238E27FC236}">
+                <a16:creationId xmlns:a16="http://schemas.microsoft.com/office/drawing/2014/main" id="{658A53FE-86A1-24A2-8DFD-CA04673E8C29}"/>
+              </a:ext>
+            </a:extLst>
+          </p:cNvPr>
+          <p:cNvSpPr/>
+          <p:nvPr/>
+        </p:nvSpPr>
+        <p:spPr>
+          <a:xfrm>
+            <a:off x="1621762" y="4269767"/>
+            <a:ext cx="1268087" cy="521899"/>
+          </a:xfrm>
+          <a:prstGeom prst="rect">
+            <a:avLst/>
+          </a:prstGeom>
+          <a:solidFill>
+            <a:srgbClr val="FFFF00"/>
+          </a:solidFill>
+        </p:spPr>
+        <p:style>
+          <a:lnRef idx="2">
+            <a:schemeClr val="accent1">
+              <a:shade val="15000"/>
+            </a:schemeClr>
+          </a:lnRef>
+          <a:fillRef idx="1">
+            <a:schemeClr val="accent1"/>
+          </a:fillRef>
+          <a:effectRef idx="0">
+            <a:schemeClr val="accent1"/>
+          </a:effectRef>
+          <a:fontRef idx="minor">
+            <a:schemeClr val="lt1"/>
+          </a:fontRef>
+        </p:style>
+        <p:txBody>
+          <a:bodyPr rtlCol="0" anchor="ctr"/>
+          <a:lstStyle/>
+          <a:p>
+            <a:pPr algn="ctr"/>
+            <a:r>
+              <a:rPr kumimoji="1" lang="en-US" altLang="ko-KR" sz="1600" dirty="0">
+                <a:solidFill>
+                  <a:srgbClr val="FF0000"/>
+                </a:solidFill>
+                <a:latin typeface="DM Mono" panose="020B0509040201040103" pitchFamily="49" charset="0"/>
+              </a:rPr>
+              <a:t>200</a:t>
+            </a:r>
+            <a:endParaRPr kumimoji="1" lang="ko-KR" altLang="en-US" sz="1600" dirty="0">
+              <a:solidFill>
+                <a:srgbClr val="FF0000"/>
+              </a:solidFill>
+              <a:latin typeface="DM Mono" panose="020B0509040201040103" pitchFamily="49" charset="0"/>
+            </a:endParaRPr>
+          </a:p>
+        </p:txBody>
+      </p:sp>
+      <p:sp>
+        <p:nvSpPr>
+          <p:cNvPr id="12" name="TextBox 11">
+            <a:extLst>
+              <a:ext uri="{FF2B5EF4-FFF2-40B4-BE49-F238E27FC236}">
+                <a16:creationId xmlns:a16="http://schemas.microsoft.com/office/drawing/2014/main" id="{38BCD862-3D35-3AAD-A828-26158764DA81}"/>
+              </a:ext>
+            </a:extLst>
+          </p:cNvPr>
+          <p:cNvSpPr txBox="1"/>
+          <p:nvPr/>
+        </p:nvSpPr>
+        <p:spPr>
+          <a:xfrm>
+            <a:off x="890673" y="4346050"/>
+            <a:ext cx="731089" cy="369332"/>
+          </a:xfrm>
+          <a:prstGeom prst="rect">
+            <a:avLst/>
+          </a:prstGeom>
+          <a:noFill/>
+        </p:spPr>
+        <p:txBody>
+          <a:bodyPr wrap="square">
+            <a:spAutoFit/>
+          </a:bodyPr>
+          <a:lstStyle/>
+          <a:p>
+            <a:pPr algn="r"/>
+            <a:r>
+              <a:rPr lang="en-US" altLang="ko-KR" sz="1800" dirty="0">
+                <a:latin typeface="DM Mono" panose="020B0509040201040103" pitchFamily="49" charset="0"/>
+              </a:rPr>
+              <a:t>p</a:t>
+            </a:r>
+            <a:endParaRPr lang="ko-KR" altLang="en-US" dirty="0"/>
+          </a:p>
+        </p:txBody>
+      </p:sp>
+      <p:cxnSp>
+        <p:nvCxnSpPr>
+          <p:cNvPr id="3" name="구부러진 연결선[U] 2">
+            <a:extLst>
+              <a:ext uri="{FF2B5EF4-FFF2-40B4-BE49-F238E27FC236}">
+                <a16:creationId xmlns:a16="http://schemas.microsoft.com/office/drawing/2014/main" id="{8C2F86C8-1EDD-5F1E-8B21-739AB814B541}"/>
+              </a:ext>
+            </a:extLst>
+          </p:cNvPr>
+          <p:cNvCxnSpPr>
+            <a:stCxn id="11" idx="3"/>
+            <a:endCxn id="6" idx="3"/>
+          </p:cNvCxnSpPr>
+          <p:nvPr/>
+        </p:nvCxnSpPr>
+        <p:spPr>
+          <a:xfrm flipV="1">
+            <a:off x="2889849" y="3168051"/>
+            <a:ext cx="12700" cy="1362666"/>
+          </a:xfrm>
+          <a:prstGeom prst="curvedConnector3">
+            <a:avLst>
+              <a:gd name="adj1" fmla="val 6554717"/>
+            </a:avLst>
+          </a:prstGeom>
+          <a:ln>
+            <a:tailEnd type="triangle"/>
+          </a:ln>
+        </p:spPr>
+        <p:style>
+          <a:lnRef idx="1">
+            <a:schemeClr val="dk1"/>
+          </a:lnRef>
+          <a:fillRef idx="0">
+            <a:schemeClr val="dk1"/>
+          </a:fillRef>
+          <a:effectRef idx="0">
+            <a:schemeClr val="dk1"/>
+          </a:effectRef>
+          <a:fontRef idx="minor">
+            <a:schemeClr val="tx1"/>
+          </a:fontRef>
+        </p:style>
+      </p:cxnSp>
+    </p:spTree>
+    <p:extLst>
+      <p:ext uri="{BB962C8B-B14F-4D97-AF65-F5344CB8AC3E}">
+        <p14:creationId xmlns:p14="http://schemas.microsoft.com/office/powerpoint/2010/main" val="2286576011"/>
+      </p:ext>
+    </p:extLst>
+  </p:cSld>
+  <p:clrMapOvr>
+    <a:masterClrMapping/>
+  </p:clrMapOvr>
+</p:sld>
+</file>
+
+<file path=ppt/slides/slide4.xml><?xml version="1.0" encoding="utf-8"?>
+<p:sld xmlns:a="http://schemas.openxmlformats.org/drawingml/2006/main" xmlns:r="http://schemas.openxmlformats.org/officeDocument/2006/relationships" xmlns:p="http://schemas.openxmlformats.org/presentationml/2006/main">
+  <p:cSld>
+    <p:spTree>
+      <p:nvGrpSpPr>
+        <p:cNvPr id="1" name=""/>
+        <p:cNvGrpSpPr/>
+        <p:nvPr/>
+      </p:nvGrpSpPr>
+      <p:grpSpPr>
+        <a:xfrm>
+          <a:off x="0" y="0"/>
+          <a:ext cx="0" cy="0"/>
+          <a:chOff x="0" y="0"/>
+          <a:chExt cx="0" cy="0"/>
+        </a:xfrm>
+      </p:grpSpPr>
+      <p:sp>
+        <p:nvSpPr>
+          <p:cNvPr id="5" name="TextBox 4">
+            <a:extLst>
+              <a:ext uri="{FF2B5EF4-FFF2-40B4-BE49-F238E27FC236}">
+                <a16:creationId xmlns:a16="http://schemas.microsoft.com/office/drawing/2014/main" id="{9C7B23C2-934E-0E1F-A4BB-6F30E14D22F1}"/>
+              </a:ext>
+            </a:extLst>
+          </p:cNvPr>
+          <p:cNvSpPr txBox="1"/>
+          <p:nvPr/>
+        </p:nvSpPr>
+        <p:spPr>
+          <a:xfrm>
+            <a:off x="554247" y="423496"/>
+            <a:ext cx="6094562" cy="2062103"/>
+          </a:xfrm>
+          <a:prstGeom prst="rect">
+            <a:avLst/>
+          </a:prstGeom>
+          <a:noFill/>
+        </p:spPr>
+        <p:txBody>
+          <a:bodyPr wrap="square">
+            <a:spAutoFit/>
+          </a:bodyPr>
+          <a:lstStyle/>
+          <a:p>
+            <a:r>
+              <a:rPr lang="ko-KR" altLang="en-US" sz="1600" dirty="0" err="1">
+                <a:latin typeface="DM Mono" panose="020B0509040201040103" pitchFamily="49" charset="0"/>
+              </a:rPr>
+              <a:t>int</a:t>
+            </a:r>
+            <a:r>
+              <a:rPr lang="ko-KR" altLang="en-US" sz="1600" dirty="0">
+                <a:latin typeface="DM Mono" panose="020B0509040201040103" pitchFamily="49" charset="0"/>
+              </a:rPr>
+              <a:t> </a:t>
+            </a:r>
+            <a:r>
+              <a:rPr lang="ko-KR" altLang="en-US" sz="1600" dirty="0" err="1">
+                <a:latin typeface="DM Mono" panose="020B0509040201040103" pitchFamily="49" charset="0"/>
+              </a:rPr>
+              <a:t>age</a:t>
+            </a:r>
+            <a:r>
+              <a:rPr lang="en-US" altLang="ko-KR" sz="1600" dirty="0">
+                <a:latin typeface="DM Mono" panose="020B0509040201040103" pitchFamily="49" charset="0"/>
+              </a:rPr>
+              <a:t> = 42</a:t>
+            </a:r>
+            <a:r>
+              <a:rPr lang="ko-KR" altLang="en-US" sz="1600" dirty="0">
+                <a:latin typeface="DM Mono" panose="020B0509040201040103" pitchFamily="49" charset="0"/>
+              </a:rPr>
+              <a:t>;</a:t>
+            </a:r>
+            <a:endParaRPr lang="en-US" altLang="ko-KR" sz="1600" dirty="0">
+              <a:latin typeface="DM Mono" panose="020B0509040201040103" pitchFamily="49" charset="0"/>
+            </a:endParaRPr>
+          </a:p>
+          <a:p>
+            <a:endParaRPr lang="en-US" altLang="ko-KR" sz="1600" dirty="0">
+              <a:latin typeface="DM Mono" panose="020B0509040201040103" pitchFamily="49" charset="0"/>
+            </a:endParaRPr>
+          </a:p>
+          <a:p>
+            <a:r>
+              <a:rPr lang="en-US" altLang="ko-KR" sz="1600" dirty="0">
+                <a:latin typeface="DM Mono" panose="020B0509040201040103" pitchFamily="49" charset="0"/>
+              </a:rPr>
+              <a:t>int* p;</a:t>
+            </a:r>
+          </a:p>
+          <a:p>
+            <a:r>
+              <a:rPr lang="en-US" altLang="ko-KR" sz="1600" dirty="0">
+                <a:latin typeface="DM Mono" panose="020B0509040201040103" pitchFamily="49" charset="0"/>
+              </a:rPr>
+              <a:t>p = &amp;age;</a:t>
+            </a:r>
+          </a:p>
+          <a:p>
+            <a:endParaRPr lang="en-US" altLang="ko-KR" sz="1600" dirty="0">
+              <a:latin typeface="DM Mono" panose="020B0509040201040103" pitchFamily="49" charset="0"/>
+            </a:endParaRPr>
+          </a:p>
+          <a:p>
+            <a:r>
+              <a:rPr lang="en-US" altLang="ko-KR" sz="1600" dirty="0" err="1">
+                <a:latin typeface="DM Mono" panose="020B0509040201040103" pitchFamily="49" charset="0"/>
+              </a:rPr>
+              <a:t>printf</a:t>
+            </a:r>
+            <a:r>
+              <a:rPr lang="en-US" altLang="ko-KR" sz="1600" dirty="0">
+                <a:latin typeface="DM Mono" panose="020B0509040201040103" pitchFamily="49" charset="0"/>
+              </a:rPr>
+              <a:t>(”%d\n”, </a:t>
+            </a:r>
+            <a:r>
+              <a:rPr lang="en-US" altLang="ko-KR" sz="1600" dirty="0">
+                <a:solidFill>
+                  <a:srgbClr val="FF0000"/>
+                </a:solidFill>
+                <a:latin typeface="DM Mono" panose="020B0509040201040103" pitchFamily="49" charset="0"/>
+              </a:rPr>
+              <a:t>*p</a:t>
+            </a:r>
+            <a:r>
+              <a:rPr lang="en-US" altLang="ko-KR" sz="1600" dirty="0">
+                <a:latin typeface="DM Mono" panose="020B0509040201040103" pitchFamily="49" charset="0"/>
+              </a:rPr>
+              <a:t>); // 42</a:t>
+            </a:r>
+          </a:p>
+          <a:p>
+            <a:endParaRPr lang="en-US" altLang="ko-KR" sz="1600" dirty="0">
+              <a:latin typeface="DM Mono" panose="020B0509040201040103" pitchFamily="49" charset="0"/>
+            </a:endParaRPr>
+          </a:p>
+          <a:p>
+            <a:r>
+              <a:rPr lang="en-US" altLang="ko-KR" sz="1600" dirty="0">
+                <a:solidFill>
+                  <a:srgbClr val="FF0000"/>
+                </a:solidFill>
+                <a:latin typeface="DM Mono" panose="020B0509040201040103" pitchFamily="49" charset="0"/>
+              </a:rPr>
+              <a:t>*p = 100;</a:t>
+            </a:r>
+          </a:p>
+        </p:txBody>
+      </p:sp>
+      <p:sp>
+        <p:nvSpPr>
+          <p:cNvPr id="6" name="직사각형 5">
+            <a:extLst>
+              <a:ext uri="{FF2B5EF4-FFF2-40B4-BE49-F238E27FC236}">
+                <a16:creationId xmlns:a16="http://schemas.microsoft.com/office/drawing/2014/main" id="{4F6909BF-8216-5DC5-B38B-8DE70BF55BD9}"/>
+              </a:ext>
+            </a:extLst>
+          </p:cNvPr>
+          <p:cNvSpPr/>
+          <p:nvPr/>
+        </p:nvSpPr>
+        <p:spPr>
+          <a:xfrm>
+            <a:off x="1621762" y="2907101"/>
+            <a:ext cx="1268087" cy="521899"/>
+          </a:xfrm>
+          <a:prstGeom prst="rect">
+            <a:avLst/>
+          </a:prstGeom>
+          <a:solidFill>
+            <a:srgbClr val="92D050"/>
+          </a:solidFill>
+        </p:spPr>
+        <p:style>
+          <a:lnRef idx="2">
+            <a:schemeClr val="accent1">
+              <a:shade val="15000"/>
+            </a:schemeClr>
+          </a:lnRef>
+          <a:fillRef idx="1">
+            <a:schemeClr val="accent1"/>
+          </a:fillRef>
+          <a:effectRef idx="0">
+            <a:schemeClr val="accent1"/>
+          </a:effectRef>
+          <a:fontRef idx="minor">
+            <a:schemeClr val="lt1"/>
+          </a:fontRef>
+        </p:style>
+        <p:txBody>
+          <a:bodyPr rtlCol="0" anchor="ctr"/>
+          <a:lstStyle/>
+          <a:p>
+            <a:pPr algn="ctr"/>
+            <a:r>
+              <a:rPr kumimoji="1" lang="en-US" altLang="ko-KR" sz="1600" dirty="0">
+                <a:solidFill>
+                  <a:srgbClr val="FF0000"/>
+                </a:solidFill>
+                <a:latin typeface="DM Mono" panose="020B0509040201040103" pitchFamily="49" charset="0"/>
+              </a:rPr>
+              <a:t>100</a:t>
+            </a:r>
+            <a:endParaRPr kumimoji="1" lang="ko-KR" altLang="en-US" sz="1600" dirty="0">
+              <a:solidFill>
+                <a:srgbClr val="FF0000"/>
+              </a:solidFill>
+              <a:latin typeface="DM Mono" panose="020B0509040201040103" pitchFamily="49" charset="0"/>
+            </a:endParaRPr>
+          </a:p>
+        </p:txBody>
+      </p:sp>
+      <p:sp>
+        <p:nvSpPr>
+          <p:cNvPr id="8" name="TextBox 7">
+            <a:extLst>
+              <a:ext uri="{FF2B5EF4-FFF2-40B4-BE49-F238E27FC236}">
+                <a16:creationId xmlns:a16="http://schemas.microsoft.com/office/drawing/2014/main" id="{A7EB1D88-005B-08EC-0EB3-4747C5C1DDDD}"/>
+              </a:ext>
+            </a:extLst>
+          </p:cNvPr>
+          <p:cNvSpPr txBox="1"/>
+          <p:nvPr/>
+        </p:nvSpPr>
+        <p:spPr>
+          <a:xfrm>
+            <a:off x="890673" y="2983384"/>
+            <a:ext cx="731089" cy="369332"/>
+          </a:xfrm>
+          <a:prstGeom prst="rect">
+            <a:avLst/>
+          </a:prstGeom>
+          <a:noFill/>
+        </p:spPr>
+        <p:txBody>
+          <a:bodyPr wrap="square">
+            <a:spAutoFit/>
+          </a:bodyPr>
+          <a:lstStyle/>
+          <a:p>
+            <a:pPr algn="r"/>
+            <a:r>
+              <a:rPr lang="ko-KR" altLang="en-US" sz="1800" dirty="0" err="1">
+                <a:latin typeface="DM Mono" panose="020B0509040201040103" pitchFamily="49" charset="0"/>
+              </a:rPr>
+              <a:t>age</a:t>
+            </a:r>
+            <a:endParaRPr lang="ko-KR" altLang="en-US" dirty="0"/>
+          </a:p>
+        </p:txBody>
+      </p:sp>
+      <p:sp>
+        <p:nvSpPr>
+          <p:cNvPr id="10" name="TextBox 9">
+            <a:extLst>
+              <a:ext uri="{FF2B5EF4-FFF2-40B4-BE49-F238E27FC236}">
+                <a16:creationId xmlns:a16="http://schemas.microsoft.com/office/drawing/2014/main" id="{B1C18809-4D91-7B35-2130-AFDF6D1A8773}"/>
+              </a:ext>
+            </a:extLst>
+          </p:cNvPr>
+          <p:cNvSpPr txBox="1"/>
+          <p:nvPr/>
+        </p:nvSpPr>
+        <p:spPr>
+          <a:xfrm>
+            <a:off x="1399636" y="2630101"/>
+            <a:ext cx="713836" cy="276999"/>
+          </a:xfrm>
+          <a:prstGeom prst="rect">
+            <a:avLst/>
+          </a:prstGeom>
+          <a:noFill/>
+        </p:spPr>
+        <p:txBody>
+          <a:bodyPr wrap="square">
+            <a:spAutoFit/>
+          </a:bodyPr>
+          <a:lstStyle/>
+          <a:p>
+            <a:r>
+              <a:rPr kumimoji="1" lang="en-US" altLang="ko-KR" sz="1200" dirty="0">
+                <a:solidFill>
+                  <a:schemeClr val="tx1"/>
+                </a:solidFill>
+                <a:latin typeface="DM Mono" panose="020B0509040201040103" pitchFamily="49" charset="0"/>
+              </a:rPr>
+              <a:t>200</a:t>
+            </a:r>
+            <a:endParaRPr lang="ko-KR" altLang="en-US" sz="1200" dirty="0"/>
+          </a:p>
+        </p:txBody>
+      </p:sp>
+      <p:sp>
+        <p:nvSpPr>
+          <p:cNvPr id="11" name="직사각형 10">
+            <a:extLst>
+              <a:ext uri="{FF2B5EF4-FFF2-40B4-BE49-F238E27FC236}">
+                <a16:creationId xmlns:a16="http://schemas.microsoft.com/office/drawing/2014/main" id="{658A53FE-86A1-24A2-8DFD-CA04673E8C29}"/>
+              </a:ext>
+            </a:extLst>
+          </p:cNvPr>
+          <p:cNvSpPr/>
+          <p:nvPr/>
+        </p:nvSpPr>
+        <p:spPr>
+          <a:xfrm>
+            <a:off x="1621762" y="4269767"/>
+            <a:ext cx="1268087" cy="521899"/>
+          </a:xfrm>
+          <a:prstGeom prst="rect">
+            <a:avLst/>
+          </a:prstGeom>
+          <a:solidFill>
+            <a:srgbClr val="FFFF00"/>
+          </a:solidFill>
+        </p:spPr>
+        <p:style>
+          <a:lnRef idx="2">
+            <a:schemeClr val="accent1">
+              <a:shade val="15000"/>
+            </a:schemeClr>
+          </a:lnRef>
+          <a:fillRef idx="1">
+            <a:schemeClr val="accent1"/>
+          </a:fillRef>
+          <a:effectRef idx="0">
+            <a:schemeClr val="accent1"/>
+          </a:effectRef>
+          <a:fontRef idx="minor">
+            <a:schemeClr val="lt1"/>
+          </a:fontRef>
+        </p:style>
+        <p:txBody>
+          <a:bodyPr rtlCol="0" anchor="ctr"/>
+          <a:lstStyle/>
+          <a:p>
+            <a:pPr algn="ctr"/>
+            <a:r>
+              <a:rPr kumimoji="1" lang="en-US" altLang="ko-KR" sz="1600" dirty="0">
+                <a:solidFill>
+                  <a:srgbClr val="FF0000"/>
+                </a:solidFill>
+                <a:latin typeface="DM Mono" panose="020B0509040201040103" pitchFamily="49" charset="0"/>
+              </a:rPr>
+              <a:t>200</a:t>
+            </a:r>
+            <a:endParaRPr kumimoji="1" lang="ko-KR" altLang="en-US" sz="1600" dirty="0">
+              <a:solidFill>
+                <a:srgbClr val="FF0000"/>
+              </a:solidFill>
+              <a:latin typeface="DM Mono" panose="020B0509040201040103" pitchFamily="49" charset="0"/>
+            </a:endParaRPr>
+          </a:p>
+        </p:txBody>
+      </p:sp>
+      <p:sp>
+        <p:nvSpPr>
+          <p:cNvPr id="12" name="TextBox 11">
+            <a:extLst>
+              <a:ext uri="{FF2B5EF4-FFF2-40B4-BE49-F238E27FC236}">
+                <a16:creationId xmlns:a16="http://schemas.microsoft.com/office/drawing/2014/main" id="{38BCD862-3D35-3AAD-A828-26158764DA81}"/>
+              </a:ext>
+            </a:extLst>
+          </p:cNvPr>
+          <p:cNvSpPr txBox="1"/>
+          <p:nvPr/>
+        </p:nvSpPr>
+        <p:spPr>
+          <a:xfrm>
+            <a:off x="890673" y="4346050"/>
+            <a:ext cx="731089" cy="369332"/>
+          </a:xfrm>
+          <a:prstGeom prst="rect">
+            <a:avLst/>
+          </a:prstGeom>
+          <a:noFill/>
+        </p:spPr>
+        <p:txBody>
+          <a:bodyPr wrap="square">
+            <a:spAutoFit/>
+          </a:bodyPr>
+          <a:lstStyle/>
+          <a:p>
+            <a:pPr algn="r"/>
+            <a:r>
+              <a:rPr lang="en-US" altLang="ko-KR" sz="1800" dirty="0">
+                <a:latin typeface="DM Mono" panose="020B0509040201040103" pitchFamily="49" charset="0"/>
+              </a:rPr>
+              <a:t>p</a:t>
+            </a:r>
+            <a:endParaRPr lang="ko-KR" altLang="en-US" dirty="0"/>
+          </a:p>
+        </p:txBody>
+      </p:sp>
+      <p:cxnSp>
+        <p:nvCxnSpPr>
+          <p:cNvPr id="3" name="구부러진 연결선[U] 2">
+            <a:extLst>
+              <a:ext uri="{FF2B5EF4-FFF2-40B4-BE49-F238E27FC236}">
+                <a16:creationId xmlns:a16="http://schemas.microsoft.com/office/drawing/2014/main" id="{8C2F86C8-1EDD-5F1E-8B21-739AB814B541}"/>
+              </a:ext>
+            </a:extLst>
+          </p:cNvPr>
+          <p:cNvCxnSpPr>
+            <a:stCxn id="11" idx="3"/>
+            <a:endCxn id="6" idx="3"/>
+          </p:cNvCxnSpPr>
+          <p:nvPr/>
+        </p:nvCxnSpPr>
+        <p:spPr>
+          <a:xfrm flipV="1">
+            <a:off x="2889849" y="3168051"/>
+            <a:ext cx="12700" cy="1362666"/>
+          </a:xfrm>
+          <a:prstGeom prst="curvedConnector3">
+            <a:avLst>
+              <a:gd name="adj1" fmla="val 6554717"/>
+            </a:avLst>
+          </a:prstGeom>
+          <a:ln>
+            <a:tailEnd type="triangle"/>
+          </a:ln>
+        </p:spPr>
+        <p:style>
+          <a:lnRef idx="1">
+            <a:schemeClr val="dk1"/>
+          </a:lnRef>
+          <a:fillRef idx="0">
+            <a:schemeClr val="dk1"/>
+          </a:fillRef>
+          <a:effectRef idx="0">
+            <a:schemeClr val="dk1"/>
+          </a:effectRef>
+          <a:fontRef idx="minor">
+            <a:schemeClr val="tx1"/>
+          </a:fontRef>
+        </p:style>
+      </p:cxnSp>
+    </p:spTree>
+    <p:extLst>
+      <p:ext uri="{BB962C8B-B14F-4D97-AF65-F5344CB8AC3E}">
+        <p14:creationId xmlns:p14="http://schemas.microsoft.com/office/powerpoint/2010/main" val="743678252"/>
+      </p:ext>
+    </p:extLst>
+  </p:cSld>
+  <p:clrMapOvr>
+    <a:masterClrMapping/>
+  </p:clrMapOvr>
+</p:sld>
+</file>
+
+<file path=ppt/slides/slide5.xml><?xml version="1.0" encoding="utf-8"?>
+<p:sld xmlns:a="http://schemas.openxmlformats.org/drawingml/2006/main" xmlns:r="http://schemas.openxmlformats.org/officeDocument/2006/relationships" xmlns:p="http://schemas.openxmlformats.org/presentationml/2006/main">
+  <p:cSld>
+    <p:spTree>
+      <p:nvGrpSpPr>
+        <p:cNvPr id="1" name=""/>
+        <p:cNvGrpSpPr/>
+        <p:nvPr/>
+      </p:nvGrpSpPr>
+      <p:grpSpPr>
+        <a:xfrm>
+          <a:off x="0" y="0"/>
+          <a:ext cx="0" cy="0"/>
+          <a:chOff x="0" y="0"/>
+          <a:chExt cx="0" cy="0"/>
+        </a:xfrm>
+      </p:grpSpPr>
+      <p:sp>
+        <p:nvSpPr>
+          <p:cNvPr id="9" name="모서리가 둥근 직사각형 8">
+            <a:extLst>
+              <a:ext uri="{FF2B5EF4-FFF2-40B4-BE49-F238E27FC236}">
+                <a16:creationId xmlns:a16="http://schemas.microsoft.com/office/drawing/2014/main" id="{9530EE96-6809-0882-49F2-6C0149D9C941}"/>
+              </a:ext>
+            </a:extLst>
+          </p:cNvPr>
+          <p:cNvSpPr/>
+          <p:nvPr/>
+        </p:nvSpPr>
+        <p:spPr>
+          <a:xfrm>
+            <a:off x="1065541" y="3680271"/>
+            <a:ext cx="4435974" cy="2773428"/>
+          </a:xfrm>
+          <a:prstGeom prst="roundRect">
+            <a:avLst/>
+          </a:prstGeom>
+          <a:solidFill>
+            <a:schemeClr val="bg1"/>
+          </a:solidFill>
+        </p:spPr>
+        <p:style>
+          <a:lnRef idx="2">
+            <a:schemeClr val="accent1">
+              <a:shade val="15000"/>
+            </a:schemeClr>
+          </a:lnRef>
+          <a:fillRef idx="1">
+            <a:schemeClr val="accent1"/>
+          </a:fillRef>
+          <a:effectRef idx="0">
+            <a:schemeClr val="accent1"/>
+          </a:effectRef>
+          <a:fontRef idx="minor">
+            <a:schemeClr val="lt1"/>
+          </a:fontRef>
+        </p:style>
+        <p:txBody>
+          <a:bodyPr rtlCol="0" anchor="ctr"/>
+          <a:lstStyle/>
+          <a:p>
+            <a:pPr algn="ctr"/>
+            <a:endParaRPr kumimoji="1" lang="ko-KR" altLang="en-US"/>
+          </a:p>
+        </p:txBody>
+      </p:sp>
+      <p:sp>
+        <p:nvSpPr>
+          <p:cNvPr id="5" name="TextBox 4">
+            <a:extLst>
+              <a:ext uri="{FF2B5EF4-FFF2-40B4-BE49-F238E27FC236}">
+                <a16:creationId xmlns:a16="http://schemas.microsoft.com/office/drawing/2014/main" id="{FA958DEC-2F6F-0610-887A-3446B7CFAB31}"/>
+              </a:ext>
+            </a:extLst>
+          </p:cNvPr>
+          <p:cNvSpPr txBox="1"/>
+          <p:nvPr/>
+        </p:nvSpPr>
+        <p:spPr>
+          <a:xfrm>
+            <a:off x="425083" y="251720"/>
+            <a:ext cx="6094740" cy="2677656"/>
+          </a:xfrm>
+          <a:prstGeom prst="rect">
+            <a:avLst/>
+          </a:prstGeom>
+          <a:noFill/>
+        </p:spPr>
+        <p:txBody>
+          <a:bodyPr wrap="square">
+            <a:spAutoFit/>
+          </a:bodyPr>
+          <a:lstStyle/>
+          <a:p>
+            <a:r>
+              <a:rPr lang="ko-KR" altLang="en-US" sz="1400" dirty="0" err="1">
+                <a:latin typeface="DM Mono" panose="020B0509040201040103" pitchFamily="49" charset="0"/>
+              </a:rPr>
+              <a:t>void</a:t>
+            </a:r>
+            <a:r>
+              <a:rPr lang="ko-KR" altLang="en-US" sz="1400" dirty="0">
+                <a:latin typeface="DM Mono" panose="020B0509040201040103" pitchFamily="49" charset="0"/>
+              </a:rPr>
+              <a:t> Increment1(</a:t>
+            </a:r>
+            <a:r>
+              <a:rPr lang="ko-KR" altLang="en-US" sz="1400" dirty="0" err="1">
+                <a:latin typeface="DM Mono" panose="020B0509040201040103" pitchFamily="49" charset="0"/>
+              </a:rPr>
+              <a:t>int</a:t>
+            </a:r>
+            <a:r>
+              <a:rPr lang="ko-KR" altLang="en-US" sz="1400" dirty="0">
+                <a:latin typeface="DM Mono" panose="020B0509040201040103" pitchFamily="49" charset="0"/>
+              </a:rPr>
+              <a:t> </a:t>
+            </a:r>
+            <a:r>
+              <a:rPr lang="ko-KR" altLang="en-US" sz="1400" dirty="0" err="1">
+                <a:latin typeface="DM Mono" panose="020B0509040201040103" pitchFamily="49" charset="0"/>
+              </a:rPr>
+              <a:t>x</a:t>
+            </a:r>
+            <a:r>
+              <a:rPr lang="ko-KR" altLang="en-US" sz="1400" dirty="0">
+                <a:latin typeface="DM Mono" panose="020B0509040201040103" pitchFamily="49" charset="0"/>
+              </a:rPr>
+              <a:t>)</a:t>
+            </a:r>
+          </a:p>
+          <a:p>
+            <a:r>
+              <a:rPr lang="ko-KR" altLang="en-US" sz="1400" dirty="0">
+                <a:latin typeface="DM Mono" panose="020B0509040201040103" pitchFamily="49" charset="0"/>
+              </a:rPr>
+              <a:t>{</a:t>
+            </a:r>
+          </a:p>
+          <a:p>
+            <a:r>
+              <a:rPr lang="ko-KR" altLang="en-US" sz="1400" dirty="0">
+                <a:latin typeface="DM Mono" panose="020B0509040201040103" pitchFamily="49" charset="0"/>
+              </a:rPr>
+              <a:t>    ++</a:t>
+            </a:r>
+            <a:r>
+              <a:rPr lang="ko-KR" altLang="en-US" sz="1400" dirty="0" err="1">
+                <a:latin typeface="DM Mono" panose="020B0509040201040103" pitchFamily="49" charset="0"/>
+              </a:rPr>
+              <a:t>x</a:t>
+            </a:r>
+            <a:r>
+              <a:rPr lang="ko-KR" altLang="en-US" sz="1400" dirty="0">
+                <a:latin typeface="DM Mono" panose="020B0509040201040103" pitchFamily="49" charset="0"/>
+              </a:rPr>
+              <a:t>;</a:t>
+            </a:r>
+          </a:p>
+          <a:p>
+            <a:r>
+              <a:rPr lang="ko-KR" altLang="en-US" sz="1400" dirty="0">
+                <a:latin typeface="DM Mono" panose="020B0509040201040103" pitchFamily="49" charset="0"/>
+              </a:rPr>
+              <a:t>}</a:t>
+            </a:r>
+          </a:p>
+          <a:p>
+            <a:endParaRPr lang="ko-KR" altLang="en-US" sz="1400" dirty="0">
+              <a:latin typeface="DM Mono" panose="020B0509040201040103" pitchFamily="49" charset="0"/>
+            </a:endParaRPr>
+          </a:p>
+          <a:p>
+            <a:r>
+              <a:rPr lang="ko-KR" altLang="en-US" sz="1400" dirty="0" err="1">
+                <a:latin typeface="DM Mono" panose="020B0509040201040103" pitchFamily="49" charset="0"/>
+              </a:rPr>
+              <a:t>int</a:t>
+            </a:r>
+            <a:r>
+              <a:rPr lang="ko-KR" altLang="en-US" sz="1400" dirty="0">
+                <a:latin typeface="DM Mono" panose="020B0509040201040103" pitchFamily="49" charset="0"/>
+              </a:rPr>
+              <a:t> </a:t>
+            </a:r>
+            <a:r>
+              <a:rPr lang="ko-KR" altLang="en-US" sz="1400" dirty="0" err="1">
+                <a:latin typeface="DM Mono" panose="020B0509040201040103" pitchFamily="49" charset="0"/>
+              </a:rPr>
+              <a:t>main</a:t>
+            </a:r>
+            <a:r>
+              <a:rPr lang="ko-KR" altLang="en-US" sz="1400" dirty="0">
+                <a:latin typeface="DM Mono" panose="020B0509040201040103" pitchFamily="49" charset="0"/>
+              </a:rPr>
+              <a:t>(</a:t>
+            </a:r>
+            <a:r>
+              <a:rPr lang="ko-KR" altLang="en-US" sz="1400" dirty="0" err="1">
+                <a:latin typeface="DM Mono" panose="020B0509040201040103" pitchFamily="49" charset="0"/>
+              </a:rPr>
+              <a:t>void</a:t>
+            </a:r>
+            <a:r>
+              <a:rPr lang="ko-KR" altLang="en-US" sz="1400" dirty="0">
+                <a:latin typeface="DM Mono" panose="020B0509040201040103" pitchFamily="49" charset="0"/>
+              </a:rPr>
+              <a:t>)</a:t>
+            </a:r>
+          </a:p>
+          <a:p>
+            <a:r>
+              <a:rPr lang="ko-KR" altLang="en-US" sz="1400" dirty="0">
+                <a:latin typeface="DM Mono" panose="020B0509040201040103" pitchFamily="49" charset="0"/>
+              </a:rPr>
+              <a:t>{</a:t>
+            </a:r>
+          </a:p>
+          <a:p>
+            <a:r>
+              <a:rPr lang="ko-KR" altLang="en-US" sz="1400" dirty="0">
+                <a:solidFill>
+                  <a:srgbClr val="FF0000"/>
+                </a:solidFill>
+                <a:latin typeface="DM Mono" panose="020B0509040201040103" pitchFamily="49" charset="0"/>
+              </a:rPr>
+              <a:t>    </a:t>
+            </a:r>
+            <a:r>
+              <a:rPr lang="ko-KR" altLang="en-US" sz="1400" dirty="0" err="1">
+                <a:solidFill>
+                  <a:srgbClr val="FF0000"/>
+                </a:solidFill>
+                <a:latin typeface="DM Mono" panose="020B0509040201040103" pitchFamily="49" charset="0"/>
+              </a:rPr>
+              <a:t>int</a:t>
+            </a:r>
+            <a:r>
+              <a:rPr lang="ko-KR" altLang="en-US" sz="1400" dirty="0">
+                <a:solidFill>
+                  <a:srgbClr val="FF0000"/>
+                </a:solidFill>
+                <a:latin typeface="DM Mono" panose="020B0509040201040103" pitchFamily="49" charset="0"/>
+              </a:rPr>
+              <a:t> </a:t>
+            </a:r>
+            <a:r>
+              <a:rPr lang="ko-KR" altLang="en-US" sz="1400" dirty="0" err="1">
+                <a:solidFill>
+                  <a:srgbClr val="FF0000"/>
+                </a:solidFill>
+                <a:latin typeface="DM Mono" panose="020B0509040201040103" pitchFamily="49" charset="0"/>
+              </a:rPr>
+              <a:t>x</a:t>
+            </a:r>
+            <a:r>
+              <a:rPr lang="ko-KR" altLang="en-US" sz="1400" dirty="0">
+                <a:solidFill>
+                  <a:srgbClr val="FF0000"/>
+                </a:solidFill>
+                <a:latin typeface="DM Mono" panose="020B0509040201040103" pitchFamily="49" charset="0"/>
+              </a:rPr>
+              <a:t> = 0;</a:t>
+            </a:r>
+          </a:p>
+          <a:p>
+            <a:r>
+              <a:rPr lang="ko-KR" altLang="en-US" sz="1400" dirty="0">
+                <a:latin typeface="DM Mono" panose="020B0509040201040103" pitchFamily="49" charset="0"/>
+              </a:rPr>
+              <a:t>    Increment1(</a:t>
+            </a:r>
+            <a:r>
+              <a:rPr lang="ko-KR" altLang="en-US" sz="1400" dirty="0" err="1">
+                <a:latin typeface="DM Mono" panose="020B0509040201040103" pitchFamily="49" charset="0"/>
+              </a:rPr>
+              <a:t>x</a:t>
+            </a:r>
+            <a:r>
+              <a:rPr lang="ko-KR" altLang="en-US" sz="1400" dirty="0">
+                <a:latin typeface="DM Mono" panose="020B0509040201040103" pitchFamily="49" charset="0"/>
+              </a:rPr>
+              <a:t>);</a:t>
+            </a:r>
+          </a:p>
+          <a:p>
+            <a:endParaRPr lang="ko-KR" altLang="en-US" sz="1400" dirty="0">
+              <a:latin typeface="DM Mono" panose="020B0509040201040103" pitchFamily="49" charset="0"/>
+            </a:endParaRPr>
+          </a:p>
+          <a:p>
+            <a:r>
+              <a:rPr lang="ko-KR" altLang="en-US" sz="1400" dirty="0">
+                <a:latin typeface="DM Mono" panose="020B0509040201040103" pitchFamily="49" charset="0"/>
+              </a:rPr>
+              <a:t>    </a:t>
+            </a:r>
+            <a:r>
+              <a:rPr lang="ko-KR" altLang="en-US" sz="1400" dirty="0" err="1">
+                <a:latin typeface="DM Mono" panose="020B0509040201040103" pitchFamily="49" charset="0"/>
+              </a:rPr>
+              <a:t>return</a:t>
+            </a:r>
+            <a:r>
+              <a:rPr lang="ko-KR" altLang="en-US" sz="1400" dirty="0">
+                <a:latin typeface="DM Mono" panose="020B0509040201040103" pitchFamily="49" charset="0"/>
+              </a:rPr>
+              <a:t> 0;</a:t>
+            </a:r>
+          </a:p>
+          <a:p>
+            <a:r>
+              <a:rPr lang="ko-KR" altLang="en-US" sz="1400" dirty="0">
+                <a:latin typeface="DM Mono" panose="020B0509040201040103" pitchFamily="49" charset="0"/>
+              </a:rPr>
+              <a:t>}</a:t>
+            </a:r>
+          </a:p>
+        </p:txBody>
+      </p:sp>
+      <p:sp>
+        <p:nvSpPr>
+          <p:cNvPr id="6" name="직사각형 5">
+            <a:extLst>
+              <a:ext uri="{FF2B5EF4-FFF2-40B4-BE49-F238E27FC236}">
+                <a16:creationId xmlns:a16="http://schemas.microsoft.com/office/drawing/2014/main" id="{3003F43C-93FD-FA12-60C8-D41B8B7EA8D6}"/>
+              </a:ext>
+            </a:extLst>
+          </p:cNvPr>
+          <p:cNvSpPr/>
+          <p:nvPr/>
+        </p:nvSpPr>
+        <p:spPr>
+          <a:xfrm>
+            <a:off x="2521049" y="4649600"/>
+            <a:ext cx="1268087" cy="521899"/>
+          </a:xfrm>
+          <a:prstGeom prst="rect">
+            <a:avLst/>
+          </a:prstGeom>
+          <a:solidFill>
+            <a:srgbClr val="FFFF00"/>
+          </a:solidFill>
+        </p:spPr>
+        <p:style>
+          <a:lnRef idx="2">
+            <a:schemeClr val="accent1">
+              <a:shade val="15000"/>
+            </a:schemeClr>
+          </a:lnRef>
+          <a:fillRef idx="1">
+            <a:schemeClr val="accent1"/>
+          </a:fillRef>
+          <a:effectRef idx="0">
+            <a:schemeClr val="accent1"/>
+          </a:effectRef>
+          <a:fontRef idx="minor">
+            <a:schemeClr val="lt1"/>
+          </a:fontRef>
+        </p:style>
+        <p:txBody>
+          <a:bodyPr rtlCol="0" anchor="ctr"/>
+          <a:lstStyle/>
+          <a:p>
+            <a:pPr algn="ctr"/>
+            <a:r>
+              <a:rPr kumimoji="1" lang="en-US" altLang="ko-KR" sz="1600" dirty="0">
+                <a:solidFill>
+                  <a:schemeClr val="tx1"/>
+                </a:solidFill>
+                <a:latin typeface="DM Mono" panose="020B0509040201040103" pitchFamily="49" charset="0"/>
+              </a:rPr>
+              <a:t>0</a:t>
+            </a:r>
+            <a:endParaRPr kumimoji="1" lang="ko-KR" altLang="en-US" sz="1600" dirty="0">
+              <a:solidFill>
+                <a:schemeClr val="tx1"/>
+              </a:solidFill>
+              <a:latin typeface="DM Mono" panose="020B0509040201040103" pitchFamily="49" charset="0"/>
+            </a:endParaRPr>
+          </a:p>
+        </p:txBody>
+      </p:sp>
+      <p:sp>
+        <p:nvSpPr>
+          <p:cNvPr id="7" name="TextBox 6">
+            <a:extLst>
+              <a:ext uri="{FF2B5EF4-FFF2-40B4-BE49-F238E27FC236}">
+                <a16:creationId xmlns:a16="http://schemas.microsoft.com/office/drawing/2014/main" id="{4ECEF5FA-2A2E-B997-6A61-8A85878EB717}"/>
+              </a:ext>
+            </a:extLst>
+          </p:cNvPr>
+          <p:cNvSpPr txBox="1"/>
+          <p:nvPr/>
+        </p:nvSpPr>
+        <p:spPr>
+          <a:xfrm>
+            <a:off x="1789960" y="4725883"/>
+            <a:ext cx="731089" cy="369332"/>
+          </a:xfrm>
+          <a:prstGeom prst="rect">
+            <a:avLst/>
+          </a:prstGeom>
+          <a:noFill/>
+        </p:spPr>
+        <p:txBody>
+          <a:bodyPr wrap="square">
+            <a:spAutoFit/>
+          </a:bodyPr>
+          <a:lstStyle/>
+          <a:p>
+            <a:pPr algn="r"/>
+            <a:r>
+              <a:rPr lang="en-US" altLang="ko-KR" sz="1800" dirty="0">
+                <a:latin typeface="DM Mono" panose="020B0509040201040103" pitchFamily="49" charset="0"/>
+              </a:rPr>
+              <a:t>x</a:t>
+            </a:r>
+            <a:endParaRPr lang="ko-KR" altLang="en-US" dirty="0"/>
+          </a:p>
+        </p:txBody>
+      </p:sp>
+      <p:sp>
+        <p:nvSpPr>
+          <p:cNvPr id="8" name="TextBox 7">
+            <a:extLst>
+              <a:ext uri="{FF2B5EF4-FFF2-40B4-BE49-F238E27FC236}">
+                <a16:creationId xmlns:a16="http://schemas.microsoft.com/office/drawing/2014/main" id="{2AD7A2A4-84BE-242F-F7F9-2A53A9805A0B}"/>
+              </a:ext>
+            </a:extLst>
+          </p:cNvPr>
+          <p:cNvSpPr txBox="1"/>
+          <p:nvPr/>
+        </p:nvSpPr>
+        <p:spPr>
+          <a:xfrm>
+            <a:off x="2298923" y="4372600"/>
+            <a:ext cx="713836" cy="276999"/>
+          </a:xfrm>
+          <a:prstGeom prst="rect">
+            <a:avLst/>
+          </a:prstGeom>
+          <a:noFill/>
+        </p:spPr>
+        <p:txBody>
+          <a:bodyPr wrap="square">
+            <a:spAutoFit/>
+          </a:bodyPr>
+          <a:lstStyle/>
+          <a:p>
+            <a:r>
+              <a:rPr kumimoji="1" lang="en-US" altLang="ko-KR" sz="1200" dirty="0">
+                <a:solidFill>
+                  <a:schemeClr val="tx1"/>
+                </a:solidFill>
+                <a:latin typeface="DM Mono" panose="020B0509040201040103" pitchFamily="49" charset="0"/>
+              </a:rPr>
+              <a:t>200</a:t>
+            </a:r>
+            <a:endParaRPr lang="ko-KR" altLang="en-US" sz="1200" dirty="0"/>
+          </a:p>
+        </p:txBody>
+      </p:sp>
+      <p:sp>
+        <p:nvSpPr>
+          <p:cNvPr id="11" name="TextBox 10">
+            <a:extLst>
+              <a:ext uri="{FF2B5EF4-FFF2-40B4-BE49-F238E27FC236}">
+                <a16:creationId xmlns:a16="http://schemas.microsoft.com/office/drawing/2014/main" id="{F3209435-BC98-0A11-0886-8559C2DBB2A2}"/>
+              </a:ext>
+            </a:extLst>
+          </p:cNvPr>
+          <p:cNvSpPr txBox="1"/>
+          <p:nvPr/>
+        </p:nvSpPr>
+        <p:spPr>
+          <a:xfrm>
+            <a:off x="1759213" y="3291116"/>
+            <a:ext cx="3048630" cy="369332"/>
+          </a:xfrm>
+          <a:prstGeom prst="rect">
+            <a:avLst/>
+          </a:prstGeom>
+          <a:noFill/>
+        </p:spPr>
+        <p:txBody>
+          <a:bodyPr wrap="square">
+            <a:spAutoFit/>
+          </a:bodyPr>
+          <a:lstStyle/>
+          <a:p>
+            <a:pPr algn="ctr"/>
+            <a:r>
+              <a:rPr lang="ko-KR" altLang="en-US" sz="1800" dirty="0" err="1">
+                <a:latin typeface="DM Mono" panose="020B0509040201040103" pitchFamily="49" charset="0"/>
+              </a:rPr>
+              <a:t>main</a:t>
+            </a:r>
+            <a:endParaRPr lang="ko-KR" altLang="en-US" dirty="0"/>
+          </a:p>
+        </p:txBody>
+      </p:sp>
+    </p:spTree>
+    <p:extLst>
+      <p:ext uri="{BB962C8B-B14F-4D97-AF65-F5344CB8AC3E}">
+        <p14:creationId xmlns:p14="http://schemas.microsoft.com/office/powerpoint/2010/main" val="401327545"/>
+      </p:ext>
+    </p:extLst>
+  </p:cSld>
+  <p:clrMapOvr>
+    <a:masterClrMapping/>
+  </p:clrMapOvr>
+</p:sld>
+</file>
+
+<file path=ppt/slides/slide6.xml><?xml version="1.0" encoding="utf-8"?>
+<p:sld xmlns:a="http://schemas.openxmlformats.org/drawingml/2006/main" xmlns:r="http://schemas.openxmlformats.org/officeDocument/2006/relationships" xmlns:p="http://schemas.openxmlformats.org/presentationml/2006/main">
+  <p:cSld>
+    <p:spTree>
+      <p:nvGrpSpPr>
+        <p:cNvPr id="1" name=""/>
+        <p:cNvGrpSpPr/>
+        <p:nvPr/>
+      </p:nvGrpSpPr>
+      <p:grpSpPr>
+        <a:xfrm>
+          <a:off x="0" y="0"/>
+          <a:ext cx="0" cy="0"/>
+          <a:chOff x="0" y="0"/>
+          <a:chExt cx="0" cy="0"/>
+        </a:xfrm>
+      </p:grpSpPr>
+      <p:sp>
+        <p:nvSpPr>
+          <p:cNvPr id="9" name="모서리가 둥근 직사각형 8">
+            <a:extLst>
+              <a:ext uri="{FF2B5EF4-FFF2-40B4-BE49-F238E27FC236}">
+                <a16:creationId xmlns:a16="http://schemas.microsoft.com/office/drawing/2014/main" id="{9530EE96-6809-0882-49F2-6C0149D9C941}"/>
+              </a:ext>
+            </a:extLst>
+          </p:cNvPr>
+          <p:cNvSpPr/>
+          <p:nvPr/>
+        </p:nvSpPr>
+        <p:spPr>
+          <a:xfrm>
+            <a:off x="1065541" y="3680271"/>
+            <a:ext cx="4435974" cy="2773428"/>
+          </a:xfrm>
+          <a:prstGeom prst="roundRect">
+            <a:avLst/>
+          </a:prstGeom>
+          <a:solidFill>
+            <a:schemeClr val="bg1"/>
+          </a:solidFill>
+        </p:spPr>
+        <p:style>
+          <a:lnRef idx="2">
+            <a:schemeClr val="accent1">
+              <a:shade val="15000"/>
+            </a:schemeClr>
+          </a:lnRef>
+          <a:fillRef idx="1">
+            <a:schemeClr val="accent1"/>
+          </a:fillRef>
+          <a:effectRef idx="0">
+            <a:schemeClr val="accent1"/>
+          </a:effectRef>
+          <a:fontRef idx="minor">
+            <a:schemeClr val="lt1"/>
+          </a:fontRef>
+        </p:style>
+        <p:txBody>
+          <a:bodyPr rtlCol="0" anchor="ctr"/>
+          <a:lstStyle/>
+          <a:p>
+            <a:pPr algn="ctr"/>
+            <a:endParaRPr kumimoji="1" lang="ko-KR" altLang="en-US"/>
+          </a:p>
+        </p:txBody>
+      </p:sp>
+      <p:sp>
+        <p:nvSpPr>
+          <p:cNvPr id="5" name="TextBox 4">
+            <a:extLst>
+              <a:ext uri="{FF2B5EF4-FFF2-40B4-BE49-F238E27FC236}">
+                <a16:creationId xmlns:a16="http://schemas.microsoft.com/office/drawing/2014/main" id="{FA958DEC-2F6F-0610-887A-3446B7CFAB31}"/>
+              </a:ext>
+            </a:extLst>
+          </p:cNvPr>
+          <p:cNvSpPr txBox="1"/>
+          <p:nvPr/>
+        </p:nvSpPr>
+        <p:spPr>
+          <a:xfrm>
+            <a:off x="425083" y="251720"/>
+            <a:ext cx="6094740" cy="2677656"/>
+          </a:xfrm>
+          <a:prstGeom prst="rect">
+            <a:avLst/>
+          </a:prstGeom>
+          <a:noFill/>
+        </p:spPr>
+        <p:txBody>
+          <a:bodyPr wrap="square">
+            <a:spAutoFit/>
+          </a:bodyPr>
+          <a:lstStyle/>
+          <a:p>
+            <a:r>
+              <a:rPr lang="ko-KR" altLang="en-US" sz="1400" dirty="0" err="1">
+                <a:latin typeface="DM Mono" panose="020B0509040201040103" pitchFamily="49" charset="0"/>
+              </a:rPr>
+              <a:t>void</a:t>
+            </a:r>
+            <a:r>
+              <a:rPr lang="ko-KR" altLang="en-US" sz="1400" dirty="0">
+                <a:latin typeface="DM Mono" panose="020B0509040201040103" pitchFamily="49" charset="0"/>
+              </a:rPr>
+              <a:t> Increment1(</a:t>
+            </a:r>
+            <a:r>
+              <a:rPr lang="ko-KR" altLang="en-US" sz="1400" dirty="0" err="1">
+                <a:solidFill>
+                  <a:srgbClr val="FF0000"/>
+                </a:solidFill>
+                <a:latin typeface="DM Mono" panose="020B0509040201040103" pitchFamily="49" charset="0"/>
+              </a:rPr>
+              <a:t>int</a:t>
+            </a:r>
+            <a:r>
+              <a:rPr lang="ko-KR" altLang="en-US" sz="1400" dirty="0">
+                <a:solidFill>
+                  <a:srgbClr val="FF0000"/>
+                </a:solidFill>
+                <a:latin typeface="DM Mono" panose="020B0509040201040103" pitchFamily="49" charset="0"/>
+              </a:rPr>
+              <a:t> </a:t>
+            </a:r>
+            <a:r>
+              <a:rPr lang="ko-KR" altLang="en-US" sz="1400" dirty="0" err="1">
+                <a:solidFill>
+                  <a:srgbClr val="FF0000"/>
+                </a:solidFill>
+                <a:latin typeface="DM Mono" panose="020B0509040201040103" pitchFamily="49" charset="0"/>
+              </a:rPr>
+              <a:t>x</a:t>
+            </a:r>
+            <a:r>
+              <a:rPr lang="ko-KR" altLang="en-US" sz="1400" dirty="0">
+                <a:latin typeface="DM Mono" panose="020B0509040201040103" pitchFamily="49" charset="0"/>
+              </a:rPr>
+              <a:t>)</a:t>
+            </a:r>
+          </a:p>
+          <a:p>
+            <a:r>
+              <a:rPr lang="ko-KR" altLang="en-US" sz="1400" dirty="0">
+                <a:latin typeface="DM Mono" panose="020B0509040201040103" pitchFamily="49" charset="0"/>
+              </a:rPr>
+              <a:t>{</a:t>
+            </a:r>
+          </a:p>
+          <a:p>
+            <a:r>
+              <a:rPr lang="ko-KR" altLang="en-US" sz="1400" dirty="0">
+                <a:latin typeface="DM Mono" panose="020B0509040201040103" pitchFamily="49" charset="0"/>
+              </a:rPr>
+              <a:t>    ++</a:t>
+            </a:r>
+            <a:r>
+              <a:rPr lang="ko-KR" altLang="en-US" sz="1400" dirty="0" err="1">
+                <a:latin typeface="DM Mono" panose="020B0509040201040103" pitchFamily="49" charset="0"/>
+              </a:rPr>
+              <a:t>x</a:t>
+            </a:r>
+            <a:r>
+              <a:rPr lang="ko-KR" altLang="en-US" sz="1400" dirty="0">
+                <a:latin typeface="DM Mono" panose="020B0509040201040103" pitchFamily="49" charset="0"/>
+              </a:rPr>
+              <a:t>;</a:t>
+            </a:r>
+          </a:p>
+          <a:p>
+            <a:r>
+              <a:rPr lang="ko-KR" altLang="en-US" sz="1400" dirty="0">
+                <a:latin typeface="DM Mono" panose="020B0509040201040103" pitchFamily="49" charset="0"/>
+              </a:rPr>
+              <a:t>}</a:t>
+            </a:r>
+          </a:p>
+          <a:p>
+            <a:endParaRPr lang="ko-KR" altLang="en-US" sz="1400" dirty="0">
+              <a:latin typeface="DM Mono" panose="020B0509040201040103" pitchFamily="49" charset="0"/>
+            </a:endParaRPr>
+          </a:p>
+          <a:p>
+            <a:r>
+              <a:rPr lang="ko-KR" altLang="en-US" sz="1400" dirty="0" err="1">
+                <a:latin typeface="DM Mono" panose="020B0509040201040103" pitchFamily="49" charset="0"/>
+              </a:rPr>
+              <a:t>int</a:t>
+            </a:r>
+            <a:r>
+              <a:rPr lang="ko-KR" altLang="en-US" sz="1400" dirty="0">
+                <a:latin typeface="DM Mono" panose="020B0509040201040103" pitchFamily="49" charset="0"/>
+              </a:rPr>
+              <a:t> </a:t>
+            </a:r>
+            <a:r>
+              <a:rPr lang="ko-KR" altLang="en-US" sz="1400" dirty="0" err="1">
+                <a:latin typeface="DM Mono" panose="020B0509040201040103" pitchFamily="49" charset="0"/>
+              </a:rPr>
+              <a:t>main</a:t>
+            </a:r>
+            <a:r>
+              <a:rPr lang="ko-KR" altLang="en-US" sz="1400" dirty="0">
+                <a:latin typeface="DM Mono" panose="020B0509040201040103" pitchFamily="49" charset="0"/>
+              </a:rPr>
+              <a:t>(</a:t>
+            </a:r>
+            <a:r>
+              <a:rPr lang="ko-KR" altLang="en-US" sz="1400" dirty="0" err="1">
+                <a:latin typeface="DM Mono" panose="020B0509040201040103" pitchFamily="49" charset="0"/>
+              </a:rPr>
+              <a:t>void</a:t>
+            </a:r>
+            <a:r>
+              <a:rPr lang="ko-KR" altLang="en-US" sz="1400" dirty="0">
+                <a:latin typeface="DM Mono" panose="020B0509040201040103" pitchFamily="49" charset="0"/>
+              </a:rPr>
+              <a:t>)</a:t>
+            </a:r>
+          </a:p>
+          <a:p>
+            <a:r>
+              <a:rPr lang="ko-KR" altLang="en-US" sz="1400" dirty="0">
+                <a:latin typeface="DM Mono" panose="020B0509040201040103" pitchFamily="49" charset="0"/>
+              </a:rPr>
+              <a:t>{</a:t>
+            </a:r>
+          </a:p>
+          <a:p>
+            <a:r>
+              <a:rPr lang="ko-KR" altLang="en-US" sz="1400" dirty="0">
+                <a:latin typeface="DM Mono" panose="020B0509040201040103" pitchFamily="49" charset="0"/>
+              </a:rPr>
+              <a:t>    </a:t>
+            </a:r>
+            <a:r>
+              <a:rPr lang="ko-KR" altLang="en-US" sz="1400" dirty="0" err="1">
+                <a:latin typeface="DM Mono" panose="020B0509040201040103" pitchFamily="49" charset="0"/>
+              </a:rPr>
+              <a:t>int</a:t>
+            </a:r>
+            <a:r>
+              <a:rPr lang="ko-KR" altLang="en-US" sz="1400" dirty="0">
+                <a:latin typeface="DM Mono" panose="020B0509040201040103" pitchFamily="49" charset="0"/>
+              </a:rPr>
+              <a:t> </a:t>
+            </a:r>
+            <a:r>
+              <a:rPr lang="ko-KR" altLang="en-US" sz="1400" dirty="0" err="1">
+                <a:latin typeface="DM Mono" panose="020B0509040201040103" pitchFamily="49" charset="0"/>
+              </a:rPr>
+              <a:t>x</a:t>
+            </a:r>
+            <a:r>
+              <a:rPr lang="ko-KR" altLang="en-US" sz="1400" dirty="0">
+                <a:latin typeface="DM Mono" panose="020B0509040201040103" pitchFamily="49" charset="0"/>
+              </a:rPr>
+              <a:t> = 0;</a:t>
+            </a:r>
+          </a:p>
+          <a:p>
+            <a:r>
+              <a:rPr lang="ko-KR" altLang="en-US" sz="1400" dirty="0">
+                <a:solidFill>
+                  <a:srgbClr val="FF0000"/>
+                </a:solidFill>
+                <a:latin typeface="DM Mono" panose="020B0509040201040103" pitchFamily="49" charset="0"/>
+              </a:rPr>
+              <a:t>    Increment1(</a:t>
+            </a:r>
+            <a:r>
+              <a:rPr lang="ko-KR" altLang="en-US" sz="1400" dirty="0" err="1">
+                <a:solidFill>
+                  <a:srgbClr val="FF0000"/>
+                </a:solidFill>
+                <a:latin typeface="DM Mono" panose="020B0509040201040103" pitchFamily="49" charset="0"/>
+              </a:rPr>
+              <a:t>x</a:t>
+            </a:r>
+            <a:r>
+              <a:rPr lang="ko-KR" altLang="en-US" sz="1400" dirty="0">
+                <a:solidFill>
+                  <a:srgbClr val="FF0000"/>
+                </a:solidFill>
+                <a:latin typeface="DM Mono" panose="020B0509040201040103" pitchFamily="49" charset="0"/>
+              </a:rPr>
+              <a:t>);</a:t>
+            </a:r>
+          </a:p>
+          <a:p>
+            <a:endParaRPr lang="ko-KR" altLang="en-US" sz="1400" dirty="0">
+              <a:latin typeface="DM Mono" panose="020B0509040201040103" pitchFamily="49" charset="0"/>
+            </a:endParaRPr>
+          </a:p>
+          <a:p>
+            <a:r>
+              <a:rPr lang="ko-KR" altLang="en-US" sz="1400" dirty="0">
+                <a:latin typeface="DM Mono" panose="020B0509040201040103" pitchFamily="49" charset="0"/>
+              </a:rPr>
+              <a:t>    </a:t>
+            </a:r>
+            <a:r>
+              <a:rPr lang="ko-KR" altLang="en-US" sz="1400" dirty="0" err="1">
+                <a:latin typeface="DM Mono" panose="020B0509040201040103" pitchFamily="49" charset="0"/>
+              </a:rPr>
+              <a:t>return</a:t>
+            </a:r>
+            <a:r>
+              <a:rPr lang="ko-KR" altLang="en-US" sz="1400" dirty="0">
+                <a:latin typeface="DM Mono" panose="020B0509040201040103" pitchFamily="49" charset="0"/>
+              </a:rPr>
+              <a:t> 0;</a:t>
+            </a:r>
+          </a:p>
+          <a:p>
+            <a:r>
+              <a:rPr lang="ko-KR" altLang="en-US" sz="1400" dirty="0">
+                <a:latin typeface="DM Mono" panose="020B0509040201040103" pitchFamily="49" charset="0"/>
+              </a:rPr>
+              <a:t>}</a:t>
+            </a:r>
+          </a:p>
+        </p:txBody>
+      </p:sp>
+      <p:sp>
+        <p:nvSpPr>
+          <p:cNvPr id="6" name="직사각형 5">
+            <a:extLst>
+              <a:ext uri="{FF2B5EF4-FFF2-40B4-BE49-F238E27FC236}">
+                <a16:creationId xmlns:a16="http://schemas.microsoft.com/office/drawing/2014/main" id="{3003F43C-93FD-FA12-60C8-D41B8B7EA8D6}"/>
+              </a:ext>
+            </a:extLst>
+          </p:cNvPr>
+          <p:cNvSpPr/>
+          <p:nvPr/>
+        </p:nvSpPr>
+        <p:spPr>
+          <a:xfrm>
+            <a:off x="2521049" y="4649600"/>
+            <a:ext cx="1268087" cy="521899"/>
+          </a:xfrm>
+          <a:prstGeom prst="rect">
+            <a:avLst/>
+          </a:prstGeom>
+          <a:solidFill>
+            <a:srgbClr val="FFFF00"/>
+          </a:solidFill>
+        </p:spPr>
+        <p:style>
+          <a:lnRef idx="2">
+            <a:schemeClr val="accent1">
+              <a:shade val="15000"/>
+            </a:schemeClr>
+          </a:lnRef>
+          <a:fillRef idx="1">
+            <a:schemeClr val="accent1"/>
+          </a:fillRef>
+          <a:effectRef idx="0">
+            <a:schemeClr val="accent1"/>
+          </a:effectRef>
+          <a:fontRef idx="minor">
+            <a:schemeClr val="lt1"/>
+          </a:fontRef>
+        </p:style>
+        <p:txBody>
+          <a:bodyPr rtlCol="0" anchor="ctr"/>
+          <a:lstStyle/>
+          <a:p>
+            <a:pPr algn="ctr"/>
+            <a:r>
+              <a:rPr kumimoji="1" lang="en-US" altLang="ko-KR" sz="1600" dirty="0">
+                <a:solidFill>
+                  <a:schemeClr val="tx1"/>
+                </a:solidFill>
+                <a:latin typeface="DM Mono" panose="020B0509040201040103" pitchFamily="49" charset="0"/>
+              </a:rPr>
+              <a:t>0</a:t>
+            </a:r>
+            <a:endParaRPr kumimoji="1" lang="ko-KR" altLang="en-US" sz="1600" dirty="0">
+              <a:solidFill>
+                <a:schemeClr val="tx1"/>
+              </a:solidFill>
+              <a:latin typeface="DM Mono" panose="020B0509040201040103" pitchFamily="49" charset="0"/>
+            </a:endParaRPr>
+          </a:p>
+        </p:txBody>
+      </p:sp>
+      <p:sp>
+        <p:nvSpPr>
+          <p:cNvPr id="7" name="TextBox 6">
+            <a:extLst>
+              <a:ext uri="{FF2B5EF4-FFF2-40B4-BE49-F238E27FC236}">
+                <a16:creationId xmlns:a16="http://schemas.microsoft.com/office/drawing/2014/main" id="{4ECEF5FA-2A2E-B997-6A61-8A85878EB717}"/>
+              </a:ext>
+            </a:extLst>
+          </p:cNvPr>
+          <p:cNvSpPr txBox="1"/>
+          <p:nvPr/>
+        </p:nvSpPr>
+        <p:spPr>
+          <a:xfrm>
+            <a:off x="1789960" y="4725883"/>
+            <a:ext cx="731089" cy="369332"/>
+          </a:xfrm>
+          <a:prstGeom prst="rect">
+            <a:avLst/>
+          </a:prstGeom>
+          <a:noFill/>
+        </p:spPr>
+        <p:txBody>
+          <a:bodyPr wrap="square">
+            <a:spAutoFit/>
+          </a:bodyPr>
+          <a:lstStyle/>
+          <a:p>
+            <a:pPr algn="r"/>
+            <a:r>
+              <a:rPr lang="en-US" altLang="ko-KR" sz="1800" dirty="0">
+                <a:latin typeface="DM Mono" panose="020B0509040201040103" pitchFamily="49" charset="0"/>
+              </a:rPr>
+              <a:t>x</a:t>
+            </a:r>
+            <a:endParaRPr lang="ko-KR" altLang="en-US" dirty="0"/>
+          </a:p>
+        </p:txBody>
+      </p:sp>
+      <p:sp>
+        <p:nvSpPr>
+          <p:cNvPr id="8" name="TextBox 7">
+            <a:extLst>
+              <a:ext uri="{FF2B5EF4-FFF2-40B4-BE49-F238E27FC236}">
+                <a16:creationId xmlns:a16="http://schemas.microsoft.com/office/drawing/2014/main" id="{2AD7A2A4-84BE-242F-F7F9-2A53A9805A0B}"/>
+              </a:ext>
+            </a:extLst>
+          </p:cNvPr>
+          <p:cNvSpPr txBox="1"/>
+          <p:nvPr/>
+        </p:nvSpPr>
+        <p:spPr>
+          <a:xfrm>
+            <a:off x="2298923" y="4372600"/>
+            <a:ext cx="713836" cy="276999"/>
+          </a:xfrm>
+          <a:prstGeom prst="rect">
+            <a:avLst/>
+          </a:prstGeom>
+          <a:noFill/>
+        </p:spPr>
+        <p:txBody>
+          <a:bodyPr wrap="square">
+            <a:spAutoFit/>
+          </a:bodyPr>
+          <a:lstStyle/>
+          <a:p>
+            <a:r>
+              <a:rPr kumimoji="1" lang="en-US" altLang="ko-KR" sz="1200" dirty="0">
+                <a:solidFill>
+                  <a:schemeClr val="tx1"/>
+                </a:solidFill>
+                <a:latin typeface="DM Mono" panose="020B0509040201040103" pitchFamily="49" charset="0"/>
+              </a:rPr>
+              <a:t>200</a:t>
+            </a:r>
+            <a:endParaRPr lang="ko-KR" altLang="en-US" sz="1200" dirty="0"/>
+          </a:p>
+        </p:txBody>
+      </p:sp>
+      <p:sp>
+        <p:nvSpPr>
+          <p:cNvPr id="11" name="TextBox 10">
+            <a:extLst>
+              <a:ext uri="{FF2B5EF4-FFF2-40B4-BE49-F238E27FC236}">
+                <a16:creationId xmlns:a16="http://schemas.microsoft.com/office/drawing/2014/main" id="{F3209435-BC98-0A11-0886-8559C2DBB2A2}"/>
+              </a:ext>
+            </a:extLst>
+          </p:cNvPr>
+          <p:cNvSpPr txBox="1"/>
+          <p:nvPr/>
+        </p:nvSpPr>
+        <p:spPr>
+          <a:xfrm>
+            <a:off x="1759213" y="3291116"/>
+            <a:ext cx="3048630" cy="369332"/>
+          </a:xfrm>
+          <a:prstGeom prst="rect">
+            <a:avLst/>
+          </a:prstGeom>
+          <a:noFill/>
+        </p:spPr>
+        <p:txBody>
+          <a:bodyPr wrap="square">
+            <a:spAutoFit/>
+          </a:bodyPr>
+          <a:lstStyle/>
+          <a:p>
+            <a:pPr algn="ctr"/>
+            <a:r>
+              <a:rPr lang="ko-KR" altLang="en-US" sz="1800" dirty="0" err="1">
+                <a:latin typeface="DM Mono" panose="020B0509040201040103" pitchFamily="49" charset="0"/>
+              </a:rPr>
+              <a:t>main</a:t>
+            </a:r>
+            <a:endParaRPr lang="ko-KR" altLang="en-US" dirty="0"/>
+          </a:p>
+        </p:txBody>
+      </p:sp>
+      <p:sp>
+        <p:nvSpPr>
+          <p:cNvPr id="2" name="모서리가 둥근 직사각형 1">
+            <a:extLst>
+              <a:ext uri="{FF2B5EF4-FFF2-40B4-BE49-F238E27FC236}">
+                <a16:creationId xmlns:a16="http://schemas.microsoft.com/office/drawing/2014/main" id="{0F034D0D-61A0-8AF7-F0A5-37B7EABCF279}"/>
+              </a:ext>
+            </a:extLst>
+          </p:cNvPr>
+          <p:cNvSpPr/>
+          <p:nvPr/>
+        </p:nvSpPr>
+        <p:spPr>
+          <a:xfrm>
+            <a:off x="6513841" y="779633"/>
+            <a:ext cx="4435974" cy="2773428"/>
+          </a:xfrm>
+          <a:prstGeom prst="roundRect">
+            <a:avLst/>
+          </a:prstGeom>
+          <a:solidFill>
+            <a:schemeClr val="bg1"/>
+          </a:solidFill>
+        </p:spPr>
+        <p:style>
+          <a:lnRef idx="2">
+            <a:schemeClr val="accent1">
+              <a:shade val="15000"/>
+            </a:schemeClr>
+          </a:lnRef>
+          <a:fillRef idx="1">
+            <a:schemeClr val="accent1"/>
+          </a:fillRef>
+          <a:effectRef idx="0">
+            <a:schemeClr val="accent1"/>
+          </a:effectRef>
+          <a:fontRef idx="minor">
+            <a:schemeClr val="lt1"/>
+          </a:fontRef>
+        </p:style>
+        <p:txBody>
+          <a:bodyPr rtlCol="0" anchor="ctr"/>
+          <a:lstStyle/>
+          <a:p>
+            <a:pPr algn="ctr"/>
+            <a:endParaRPr kumimoji="1" lang="ko-KR" altLang="en-US"/>
+          </a:p>
+        </p:txBody>
+      </p:sp>
+      <p:sp>
+        <p:nvSpPr>
+          <p:cNvPr id="3" name="TextBox 2">
+            <a:extLst>
+              <a:ext uri="{FF2B5EF4-FFF2-40B4-BE49-F238E27FC236}">
+                <a16:creationId xmlns:a16="http://schemas.microsoft.com/office/drawing/2014/main" id="{BD7712DF-DB6D-DDFA-BFFD-BFB2B71FF2DD}"/>
+              </a:ext>
+            </a:extLst>
+          </p:cNvPr>
+          <p:cNvSpPr txBox="1"/>
+          <p:nvPr/>
+        </p:nvSpPr>
+        <p:spPr>
+          <a:xfrm>
+            <a:off x="7207513" y="390478"/>
+            <a:ext cx="3048630" cy="369332"/>
+          </a:xfrm>
+          <a:prstGeom prst="rect">
+            <a:avLst/>
+          </a:prstGeom>
+          <a:noFill/>
+        </p:spPr>
+        <p:txBody>
+          <a:bodyPr wrap="square">
+            <a:spAutoFit/>
+          </a:bodyPr>
+          <a:lstStyle/>
+          <a:p>
+            <a:pPr algn="ctr"/>
+            <a:r>
+              <a:rPr lang="en-US" altLang="ko-KR" sz="1800" dirty="0">
+                <a:latin typeface="DM Mono" panose="020B0509040201040103" pitchFamily="49" charset="0"/>
+              </a:rPr>
+              <a:t>Increment</a:t>
+            </a:r>
+            <a:endParaRPr lang="ko-KR" altLang="en-US" dirty="0"/>
+          </a:p>
+        </p:txBody>
+      </p:sp>
+      <p:sp>
+        <p:nvSpPr>
+          <p:cNvPr id="4" name="직사각형 3">
+            <a:extLst>
+              <a:ext uri="{FF2B5EF4-FFF2-40B4-BE49-F238E27FC236}">
+                <a16:creationId xmlns:a16="http://schemas.microsoft.com/office/drawing/2014/main" id="{D0491238-C0BF-20D3-1B32-50608C81206B}"/>
+              </a:ext>
+            </a:extLst>
+          </p:cNvPr>
+          <p:cNvSpPr/>
+          <p:nvPr/>
+        </p:nvSpPr>
+        <p:spPr>
+          <a:xfrm>
+            <a:off x="7938602" y="1200584"/>
+            <a:ext cx="1268087" cy="521899"/>
+          </a:xfrm>
+          <a:prstGeom prst="rect">
+            <a:avLst/>
+          </a:prstGeom>
+          <a:solidFill>
+            <a:srgbClr val="FFFF00"/>
+          </a:solidFill>
+        </p:spPr>
+        <p:style>
+          <a:lnRef idx="2">
+            <a:schemeClr val="accent1">
+              <a:shade val="15000"/>
+            </a:schemeClr>
+          </a:lnRef>
+          <a:fillRef idx="1">
+            <a:schemeClr val="accent1"/>
+          </a:fillRef>
+          <a:effectRef idx="0">
+            <a:schemeClr val="accent1"/>
+          </a:effectRef>
+          <a:fontRef idx="minor">
+            <a:schemeClr val="lt1"/>
+          </a:fontRef>
+        </p:style>
+        <p:txBody>
+          <a:bodyPr rtlCol="0" anchor="ctr"/>
+          <a:lstStyle/>
+          <a:p>
+            <a:pPr algn="ctr"/>
+            <a:r>
+              <a:rPr kumimoji="1" lang="en-US" altLang="ko-KR" sz="1600" dirty="0">
+                <a:solidFill>
+                  <a:srgbClr val="FF0000"/>
+                </a:solidFill>
+                <a:latin typeface="DM Mono" panose="020B0509040201040103" pitchFamily="49" charset="0"/>
+              </a:rPr>
+              <a:t>0</a:t>
+            </a:r>
+            <a:endParaRPr kumimoji="1" lang="ko-KR" altLang="en-US" sz="1600" dirty="0">
+              <a:solidFill>
+                <a:srgbClr val="FF0000"/>
+              </a:solidFill>
+              <a:latin typeface="DM Mono" panose="020B0509040201040103" pitchFamily="49" charset="0"/>
+            </a:endParaRPr>
+          </a:p>
+        </p:txBody>
+      </p:sp>
+      <p:sp>
+        <p:nvSpPr>
+          <p:cNvPr id="10" name="TextBox 9">
+            <a:extLst>
+              <a:ext uri="{FF2B5EF4-FFF2-40B4-BE49-F238E27FC236}">
+                <a16:creationId xmlns:a16="http://schemas.microsoft.com/office/drawing/2014/main" id="{DC5A0EF8-A45F-AF01-F284-6882FBAD2B71}"/>
+              </a:ext>
+            </a:extLst>
+          </p:cNvPr>
+          <p:cNvSpPr txBox="1"/>
+          <p:nvPr/>
+        </p:nvSpPr>
+        <p:spPr>
+          <a:xfrm>
+            <a:off x="7207513" y="1276867"/>
+            <a:ext cx="731089" cy="369332"/>
+          </a:xfrm>
+          <a:prstGeom prst="rect">
+            <a:avLst/>
+          </a:prstGeom>
+          <a:noFill/>
+        </p:spPr>
+        <p:txBody>
+          <a:bodyPr wrap="square">
+            <a:spAutoFit/>
+          </a:bodyPr>
+          <a:lstStyle/>
+          <a:p>
+            <a:pPr algn="r"/>
+            <a:r>
+              <a:rPr lang="en-US" altLang="ko-KR" sz="1800" dirty="0">
+                <a:latin typeface="DM Mono" panose="020B0509040201040103" pitchFamily="49" charset="0"/>
+              </a:rPr>
+              <a:t>x</a:t>
+            </a:r>
+            <a:endParaRPr lang="ko-KR" altLang="en-US" dirty="0"/>
+          </a:p>
+        </p:txBody>
+      </p:sp>
+      <p:cxnSp>
+        <p:nvCxnSpPr>
+          <p:cNvPr id="13" name="구부러진 연결선[U] 12">
+            <a:extLst>
+              <a:ext uri="{FF2B5EF4-FFF2-40B4-BE49-F238E27FC236}">
+                <a16:creationId xmlns:a16="http://schemas.microsoft.com/office/drawing/2014/main" id="{332ACF77-3935-6595-947C-098E65B50A38}"/>
+              </a:ext>
+            </a:extLst>
+          </p:cNvPr>
+          <p:cNvCxnSpPr>
+            <a:stCxn id="6" idx="3"/>
+            <a:endCxn id="4" idx="2"/>
+          </p:cNvCxnSpPr>
+          <p:nvPr/>
+        </p:nvCxnSpPr>
+        <p:spPr>
+          <a:xfrm flipV="1">
+            <a:off x="3789136" y="1722483"/>
+            <a:ext cx="4783510" cy="3188067"/>
+          </a:xfrm>
+          <a:prstGeom prst="curvedConnector2">
+            <a:avLst/>
+          </a:prstGeom>
+          <a:ln>
+            <a:tailEnd type="triangle"/>
+          </a:ln>
+        </p:spPr>
+        <p:style>
+          <a:lnRef idx="1">
+            <a:schemeClr val="dk1"/>
+          </a:lnRef>
+          <a:fillRef idx="0">
+            <a:schemeClr val="dk1"/>
+          </a:fillRef>
+          <a:effectRef idx="0">
+            <a:schemeClr val="dk1"/>
+          </a:effectRef>
+          <a:fontRef idx="minor">
+            <a:schemeClr val="tx1"/>
+          </a:fontRef>
+        </p:style>
+      </p:cxnSp>
+      <p:sp>
+        <p:nvSpPr>
+          <p:cNvPr id="14" name="TextBox 13">
+            <a:extLst>
+              <a:ext uri="{FF2B5EF4-FFF2-40B4-BE49-F238E27FC236}">
+                <a16:creationId xmlns:a16="http://schemas.microsoft.com/office/drawing/2014/main" id="{4E382CB8-960E-68D8-6D1A-32C74FB01992}"/>
+              </a:ext>
+            </a:extLst>
+          </p:cNvPr>
+          <p:cNvSpPr txBox="1"/>
+          <p:nvPr/>
+        </p:nvSpPr>
+        <p:spPr>
+          <a:xfrm>
+            <a:off x="6678709" y="4186136"/>
+            <a:ext cx="2992241" cy="338554"/>
+          </a:xfrm>
+          <a:prstGeom prst="rect">
+            <a:avLst/>
+          </a:prstGeom>
+          <a:noFill/>
+        </p:spPr>
+        <p:txBody>
+          <a:bodyPr wrap="square">
+            <a:spAutoFit/>
+          </a:bodyPr>
+          <a:lstStyle/>
+          <a:p>
+            <a:r>
+              <a:rPr kumimoji="1" lang="ko-KR" altLang="en-US" sz="1600" dirty="0">
+                <a:latin typeface="DM Mono" panose="020B0509040201040103" pitchFamily="49" charset="0"/>
+              </a:rPr>
+              <a:t>값을 복사해서 전달</a:t>
+            </a:r>
+            <a:endParaRPr lang="ko-KR" altLang="en-US" sz="1600" dirty="0"/>
+          </a:p>
+        </p:txBody>
+      </p:sp>
+    </p:spTree>
+    <p:extLst>
+      <p:ext uri="{BB962C8B-B14F-4D97-AF65-F5344CB8AC3E}">
+        <p14:creationId xmlns:p14="http://schemas.microsoft.com/office/powerpoint/2010/main" val="2051440252"/>
+      </p:ext>
+    </p:extLst>
+  </p:cSld>
+  <p:clrMapOvr>
+    <a:masterClrMapping/>
+  </p:clrMapOvr>
+</p:sld>
+</file>
+
+<file path=ppt/slides/slide7.xml><?xml version="1.0" encoding="utf-8"?>
+<p:sld xmlns:a="http://schemas.openxmlformats.org/drawingml/2006/main" xmlns:r="http://schemas.openxmlformats.org/officeDocument/2006/relationships" xmlns:p="http://schemas.openxmlformats.org/presentationml/2006/main">
+  <p:cSld>
+    <p:spTree>
+      <p:nvGrpSpPr>
+        <p:cNvPr id="1" name=""/>
+        <p:cNvGrpSpPr/>
+        <p:nvPr/>
+      </p:nvGrpSpPr>
+      <p:grpSpPr>
+        <a:xfrm>
+          <a:off x="0" y="0"/>
+          <a:ext cx="0" cy="0"/>
+          <a:chOff x="0" y="0"/>
+          <a:chExt cx="0" cy="0"/>
+        </a:xfrm>
+      </p:grpSpPr>
+      <p:sp>
+        <p:nvSpPr>
+          <p:cNvPr id="9" name="모서리가 둥근 직사각형 8">
+            <a:extLst>
+              <a:ext uri="{FF2B5EF4-FFF2-40B4-BE49-F238E27FC236}">
+                <a16:creationId xmlns:a16="http://schemas.microsoft.com/office/drawing/2014/main" id="{9530EE96-6809-0882-49F2-6C0149D9C941}"/>
+              </a:ext>
+            </a:extLst>
+          </p:cNvPr>
+          <p:cNvSpPr/>
+          <p:nvPr/>
+        </p:nvSpPr>
+        <p:spPr>
+          <a:xfrm>
+            <a:off x="1065541" y="3680271"/>
+            <a:ext cx="4435974" cy="2773428"/>
+          </a:xfrm>
+          <a:prstGeom prst="roundRect">
+            <a:avLst/>
+          </a:prstGeom>
+          <a:solidFill>
+            <a:schemeClr val="bg1"/>
+          </a:solidFill>
+        </p:spPr>
+        <p:style>
+          <a:lnRef idx="2">
+            <a:schemeClr val="accent1">
+              <a:shade val="15000"/>
+            </a:schemeClr>
+          </a:lnRef>
+          <a:fillRef idx="1">
+            <a:schemeClr val="accent1"/>
+          </a:fillRef>
+          <a:effectRef idx="0">
+            <a:schemeClr val="accent1"/>
+          </a:effectRef>
+          <a:fontRef idx="minor">
+            <a:schemeClr val="lt1"/>
+          </a:fontRef>
+        </p:style>
+        <p:txBody>
+          <a:bodyPr rtlCol="0" anchor="ctr"/>
+          <a:lstStyle/>
+          <a:p>
+            <a:pPr algn="ctr"/>
+            <a:endParaRPr kumimoji="1" lang="ko-KR" altLang="en-US"/>
+          </a:p>
+        </p:txBody>
+      </p:sp>
+      <p:sp>
+        <p:nvSpPr>
+          <p:cNvPr id="5" name="TextBox 4">
+            <a:extLst>
+              <a:ext uri="{FF2B5EF4-FFF2-40B4-BE49-F238E27FC236}">
+                <a16:creationId xmlns:a16="http://schemas.microsoft.com/office/drawing/2014/main" id="{FA958DEC-2F6F-0610-887A-3446B7CFAB31}"/>
+              </a:ext>
+            </a:extLst>
+          </p:cNvPr>
+          <p:cNvSpPr txBox="1"/>
+          <p:nvPr/>
+        </p:nvSpPr>
+        <p:spPr>
+          <a:xfrm>
+            <a:off x="425083" y="251720"/>
+            <a:ext cx="6094740" cy="2677656"/>
+          </a:xfrm>
+          <a:prstGeom prst="rect">
+            <a:avLst/>
+          </a:prstGeom>
+          <a:noFill/>
+        </p:spPr>
+        <p:txBody>
+          <a:bodyPr wrap="square">
+            <a:spAutoFit/>
+          </a:bodyPr>
+          <a:lstStyle/>
+          <a:p>
+            <a:r>
+              <a:rPr lang="ko-KR" altLang="en-US" sz="1400" dirty="0" err="1">
+                <a:latin typeface="DM Mono" panose="020B0509040201040103" pitchFamily="49" charset="0"/>
+              </a:rPr>
+              <a:t>void</a:t>
+            </a:r>
+            <a:r>
+              <a:rPr lang="ko-KR" altLang="en-US" sz="1400" dirty="0">
+                <a:latin typeface="DM Mono" panose="020B0509040201040103" pitchFamily="49" charset="0"/>
+              </a:rPr>
+              <a:t> Increment1(</a:t>
+            </a:r>
+            <a:r>
+              <a:rPr lang="ko-KR" altLang="en-US" sz="1400" dirty="0" err="1">
+                <a:solidFill>
+                  <a:srgbClr val="FF0000"/>
+                </a:solidFill>
+                <a:latin typeface="DM Mono" panose="020B0509040201040103" pitchFamily="49" charset="0"/>
+              </a:rPr>
+              <a:t>int</a:t>
+            </a:r>
+            <a:r>
+              <a:rPr lang="ko-KR" altLang="en-US" sz="1400" dirty="0">
+                <a:solidFill>
+                  <a:srgbClr val="FF0000"/>
+                </a:solidFill>
+                <a:latin typeface="DM Mono" panose="020B0509040201040103" pitchFamily="49" charset="0"/>
+              </a:rPr>
+              <a:t> </a:t>
+            </a:r>
+            <a:r>
+              <a:rPr lang="ko-KR" altLang="en-US" sz="1400" dirty="0" err="1">
+                <a:solidFill>
+                  <a:srgbClr val="FF0000"/>
+                </a:solidFill>
+                <a:latin typeface="DM Mono" panose="020B0509040201040103" pitchFamily="49" charset="0"/>
+              </a:rPr>
+              <a:t>x</a:t>
+            </a:r>
+            <a:r>
+              <a:rPr lang="ko-KR" altLang="en-US" sz="1400" dirty="0">
+                <a:latin typeface="DM Mono" panose="020B0509040201040103" pitchFamily="49" charset="0"/>
+              </a:rPr>
+              <a:t>)</a:t>
+            </a:r>
+          </a:p>
+          <a:p>
+            <a:r>
+              <a:rPr lang="ko-KR" altLang="en-US" sz="1400" dirty="0">
+                <a:latin typeface="DM Mono" panose="020B0509040201040103" pitchFamily="49" charset="0"/>
+              </a:rPr>
+              <a:t>{</a:t>
+            </a:r>
+          </a:p>
+          <a:p>
+            <a:r>
+              <a:rPr lang="ko-KR" altLang="en-US" sz="1400" dirty="0">
+                <a:solidFill>
+                  <a:srgbClr val="FF0000"/>
+                </a:solidFill>
+                <a:latin typeface="DM Mono" panose="020B0509040201040103" pitchFamily="49" charset="0"/>
+              </a:rPr>
+              <a:t>    ++</a:t>
+            </a:r>
+            <a:r>
+              <a:rPr lang="ko-KR" altLang="en-US" sz="1400" dirty="0" err="1">
+                <a:solidFill>
+                  <a:srgbClr val="FF0000"/>
+                </a:solidFill>
+                <a:latin typeface="DM Mono" panose="020B0509040201040103" pitchFamily="49" charset="0"/>
+              </a:rPr>
+              <a:t>x</a:t>
+            </a:r>
+            <a:r>
+              <a:rPr lang="ko-KR" altLang="en-US" sz="1400" dirty="0">
+                <a:solidFill>
+                  <a:srgbClr val="FF0000"/>
+                </a:solidFill>
+                <a:latin typeface="DM Mono" panose="020B0509040201040103" pitchFamily="49" charset="0"/>
+              </a:rPr>
+              <a:t>;</a:t>
+            </a:r>
+          </a:p>
+          <a:p>
+            <a:r>
+              <a:rPr lang="ko-KR" altLang="en-US" sz="1400" dirty="0">
+                <a:latin typeface="DM Mono" panose="020B0509040201040103" pitchFamily="49" charset="0"/>
+              </a:rPr>
+              <a:t>}</a:t>
+            </a:r>
+          </a:p>
+          <a:p>
+            <a:endParaRPr lang="ko-KR" altLang="en-US" sz="1400" dirty="0">
+              <a:latin typeface="DM Mono" panose="020B0509040201040103" pitchFamily="49" charset="0"/>
+            </a:endParaRPr>
+          </a:p>
+          <a:p>
+            <a:r>
+              <a:rPr lang="ko-KR" altLang="en-US" sz="1400" dirty="0" err="1">
+                <a:latin typeface="DM Mono" panose="020B0509040201040103" pitchFamily="49" charset="0"/>
+              </a:rPr>
+              <a:t>int</a:t>
+            </a:r>
+            <a:r>
+              <a:rPr lang="ko-KR" altLang="en-US" sz="1400" dirty="0">
+                <a:latin typeface="DM Mono" panose="020B0509040201040103" pitchFamily="49" charset="0"/>
+              </a:rPr>
+              <a:t> </a:t>
+            </a:r>
+            <a:r>
+              <a:rPr lang="ko-KR" altLang="en-US" sz="1400" dirty="0" err="1">
+                <a:latin typeface="DM Mono" panose="020B0509040201040103" pitchFamily="49" charset="0"/>
+              </a:rPr>
+              <a:t>main</a:t>
+            </a:r>
+            <a:r>
+              <a:rPr lang="ko-KR" altLang="en-US" sz="1400" dirty="0">
+                <a:latin typeface="DM Mono" panose="020B0509040201040103" pitchFamily="49" charset="0"/>
+              </a:rPr>
+              <a:t>(</a:t>
+            </a:r>
+            <a:r>
+              <a:rPr lang="ko-KR" altLang="en-US" sz="1400" dirty="0" err="1">
+                <a:latin typeface="DM Mono" panose="020B0509040201040103" pitchFamily="49" charset="0"/>
+              </a:rPr>
+              <a:t>void</a:t>
+            </a:r>
+            <a:r>
+              <a:rPr lang="ko-KR" altLang="en-US" sz="1400" dirty="0">
+                <a:latin typeface="DM Mono" panose="020B0509040201040103" pitchFamily="49" charset="0"/>
+              </a:rPr>
+              <a:t>)</a:t>
+            </a:r>
+          </a:p>
+          <a:p>
+            <a:r>
+              <a:rPr lang="ko-KR" altLang="en-US" sz="1400" dirty="0">
+                <a:latin typeface="DM Mono" panose="020B0509040201040103" pitchFamily="49" charset="0"/>
+              </a:rPr>
+              <a:t>{</a:t>
+            </a:r>
+          </a:p>
+          <a:p>
+            <a:r>
+              <a:rPr lang="ko-KR" altLang="en-US" sz="1400" dirty="0">
+                <a:latin typeface="DM Mono" panose="020B0509040201040103" pitchFamily="49" charset="0"/>
+              </a:rPr>
+              <a:t>    </a:t>
+            </a:r>
+            <a:r>
+              <a:rPr lang="ko-KR" altLang="en-US" sz="1400" dirty="0" err="1">
+                <a:latin typeface="DM Mono" panose="020B0509040201040103" pitchFamily="49" charset="0"/>
+              </a:rPr>
+              <a:t>int</a:t>
+            </a:r>
+            <a:r>
+              <a:rPr lang="ko-KR" altLang="en-US" sz="1400" dirty="0">
+                <a:latin typeface="DM Mono" panose="020B0509040201040103" pitchFamily="49" charset="0"/>
+              </a:rPr>
+              <a:t> </a:t>
+            </a:r>
+            <a:r>
+              <a:rPr lang="ko-KR" altLang="en-US" sz="1400" dirty="0" err="1">
+                <a:latin typeface="DM Mono" panose="020B0509040201040103" pitchFamily="49" charset="0"/>
+              </a:rPr>
+              <a:t>x</a:t>
+            </a:r>
+            <a:r>
+              <a:rPr lang="ko-KR" altLang="en-US" sz="1400" dirty="0">
+                <a:latin typeface="DM Mono" panose="020B0509040201040103" pitchFamily="49" charset="0"/>
+              </a:rPr>
+              <a:t> = 0;</a:t>
+            </a:r>
+          </a:p>
+          <a:p>
+            <a:r>
+              <a:rPr lang="ko-KR" altLang="en-US" sz="1400" dirty="0">
+                <a:solidFill>
+                  <a:srgbClr val="FF0000"/>
+                </a:solidFill>
+                <a:latin typeface="DM Mono" panose="020B0509040201040103" pitchFamily="49" charset="0"/>
+              </a:rPr>
+              <a:t>    Increment1(</a:t>
+            </a:r>
+            <a:r>
+              <a:rPr lang="ko-KR" altLang="en-US" sz="1400" dirty="0" err="1">
+                <a:solidFill>
+                  <a:srgbClr val="FF0000"/>
+                </a:solidFill>
+                <a:latin typeface="DM Mono" panose="020B0509040201040103" pitchFamily="49" charset="0"/>
+              </a:rPr>
+              <a:t>x</a:t>
+            </a:r>
+            <a:r>
+              <a:rPr lang="ko-KR" altLang="en-US" sz="1400" dirty="0">
+                <a:solidFill>
+                  <a:srgbClr val="FF0000"/>
+                </a:solidFill>
+                <a:latin typeface="DM Mono" panose="020B0509040201040103" pitchFamily="49" charset="0"/>
+              </a:rPr>
+              <a:t>);</a:t>
+            </a:r>
+          </a:p>
+          <a:p>
+            <a:endParaRPr lang="ko-KR" altLang="en-US" sz="1400" dirty="0">
+              <a:latin typeface="DM Mono" panose="020B0509040201040103" pitchFamily="49" charset="0"/>
+            </a:endParaRPr>
+          </a:p>
+          <a:p>
+            <a:r>
+              <a:rPr lang="ko-KR" altLang="en-US" sz="1400" dirty="0">
+                <a:latin typeface="DM Mono" panose="020B0509040201040103" pitchFamily="49" charset="0"/>
+              </a:rPr>
+              <a:t>    </a:t>
+            </a:r>
+            <a:r>
+              <a:rPr lang="ko-KR" altLang="en-US" sz="1400" dirty="0" err="1">
+                <a:latin typeface="DM Mono" panose="020B0509040201040103" pitchFamily="49" charset="0"/>
+              </a:rPr>
+              <a:t>return</a:t>
+            </a:r>
+            <a:r>
+              <a:rPr lang="ko-KR" altLang="en-US" sz="1400" dirty="0">
+                <a:latin typeface="DM Mono" panose="020B0509040201040103" pitchFamily="49" charset="0"/>
+              </a:rPr>
+              <a:t> 0;</a:t>
+            </a:r>
+          </a:p>
+          <a:p>
+            <a:r>
+              <a:rPr lang="ko-KR" altLang="en-US" sz="1400" dirty="0">
+                <a:latin typeface="DM Mono" panose="020B0509040201040103" pitchFamily="49" charset="0"/>
+              </a:rPr>
+              <a:t>}</a:t>
+            </a:r>
+          </a:p>
+        </p:txBody>
+      </p:sp>
+      <p:sp>
+        <p:nvSpPr>
+          <p:cNvPr id="6" name="직사각형 5">
+            <a:extLst>
+              <a:ext uri="{FF2B5EF4-FFF2-40B4-BE49-F238E27FC236}">
+                <a16:creationId xmlns:a16="http://schemas.microsoft.com/office/drawing/2014/main" id="{3003F43C-93FD-FA12-60C8-D41B8B7EA8D6}"/>
+              </a:ext>
+            </a:extLst>
+          </p:cNvPr>
+          <p:cNvSpPr/>
+          <p:nvPr/>
+        </p:nvSpPr>
+        <p:spPr>
+          <a:xfrm>
+            <a:off x="2521049" y="4649600"/>
+            <a:ext cx="1268087" cy="521899"/>
+          </a:xfrm>
+          <a:prstGeom prst="rect">
+            <a:avLst/>
+          </a:prstGeom>
+          <a:solidFill>
+            <a:srgbClr val="FFFF00"/>
+          </a:solidFill>
+        </p:spPr>
+        <p:style>
+          <a:lnRef idx="2">
+            <a:schemeClr val="accent1">
+              <a:shade val="15000"/>
+            </a:schemeClr>
+          </a:lnRef>
+          <a:fillRef idx="1">
+            <a:schemeClr val="accent1"/>
+          </a:fillRef>
+          <a:effectRef idx="0">
+            <a:schemeClr val="accent1"/>
+          </a:effectRef>
+          <a:fontRef idx="minor">
+            <a:schemeClr val="lt1"/>
+          </a:fontRef>
+        </p:style>
+        <p:txBody>
+          <a:bodyPr rtlCol="0" anchor="ctr"/>
+          <a:lstStyle/>
+          <a:p>
+            <a:pPr algn="ctr"/>
+            <a:r>
+              <a:rPr kumimoji="1" lang="en-US" altLang="ko-KR" sz="1600" dirty="0">
+                <a:solidFill>
+                  <a:schemeClr val="tx1"/>
+                </a:solidFill>
+                <a:latin typeface="DM Mono" panose="020B0509040201040103" pitchFamily="49" charset="0"/>
+              </a:rPr>
+              <a:t>0</a:t>
+            </a:r>
+            <a:endParaRPr kumimoji="1" lang="ko-KR" altLang="en-US" sz="1600" dirty="0">
+              <a:solidFill>
+                <a:schemeClr val="tx1"/>
+              </a:solidFill>
+              <a:latin typeface="DM Mono" panose="020B0509040201040103" pitchFamily="49" charset="0"/>
+            </a:endParaRPr>
+          </a:p>
+        </p:txBody>
+      </p:sp>
+      <p:sp>
+        <p:nvSpPr>
+          <p:cNvPr id="7" name="TextBox 6">
+            <a:extLst>
+              <a:ext uri="{FF2B5EF4-FFF2-40B4-BE49-F238E27FC236}">
+                <a16:creationId xmlns:a16="http://schemas.microsoft.com/office/drawing/2014/main" id="{4ECEF5FA-2A2E-B997-6A61-8A85878EB717}"/>
+              </a:ext>
+            </a:extLst>
+          </p:cNvPr>
+          <p:cNvSpPr txBox="1"/>
+          <p:nvPr/>
+        </p:nvSpPr>
+        <p:spPr>
+          <a:xfrm>
+            <a:off x="1789960" y="4725883"/>
+            <a:ext cx="731089" cy="369332"/>
+          </a:xfrm>
+          <a:prstGeom prst="rect">
+            <a:avLst/>
+          </a:prstGeom>
+          <a:noFill/>
+        </p:spPr>
+        <p:txBody>
+          <a:bodyPr wrap="square">
+            <a:spAutoFit/>
+          </a:bodyPr>
+          <a:lstStyle/>
+          <a:p>
+            <a:pPr algn="r"/>
+            <a:r>
+              <a:rPr lang="en-US" altLang="ko-KR" sz="1800" dirty="0">
+                <a:latin typeface="DM Mono" panose="020B0509040201040103" pitchFamily="49" charset="0"/>
+              </a:rPr>
+              <a:t>x</a:t>
+            </a:r>
+            <a:endParaRPr lang="ko-KR" altLang="en-US" dirty="0"/>
+          </a:p>
+        </p:txBody>
+      </p:sp>
+      <p:sp>
+        <p:nvSpPr>
+          <p:cNvPr id="8" name="TextBox 7">
+            <a:extLst>
+              <a:ext uri="{FF2B5EF4-FFF2-40B4-BE49-F238E27FC236}">
+                <a16:creationId xmlns:a16="http://schemas.microsoft.com/office/drawing/2014/main" id="{2AD7A2A4-84BE-242F-F7F9-2A53A9805A0B}"/>
+              </a:ext>
+            </a:extLst>
+          </p:cNvPr>
+          <p:cNvSpPr txBox="1"/>
+          <p:nvPr/>
+        </p:nvSpPr>
+        <p:spPr>
+          <a:xfrm>
+            <a:off x="2298923" y="4372600"/>
+            <a:ext cx="713836" cy="276999"/>
+          </a:xfrm>
+          <a:prstGeom prst="rect">
+            <a:avLst/>
+          </a:prstGeom>
+          <a:noFill/>
+        </p:spPr>
+        <p:txBody>
+          <a:bodyPr wrap="square">
+            <a:spAutoFit/>
+          </a:bodyPr>
+          <a:lstStyle/>
+          <a:p>
+            <a:r>
+              <a:rPr kumimoji="1" lang="en-US" altLang="ko-KR" sz="1200" dirty="0">
+                <a:solidFill>
+                  <a:schemeClr val="tx1"/>
+                </a:solidFill>
+                <a:latin typeface="DM Mono" panose="020B0509040201040103" pitchFamily="49" charset="0"/>
+              </a:rPr>
+              <a:t>200</a:t>
+            </a:r>
+            <a:endParaRPr lang="ko-KR" altLang="en-US" sz="1200" dirty="0"/>
+          </a:p>
+        </p:txBody>
+      </p:sp>
+      <p:sp>
+        <p:nvSpPr>
+          <p:cNvPr id="11" name="TextBox 10">
+            <a:extLst>
+              <a:ext uri="{FF2B5EF4-FFF2-40B4-BE49-F238E27FC236}">
+                <a16:creationId xmlns:a16="http://schemas.microsoft.com/office/drawing/2014/main" id="{F3209435-BC98-0A11-0886-8559C2DBB2A2}"/>
+              </a:ext>
+            </a:extLst>
+          </p:cNvPr>
+          <p:cNvSpPr txBox="1"/>
+          <p:nvPr/>
+        </p:nvSpPr>
+        <p:spPr>
+          <a:xfrm>
+            <a:off x="1759213" y="3291116"/>
+            <a:ext cx="3048630" cy="369332"/>
+          </a:xfrm>
+          <a:prstGeom prst="rect">
+            <a:avLst/>
+          </a:prstGeom>
+          <a:noFill/>
+        </p:spPr>
+        <p:txBody>
+          <a:bodyPr wrap="square">
+            <a:spAutoFit/>
+          </a:bodyPr>
+          <a:lstStyle/>
+          <a:p>
+            <a:pPr algn="ctr"/>
+            <a:r>
+              <a:rPr lang="ko-KR" altLang="en-US" sz="1800" dirty="0" err="1">
+                <a:latin typeface="DM Mono" panose="020B0509040201040103" pitchFamily="49" charset="0"/>
+              </a:rPr>
+              <a:t>main</a:t>
+            </a:r>
+            <a:endParaRPr lang="ko-KR" altLang="en-US" dirty="0"/>
+          </a:p>
+        </p:txBody>
+      </p:sp>
+      <p:sp>
+        <p:nvSpPr>
+          <p:cNvPr id="2" name="모서리가 둥근 직사각형 1">
+            <a:extLst>
+              <a:ext uri="{FF2B5EF4-FFF2-40B4-BE49-F238E27FC236}">
+                <a16:creationId xmlns:a16="http://schemas.microsoft.com/office/drawing/2014/main" id="{0F034D0D-61A0-8AF7-F0A5-37B7EABCF279}"/>
+              </a:ext>
+            </a:extLst>
+          </p:cNvPr>
+          <p:cNvSpPr/>
+          <p:nvPr/>
+        </p:nvSpPr>
+        <p:spPr>
+          <a:xfrm>
+            <a:off x="6513841" y="779633"/>
+            <a:ext cx="4435974" cy="2773428"/>
+          </a:xfrm>
+          <a:prstGeom prst="roundRect">
+            <a:avLst/>
+          </a:prstGeom>
+          <a:solidFill>
+            <a:schemeClr val="bg1"/>
+          </a:solidFill>
+        </p:spPr>
+        <p:style>
+          <a:lnRef idx="2">
+            <a:schemeClr val="accent1">
+              <a:shade val="15000"/>
+            </a:schemeClr>
+          </a:lnRef>
+          <a:fillRef idx="1">
+            <a:schemeClr val="accent1"/>
+          </a:fillRef>
+          <a:effectRef idx="0">
+            <a:schemeClr val="accent1"/>
+          </a:effectRef>
+          <a:fontRef idx="minor">
+            <a:schemeClr val="lt1"/>
+          </a:fontRef>
+        </p:style>
+        <p:txBody>
+          <a:bodyPr rtlCol="0" anchor="ctr"/>
+          <a:lstStyle/>
+          <a:p>
+            <a:pPr algn="ctr"/>
+            <a:endParaRPr kumimoji="1" lang="ko-KR" altLang="en-US"/>
+          </a:p>
+        </p:txBody>
+      </p:sp>
+      <p:sp>
+        <p:nvSpPr>
+          <p:cNvPr id="3" name="TextBox 2">
+            <a:extLst>
+              <a:ext uri="{FF2B5EF4-FFF2-40B4-BE49-F238E27FC236}">
+                <a16:creationId xmlns:a16="http://schemas.microsoft.com/office/drawing/2014/main" id="{BD7712DF-DB6D-DDFA-BFFD-BFB2B71FF2DD}"/>
+              </a:ext>
+            </a:extLst>
+          </p:cNvPr>
+          <p:cNvSpPr txBox="1"/>
+          <p:nvPr/>
+        </p:nvSpPr>
+        <p:spPr>
+          <a:xfrm>
+            <a:off x="7207513" y="390478"/>
+            <a:ext cx="3048630" cy="369332"/>
+          </a:xfrm>
+          <a:prstGeom prst="rect">
+            <a:avLst/>
+          </a:prstGeom>
+          <a:noFill/>
+        </p:spPr>
+        <p:txBody>
+          <a:bodyPr wrap="square">
+            <a:spAutoFit/>
+          </a:bodyPr>
+          <a:lstStyle/>
+          <a:p>
+            <a:pPr algn="ctr"/>
+            <a:r>
+              <a:rPr lang="en-US" altLang="ko-KR" sz="1800" dirty="0">
+                <a:latin typeface="DM Mono" panose="020B0509040201040103" pitchFamily="49" charset="0"/>
+              </a:rPr>
+              <a:t>Increment</a:t>
+            </a:r>
+            <a:endParaRPr lang="ko-KR" altLang="en-US" dirty="0"/>
+          </a:p>
+        </p:txBody>
+      </p:sp>
+      <p:sp>
+        <p:nvSpPr>
+          <p:cNvPr id="4" name="직사각형 3">
+            <a:extLst>
+              <a:ext uri="{FF2B5EF4-FFF2-40B4-BE49-F238E27FC236}">
+                <a16:creationId xmlns:a16="http://schemas.microsoft.com/office/drawing/2014/main" id="{D0491238-C0BF-20D3-1B32-50608C81206B}"/>
+              </a:ext>
+            </a:extLst>
+          </p:cNvPr>
+          <p:cNvSpPr/>
+          <p:nvPr/>
+        </p:nvSpPr>
+        <p:spPr>
+          <a:xfrm>
+            <a:off x="7938602" y="1200584"/>
+            <a:ext cx="1268087" cy="521899"/>
+          </a:xfrm>
+          <a:prstGeom prst="rect">
+            <a:avLst/>
+          </a:prstGeom>
+          <a:solidFill>
+            <a:srgbClr val="FFFF00"/>
+          </a:solidFill>
+        </p:spPr>
+        <p:style>
+          <a:lnRef idx="2">
+            <a:schemeClr val="accent1">
+              <a:shade val="15000"/>
+            </a:schemeClr>
+          </a:lnRef>
+          <a:fillRef idx="1">
+            <a:schemeClr val="accent1"/>
+          </a:fillRef>
+          <a:effectRef idx="0">
+            <a:schemeClr val="accent1"/>
+          </a:effectRef>
+          <a:fontRef idx="minor">
+            <a:schemeClr val="lt1"/>
+          </a:fontRef>
+        </p:style>
+        <p:txBody>
+          <a:bodyPr rtlCol="0" anchor="ctr"/>
+          <a:lstStyle/>
+          <a:p>
+            <a:pPr algn="ctr"/>
+            <a:r>
+              <a:rPr kumimoji="1" lang="en-US" altLang="ko-KR" sz="1600" dirty="0">
+                <a:solidFill>
+                  <a:srgbClr val="FF0000"/>
+                </a:solidFill>
+                <a:latin typeface="DM Mono" panose="020B0509040201040103" pitchFamily="49" charset="0"/>
+              </a:rPr>
+              <a:t>1</a:t>
+            </a:r>
+            <a:endParaRPr kumimoji="1" lang="ko-KR" altLang="en-US" sz="1600" dirty="0">
+              <a:solidFill>
+                <a:srgbClr val="FF0000"/>
+              </a:solidFill>
+              <a:latin typeface="DM Mono" panose="020B0509040201040103" pitchFamily="49" charset="0"/>
+            </a:endParaRPr>
+          </a:p>
+        </p:txBody>
+      </p:sp>
+      <p:sp>
+        <p:nvSpPr>
+          <p:cNvPr id="10" name="TextBox 9">
+            <a:extLst>
+              <a:ext uri="{FF2B5EF4-FFF2-40B4-BE49-F238E27FC236}">
+                <a16:creationId xmlns:a16="http://schemas.microsoft.com/office/drawing/2014/main" id="{DC5A0EF8-A45F-AF01-F284-6882FBAD2B71}"/>
+              </a:ext>
+            </a:extLst>
+          </p:cNvPr>
+          <p:cNvSpPr txBox="1"/>
+          <p:nvPr/>
+        </p:nvSpPr>
+        <p:spPr>
+          <a:xfrm>
+            <a:off x="7207513" y="1276867"/>
+            <a:ext cx="731089" cy="369332"/>
+          </a:xfrm>
+          <a:prstGeom prst="rect">
+            <a:avLst/>
+          </a:prstGeom>
+          <a:noFill/>
+        </p:spPr>
+        <p:txBody>
+          <a:bodyPr wrap="square">
+            <a:spAutoFit/>
+          </a:bodyPr>
+          <a:lstStyle/>
+          <a:p>
+            <a:pPr algn="r"/>
+            <a:r>
+              <a:rPr lang="en-US" altLang="ko-KR" sz="1800" dirty="0">
+                <a:latin typeface="DM Mono" panose="020B0509040201040103" pitchFamily="49" charset="0"/>
+              </a:rPr>
+              <a:t>x</a:t>
+            </a:r>
+            <a:endParaRPr lang="ko-KR" altLang="en-US" dirty="0"/>
+          </a:p>
+        </p:txBody>
+      </p:sp>
+      <p:cxnSp>
+        <p:nvCxnSpPr>
+          <p:cNvPr id="13" name="구부러진 연결선[U] 12">
+            <a:extLst>
+              <a:ext uri="{FF2B5EF4-FFF2-40B4-BE49-F238E27FC236}">
+                <a16:creationId xmlns:a16="http://schemas.microsoft.com/office/drawing/2014/main" id="{332ACF77-3935-6595-947C-098E65B50A38}"/>
+              </a:ext>
+            </a:extLst>
+          </p:cNvPr>
+          <p:cNvCxnSpPr>
+            <a:stCxn id="6" idx="3"/>
+            <a:endCxn id="4" idx="2"/>
+          </p:cNvCxnSpPr>
+          <p:nvPr/>
+        </p:nvCxnSpPr>
+        <p:spPr>
+          <a:xfrm flipV="1">
+            <a:off x="3789136" y="1722483"/>
+            <a:ext cx="4783510" cy="3188067"/>
+          </a:xfrm>
+          <a:prstGeom prst="curvedConnector2">
+            <a:avLst/>
+          </a:prstGeom>
+          <a:ln>
+            <a:tailEnd type="triangle"/>
+          </a:ln>
+        </p:spPr>
+        <p:style>
+          <a:lnRef idx="1">
+            <a:schemeClr val="dk1"/>
+          </a:lnRef>
+          <a:fillRef idx="0">
+            <a:schemeClr val="dk1"/>
+          </a:fillRef>
+          <a:effectRef idx="0">
+            <a:schemeClr val="dk1"/>
+          </a:effectRef>
+          <a:fontRef idx="minor">
+            <a:schemeClr val="tx1"/>
+          </a:fontRef>
+        </p:style>
+      </p:cxnSp>
+      <p:sp>
+        <p:nvSpPr>
+          <p:cNvPr id="14" name="TextBox 13">
+            <a:extLst>
+              <a:ext uri="{FF2B5EF4-FFF2-40B4-BE49-F238E27FC236}">
+                <a16:creationId xmlns:a16="http://schemas.microsoft.com/office/drawing/2014/main" id="{4E382CB8-960E-68D8-6D1A-32C74FB01992}"/>
+              </a:ext>
+            </a:extLst>
+          </p:cNvPr>
+          <p:cNvSpPr txBox="1"/>
+          <p:nvPr/>
+        </p:nvSpPr>
+        <p:spPr>
+          <a:xfrm>
+            <a:off x="6678709" y="4186136"/>
+            <a:ext cx="2992241" cy="338554"/>
+          </a:xfrm>
+          <a:prstGeom prst="rect">
+            <a:avLst/>
+          </a:prstGeom>
+          <a:noFill/>
+        </p:spPr>
+        <p:txBody>
+          <a:bodyPr wrap="square">
+            <a:spAutoFit/>
+          </a:bodyPr>
+          <a:lstStyle/>
+          <a:p>
+            <a:r>
+              <a:rPr kumimoji="1" lang="ko-KR" altLang="en-US" sz="1600" dirty="0">
+                <a:latin typeface="DM Mono" panose="020B0509040201040103" pitchFamily="49" charset="0"/>
+              </a:rPr>
+              <a:t>값을 복사해서 전달</a:t>
+            </a:r>
+            <a:endParaRPr lang="ko-KR" altLang="en-US" sz="1600" dirty="0"/>
+          </a:p>
+        </p:txBody>
+      </p:sp>
+    </p:spTree>
+    <p:extLst>
+      <p:ext uri="{BB962C8B-B14F-4D97-AF65-F5344CB8AC3E}">
+        <p14:creationId xmlns:p14="http://schemas.microsoft.com/office/powerpoint/2010/main" val="1803787014"/>
+      </p:ext>
+    </p:extLst>
+  </p:cSld>
+  <p:clrMapOvr>
+    <a:masterClrMapping/>
+  </p:clrMapOvr>
+</p:sld>
+</file>
+
+<file path=ppt/slides/slide8.xml><?xml version="1.0" encoding="utf-8"?>
+<p:sld xmlns:a="http://schemas.openxmlformats.org/drawingml/2006/main" xmlns:r="http://schemas.openxmlformats.org/officeDocument/2006/relationships" xmlns:p="http://schemas.openxmlformats.org/presentationml/2006/main">
+  <p:cSld>
+    <p:spTree>
+      <p:nvGrpSpPr>
+        <p:cNvPr id="1" name=""/>
+        <p:cNvGrpSpPr/>
+        <p:nvPr/>
+      </p:nvGrpSpPr>
+      <p:grpSpPr>
+        <a:xfrm>
+          <a:off x="0" y="0"/>
+          <a:ext cx="0" cy="0"/>
+          <a:chOff x="0" y="0"/>
+          <a:chExt cx="0" cy="0"/>
+        </a:xfrm>
+      </p:grpSpPr>
+      <p:sp>
+        <p:nvSpPr>
+          <p:cNvPr id="9" name="모서리가 둥근 직사각형 8">
+            <a:extLst>
+              <a:ext uri="{FF2B5EF4-FFF2-40B4-BE49-F238E27FC236}">
+                <a16:creationId xmlns:a16="http://schemas.microsoft.com/office/drawing/2014/main" id="{9530EE96-6809-0882-49F2-6C0149D9C941}"/>
+              </a:ext>
+            </a:extLst>
+          </p:cNvPr>
+          <p:cNvSpPr/>
+          <p:nvPr/>
+        </p:nvSpPr>
+        <p:spPr>
+          <a:xfrm>
+            <a:off x="1065541" y="3680271"/>
+            <a:ext cx="4435974" cy="2773428"/>
+          </a:xfrm>
+          <a:prstGeom prst="roundRect">
+            <a:avLst/>
+          </a:prstGeom>
+          <a:solidFill>
+            <a:schemeClr val="bg1"/>
+          </a:solidFill>
+        </p:spPr>
+        <p:style>
+          <a:lnRef idx="2">
+            <a:schemeClr val="accent1">
+              <a:shade val="15000"/>
+            </a:schemeClr>
+          </a:lnRef>
+          <a:fillRef idx="1">
+            <a:schemeClr val="accent1"/>
+          </a:fillRef>
+          <a:effectRef idx="0">
+            <a:schemeClr val="accent1"/>
+          </a:effectRef>
+          <a:fontRef idx="minor">
+            <a:schemeClr val="lt1"/>
+          </a:fontRef>
+        </p:style>
+        <p:txBody>
+          <a:bodyPr rtlCol="0" anchor="ctr"/>
+          <a:lstStyle/>
+          <a:p>
+            <a:pPr algn="ctr"/>
+            <a:endParaRPr kumimoji="1" lang="ko-KR" altLang="en-US"/>
+          </a:p>
+        </p:txBody>
+      </p:sp>
+      <p:sp>
+        <p:nvSpPr>
+          <p:cNvPr id="5" name="TextBox 4">
+            <a:extLst>
+              <a:ext uri="{FF2B5EF4-FFF2-40B4-BE49-F238E27FC236}">
+                <a16:creationId xmlns:a16="http://schemas.microsoft.com/office/drawing/2014/main" id="{FA958DEC-2F6F-0610-887A-3446B7CFAB31}"/>
+              </a:ext>
+            </a:extLst>
+          </p:cNvPr>
+          <p:cNvSpPr txBox="1"/>
+          <p:nvPr/>
+        </p:nvSpPr>
+        <p:spPr>
+          <a:xfrm>
+            <a:off x="425083" y="251720"/>
+            <a:ext cx="6094740" cy="2677656"/>
+          </a:xfrm>
+          <a:prstGeom prst="rect">
+            <a:avLst/>
+          </a:prstGeom>
+          <a:noFill/>
+        </p:spPr>
+        <p:txBody>
+          <a:bodyPr wrap="square">
+            <a:spAutoFit/>
+          </a:bodyPr>
+          <a:lstStyle/>
+          <a:p>
+            <a:r>
+              <a:rPr lang="ko-KR" altLang="en-US" sz="1400" dirty="0" err="1">
+                <a:latin typeface="DM Mono" panose="020B0509040201040103" pitchFamily="49" charset="0"/>
+              </a:rPr>
+              <a:t>void</a:t>
+            </a:r>
+            <a:r>
+              <a:rPr lang="ko-KR" altLang="en-US" sz="1400" dirty="0">
+                <a:latin typeface="DM Mono" panose="020B0509040201040103" pitchFamily="49" charset="0"/>
+              </a:rPr>
+              <a:t> Increment1(</a:t>
+            </a:r>
+            <a:r>
+              <a:rPr lang="ko-KR" altLang="en-US" sz="1400" dirty="0" err="1">
+                <a:solidFill>
+                  <a:srgbClr val="FF0000"/>
+                </a:solidFill>
+                <a:latin typeface="DM Mono" panose="020B0509040201040103" pitchFamily="49" charset="0"/>
+              </a:rPr>
+              <a:t>int</a:t>
+            </a:r>
+            <a:r>
+              <a:rPr lang="ko-KR" altLang="en-US" sz="1400" dirty="0">
+                <a:solidFill>
+                  <a:srgbClr val="FF0000"/>
+                </a:solidFill>
+                <a:latin typeface="DM Mono" panose="020B0509040201040103" pitchFamily="49" charset="0"/>
+              </a:rPr>
+              <a:t> </a:t>
+            </a:r>
+            <a:r>
+              <a:rPr lang="ko-KR" altLang="en-US" sz="1400" dirty="0" err="1">
+                <a:solidFill>
+                  <a:srgbClr val="FF0000"/>
+                </a:solidFill>
+                <a:latin typeface="DM Mono" panose="020B0509040201040103" pitchFamily="49" charset="0"/>
+              </a:rPr>
+              <a:t>x</a:t>
+            </a:r>
+            <a:r>
+              <a:rPr lang="ko-KR" altLang="en-US" sz="1400" dirty="0">
+                <a:latin typeface="DM Mono" panose="020B0509040201040103" pitchFamily="49" charset="0"/>
+              </a:rPr>
+              <a:t>)</a:t>
+            </a:r>
+          </a:p>
+          <a:p>
+            <a:r>
+              <a:rPr lang="ko-KR" altLang="en-US" sz="1400" dirty="0">
+                <a:latin typeface="DM Mono" panose="020B0509040201040103" pitchFamily="49" charset="0"/>
+              </a:rPr>
+              <a:t>{</a:t>
+            </a:r>
+          </a:p>
+          <a:p>
+            <a:r>
+              <a:rPr lang="ko-KR" altLang="en-US" sz="1400" dirty="0">
+                <a:solidFill>
+                  <a:srgbClr val="FF0000"/>
+                </a:solidFill>
+                <a:latin typeface="DM Mono" panose="020B0509040201040103" pitchFamily="49" charset="0"/>
+              </a:rPr>
+              <a:t>    ++</a:t>
+            </a:r>
+            <a:r>
+              <a:rPr lang="ko-KR" altLang="en-US" sz="1400" dirty="0" err="1">
+                <a:solidFill>
+                  <a:srgbClr val="FF0000"/>
+                </a:solidFill>
+                <a:latin typeface="DM Mono" panose="020B0509040201040103" pitchFamily="49" charset="0"/>
+              </a:rPr>
+              <a:t>x</a:t>
+            </a:r>
+            <a:r>
+              <a:rPr lang="ko-KR" altLang="en-US" sz="1400" dirty="0">
+                <a:solidFill>
+                  <a:srgbClr val="FF0000"/>
+                </a:solidFill>
+                <a:latin typeface="DM Mono" panose="020B0509040201040103" pitchFamily="49" charset="0"/>
+              </a:rPr>
+              <a:t>;</a:t>
+            </a:r>
+          </a:p>
+          <a:p>
+            <a:r>
+              <a:rPr lang="ko-KR" altLang="en-US" sz="1400" dirty="0">
+                <a:latin typeface="DM Mono" panose="020B0509040201040103" pitchFamily="49" charset="0"/>
+              </a:rPr>
+              <a:t>}</a:t>
+            </a:r>
+          </a:p>
+          <a:p>
+            <a:endParaRPr lang="ko-KR" altLang="en-US" sz="1400" dirty="0">
+              <a:latin typeface="DM Mono" panose="020B0509040201040103" pitchFamily="49" charset="0"/>
+            </a:endParaRPr>
+          </a:p>
+          <a:p>
+            <a:r>
+              <a:rPr lang="ko-KR" altLang="en-US" sz="1400" dirty="0" err="1">
+                <a:latin typeface="DM Mono" panose="020B0509040201040103" pitchFamily="49" charset="0"/>
+              </a:rPr>
+              <a:t>int</a:t>
+            </a:r>
+            <a:r>
+              <a:rPr lang="ko-KR" altLang="en-US" sz="1400" dirty="0">
+                <a:latin typeface="DM Mono" panose="020B0509040201040103" pitchFamily="49" charset="0"/>
+              </a:rPr>
+              <a:t> </a:t>
+            </a:r>
+            <a:r>
+              <a:rPr lang="ko-KR" altLang="en-US" sz="1400" dirty="0" err="1">
+                <a:latin typeface="DM Mono" panose="020B0509040201040103" pitchFamily="49" charset="0"/>
+              </a:rPr>
+              <a:t>main</a:t>
+            </a:r>
+            <a:r>
+              <a:rPr lang="ko-KR" altLang="en-US" sz="1400" dirty="0">
+                <a:latin typeface="DM Mono" panose="020B0509040201040103" pitchFamily="49" charset="0"/>
+              </a:rPr>
+              <a:t>(</a:t>
+            </a:r>
+            <a:r>
+              <a:rPr lang="ko-KR" altLang="en-US" sz="1400" dirty="0" err="1">
+                <a:latin typeface="DM Mono" panose="020B0509040201040103" pitchFamily="49" charset="0"/>
+              </a:rPr>
+              <a:t>void</a:t>
+            </a:r>
+            <a:r>
+              <a:rPr lang="ko-KR" altLang="en-US" sz="1400" dirty="0">
+                <a:latin typeface="DM Mono" panose="020B0509040201040103" pitchFamily="49" charset="0"/>
+              </a:rPr>
+              <a:t>)</a:t>
+            </a:r>
+          </a:p>
+          <a:p>
+            <a:r>
+              <a:rPr lang="ko-KR" altLang="en-US" sz="1400" dirty="0">
+                <a:latin typeface="DM Mono" panose="020B0509040201040103" pitchFamily="49" charset="0"/>
+              </a:rPr>
+              <a:t>{</a:t>
+            </a:r>
+          </a:p>
+          <a:p>
+            <a:r>
+              <a:rPr lang="ko-KR" altLang="en-US" sz="1400" dirty="0">
+                <a:latin typeface="DM Mono" panose="020B0509040201040103" pitchFamily="49" charset="0"/>
+              </a:rPr>
+              <a:t>    </a:t>
+            </a:r>
+            <a:r>
+              <a:rPr lang="ko-KR" altLang="en-US" sz="1400" dirty="0" err="1">
+                <a:latin typeface="DM Mono" panose="020B0509040201040103" pitchFamily="49" charset="0"/>
+              </a:rPr>
+              <a:t>int</a:t>
+            </a:r>
+            <a:r>
+              <a:rPr lang="ko-KR" altLang="en-US" sz="1400" dirty="0">
+                <a:latin typeface="DM Mono" panose="020B0509040201040103" pitchFamily="49" charset="0"/>
+              </a:rPr>
+              <a:t> </a:t>
+            </a:r>
+            <a:r>
+              <a:rPr lang="ko-KR" altLang="en-US" sz="1400" dirty="0" err="1">
+                <a:latin typeface="DM Mono" panose="020B0509040201040103" pitchFamily="49" charset="0"/>
+              </a:rPr>
+              <a:t>x</a:t>
+            </a:r>
+            <a:r>
+              <a:rPr lang="ko-KR" altLang="en-US" sz="1400" dirty="0">
+                <a:latin typeface="DM Mono" panose="020B0509040201040103" pitchFamily="49" charset="0"/>
+              </a:rPr>
+              <a:t> = 0;</a:t>
+            </a:r>
+          </a:p>
+          <a:p>
+            <a:r>
+              <a:rPr lang="ko-KR" altLang="en-US" sz="1400" dirty="0">
+                <a:solidFill>
+                  <a:srgbClr val="FF0000"/>
+                </a:solidFill>
+                <a:latin typeface="DM Mono" panose="020B0509040201040103" pitchFamily="49" charset="0"/>
+              </a:rPr>
+              <a:t>    Increment1(</a:t>
+            </a:r>
+            <a:r>
+              <a:rPr lang="ko-KR" altLang="en-US" sz="1400" dirty="0" err="1">
+                <a:solidFill>
+                  <a:srgbClr val="FF0000"/>
+                </a:solidFill>
+                <a:latin typeface="DM Mono" panose="020B0509040201040103" pitchFamily="49" charset="0"/>
+              </a:rPr>
+              <a:t>x</a:t>
+            </a:r>
+            <a:r>
+              <a:rPr lang="ko-KR" altLang="en-US" sz="1400" dirty="0">
+                <a:solidFill>
+                  <a:srgbClr val="FF0000"/>
+                </a:solidFill>
+                <a:latin typeface="DM Mono" panose="020B0509040201040103" pitchFamily="49" charset="0"/>
+              </a:rPr>
+              <a:t>);</a:t>
+            </a:r>
+          </a:p>
+          <a:p>
+            <a:endParaRPr lang="ko-KR" altLang="en-US" sz="1400" dirty="0">
+              <a:latin typeface="DM Mono" panose="020B0509040201040103" pitchFamily="49" charset="0"/>
+            </a:endParaRPr>
+          </a:p>
+          <a:p>
+            <a:r>
+              <a:rPr lang="ko-KR" altLang="en-US" sz="1400" dirty="0">
+                <a:latin typeface="DM Mono" panose="020B0509040201040103" pitchFamily="49" charset="0"/>
+              </a:rPr>
+              <a:t>    </a:t>
+            </a:r>
+            <a:r>
+              <a:rPr lang="ko-KR" altLang="en-US" sz="1400" dirty="0" err="1">
+                <a:latin typeface="DM Mono" panose="020B0509040201040103" pitchFamily="49" charset="0"/>
+              </a:rPr>
+              <a:t>return</a:t>
+            </a:r>
+            <a:r>
+              <a:rPr lang="ko-KR" altLang="en-US" sz="1400" dirty="0">
+                <a:latin typeface="DM Mono" panose="020B0509040201040103" pitchFamily="49" charset="0"/>
+              </a:rPr>
+              <a:t> 0;</a:t>
+            </a:r>
+          </a:p>
+          <a:p>
+            <a:r>
+              <a:rPr lang="ko-KR" altLang="en-US" sz="1400" dirty="0">
+                <a:latin typeface="DM Mono" panose="020B0509040201040103" pitchFamily="49" charset="0"/>
+              </a:rPr>
+              <a:t>}</a:t>
+            </a:r>
+          </a:p>
+        </p:txBody>
+      </p:sp>
+      <p:sp>
+        <p:nvSpPr>
+          <p:cNvPr id="6" name="직사각형 5">
+            <a:extLst>
+              <a:ext uri="{FF2B5EF4-FFF2-40B4-BE49-F238E27FC236}">
+                <a16:creationId xmlns:a16="http://schemas.microsoft.com/office/drawing/2014/main" id="{3003F43C-93FD-FA12-60C8-D41B8B7EA8D6}"/>
+              </a:ext>
+            </a:extLst>
+          </p:cNvPr>
+          <p:cNvSpPr/>
+          <p:nvPr/>
+        </p:nvSpPr>
+        <p:spPr>
+          <a:xfrm>
+            <a:off x="2521049" y="4649600"/>
+            <a:ext cx="1268087" cy="521899"/>
+          </a:xfrm>
+          <a:prstGeom prst="rect">
+            <a:avLst/>
+          </a:prstGeom>
+          <a:solidFill>
+            <a:srgbClr val="FFFF00"/>
+          </a:solidFill>
+        </p:spPr>
+        <p:style>
+          <a:lnRef idx="2">
+            <a:schemeClr val="accent1">
+              <a:shade val="15000"/>
+            </a:schemeClr>
+          </a:lnRef>
+          <a:fillRef idx="1">
+            <a:schemeClr val="accent1"/>
+          </a:fillRef>
+          <a:effectRef idx="0">
+            <a:schemeClr val="accent1"/>
+          </a:effectRef>
+          <a:fontRef idx="minor">
+            <a:schemeClr val="lt1"/>
+          </a:fontRef>
+        </p:style>
+        <p:txBody>
+          <a:bodyPr rtlCol="0" anchor="ctr"/>
+          <a:lstStyle/>
+          <a:p>
+            <a:pPr algn="ctr"/>
+            <a:r>
+              <a:rPr kumimoji="1" lang="en-US" altLang="ko-KR" sz="1600" dirty="0">
+                <a:solidFill>
+                  <a:schemeClr val="tx1"/>
+                </a:solidFill>
+                <a:latin typeface="DM Mono" panose="020B0509040201040103" pitchFamily="49" charset="0"/>
+              </a:rPr>
+              <a:t>0</a:t>
+            </a:r>
+            <a:endParaRPr kumimoji="1" lang="ko-KR" altLang="en-US" sz="1600" dirty="0">
+              <a:solidFill>
+                <a:schemeClr val="tx1"/>
+              </a:solidFill>
+              <a:latin typeface="DM Mono" panose="020B0509040201040103" pitchFamily="49" charset="0"/>
+            </a:endParaRPr>
+          </a:p>
+        </p:txBody>
+      </p:sp>
+      <p:sp>
+        <p:nvSpPr>
+          <p:cNvPr id="7" name="TextBox 6">
+            <a:extLst>
+              <a:ext uri="{FF2B5EF4-FFF2-40B4-BE49-F238E27FC236}">
+                <a16:creationId xmlns:a16="http://schemas.microsoft.com/office/drawing/2014/main" id="{4ECEF5FA-2A2E-B997-6A61-8A85878EB717}"/>
+              </a:ext>
+            </a:extLst>
+          </p:cNvPr>
+          <p:cNvSpPr txBox="1"/>
+          <p:nvPr/>
+        </p:nvSpPr>
+        <p:spPr>
+          <a:xfrm>
+            <a:off x="1789960" y="4725883"/>
+            <a:ext cx="731089" cy="369332"/>
+          </a:xfrm>
+          <a:prstGeom prst="rect">
+            <a:avLst/>
+          </a:prstGeom>
+          <a:noFill/>
+        </p:spPr>
+        <p:txBody>
+          <a:bodyPr wrap="square">
+            <a:spAutoFit/>
+          </a:bodyPr>
+          <a:lstStyle/>
+          <a:p>
+            <a:pPr algn="r"/>
+            <a:r>
+              <a:rPr lang="en-US" altLang="ko-KR" sz="1800" dirty="0">
+                <a:latin typeface="DM Mono" panose="020B0509040201040103" pitchFamily="49" charset="0"/>
+              </a:rPr>
+              <a:t>x</a:t>
+            </a:r>
+            <a:endParaRPr lang="ko-KR" altLang="en-US" dirty="0"/>
+          </a:p>
+        </p:txBody>
+      </p:sp>
+      <p:sp>
+        <p:nvSpPr>
+          <p:cNvPr id="8" name="TextBox 7">
+            <a:extLst>
+              <a:ext uri="{FF2B5EF4-FFF2-40B4-BE49-F238E27FC236}">
+                <a16:creationId xmlns:a16="http://schemas.microsoft.com/office/drawing/2014/main" id="{2AD7A2A4-84BE-242F-F7F9-2A53A9805A0B}"/>
+              </a:ext>
+            </a:extLst>
+          </p:cNvPr>
+          <p:cNvSpPr txBox="1"/>
+          <p:nvPr/>
+        </p:nvSpPr>
+        <p:spPr>
+          <a:xfrm>
+            <a:off x="2298923" y="4372600"/>
+            <a:ext cx="713836" cy="276999"/>
+          </a:xfrm>
+          <a:prstGeom prst="rect">
+            <a:avLst/>
+          </a:prstGeom>
+          <a:noFill/>
+        </p:spPr>
+        <p:txBody>
+          <a:bodyPr wrap="square">
+            <a:spAutoFit/>
+          </a:bodyPr>
+          <a:lstStyle/>
+          <a:p>
+            <a:r>
+              <a:rPr kumimoji="1" lang="en-US" altLang="ko-KR" sz="1200" dirty="0">
+                <a:solidFill>
+                  <a:schemeClr val="tx1"/>
+                </a:solidFill>
+                <a:latin typeface="DM Mono" panose="020B0509040201040103" pitchFamily="49" charset="0"/>
+              </a:rPr>
+              <a:t>200</a:t>
+            </a:r>
+            <a:endParaRPr lang="ko-KR" altLang="en-US" sz="1200" dirty="0"/>
+          </a:p>
+        </p:txBody>
+      </p:sp>
+      <p:sp>
+        <p:nvSpPr>
+          <p:cNvPr id="11" name="TextBox 10">
+            <a:extLst>
+              <a:ext uri="{FF2B5EF4-FFF2-40B4-BE49-F238E27FC236}">
+                <a16:creationId xmlns:a16="http://schemas.microsoft.com/office/drawing/2014/main" id="{F3209435-BC98-0A11-0886-8559C2DBB2A2}"/>
+              </a:ext>
+            </a:extLst>
+          </p:cNvPr>
+          <p:cNvSpPr txBox="1"/>
+          <p:nvPr/>
+        </p:nvSpPr>
+        <p:spPr>
+          <a:xfrm>
+            <a:off x="1759213" y="3291116"/>
+            <a:ext cx="3048630" cy="369332"/>
+          </a:xfrm>
+          <a:prstGeom prst="rect">
+            <a:avLst/>
+          </a:prstGeom>
+          <a:noFill/>
+        </p:spPr>
+        <p:txBody>
+          <a:bodyPr wrap="square">
+            <a:spAutoFit/>
+          </a:bodyPr>
+          <a:lstStyle/>
+          <a:p>
+            <a:pPr algn="ctr"/>
+            <a:r>
+              <a:rPr lang="ko-KR" altLang="en-US" sz="1800" dirty="0" err="1">
+                <a:latin typeface="DM Mono" panose="020B0509040201040103" pitchFamily="49" charset="0"/>
+              </a:rPr>
+              <a:t>main</a:t>
+            </a:r>
+            <a:endParaRPr lang="ko-KR" altLang="en-US" dirty="0"/>
+          </a:p>
+        </p:txBody>
+      </p:sp>
+    </p:spTree>
+    <p:extLst>
+      <p:ext uri="{BB962C8B-B14F-4D97-AF65-F5344CB8AC3E}">
+        <p14:creationId xmlns:p14="http://schemas.microsoft.com/office/powerpoint/2010/main" val="912079163"/>
+      </p:ext>
+    </p:extLst>
+  </p:cSld>
+  <p:clrMapOvr>
+    <a:masterClrMapping/>
+  </p:clrMapOvr>
+</p:sld>
+</file>
+
+<file path=ppt/slides/slide9.xml><?xml version="1.0" encoding="utf-8"?>
+<p:sld xmlns:a="http://schemas.openxmlformats.org/drawingml/2006/main" xmlns:r="http://schemas.openxmlformats.org/officeDocument/2006/relationships" xmlns:p="http://schemas.openxmlformats.org/presentationml/2006/main">
+  <p:cSld>
+    <p:spTree>
+      <p:nvGrpSpPr>
+        <p:cNvPr id="1" name=""/>
+        <p:cNvGrpSpPr/>
+        <p:nvPr/>
+      </p:nvGrpSpPr>
+      <p:grpSpPr>
+        <a:xfrm>
+          <a:off x="0" y="0"/>
+          <a:ext cx="0" cy="0"/>
+          <a:chOff x="0" y="0"/>
+          <a:chExt cx="0" cy="0"/>
+        </a:xfrm>
+      </p:grpSpPr>
+      <p:sp>
+        <p:nvSpPr>
+          <p:cNvPr id="9" name="모서리가 둥근 직사각형 8">
+            <a:extLst>
+              <a:ext uri="{FF2B5EF4-FFF2-40B4-BE49-F238E27FC236}">
+                <a16:creationId xmlns:a16="http://schemas.microsoft.com/office/drawing/2014/main" id="{9530EE96-6809-0882-49F2-6C0149D9C941}"/>
+              </a:ext>
+            </a:extLst>
+          </p:cNvPr>
+          <p:cNvSpPr/>
+          <p:nvPr/>
+        </p:nvSpPr>
+        <p:spPr>
+          <a:xfrm>
+            <a:off x="1065541" y="3680271"/>
+            <a:ext cx="4435974" cy="2773428"/>
+          </a:xfrm>
+          <a:prstGeom prst="roundRect">
+            <a:avLst/>
+          </a:prstGeom>
+          <a:solidFill>
+            <a:schemeClr val="bg1"/>
+          </a:solidFill>
+        </p:spPr>
+        <p:style>
+          <a:lnRef idx="2">
+            <a:schemeClr val="accent1">
+              <a:shade val="15000"/>
+            </a:schemeClr>
+          </a:lnRef>
+          <a:fillRef idx="1">
+            <a:schemeClr val="accent1"/>
+          </a:fillRef>
+          <a:effectRef idx="0">
+            <a:schemeClr val="accent1"/>
+          </a:effectRef>
+          <a:fontRef idx="minor">
+            <a:schemeClr val="lt1"/>
+          </a:fontRef>
+        </p:style>
+        <p:txBody>
+          <a:bodyPr rtlCol="0" anchor="ctr"/>
+          <a:lstStyle/>
+          <a:p>
+            <a:pPr algn="ctr"/>
+            <a:endParaRPr kumimoji="1" lang="ko-KR" altLang="en-US"/>
+          </a:p>
+        </p:txBody>
+      </p:sp>
+      <p:sp>
+        <p:nvSpPr>
+          <p:cNvPr id="5" name="TextBox 4">
+            <a:extLst>
+              <a:ext uri="{FF2B5EF4-FFF2-40B4-BE49-F238E27FC236}">
+                <a16:creationId xmlns:a16="http://schemas.microsoft.com/office/drawing/2014/main" id="{FA958DEC-2F6F-0610-887A-3446B7CFAB31}"/>
+              </a:ext>
+            </a:extLst>
+          </p:cNvPr>
+          <p:cNvSpPr txBox="1"/>
+          <p:nvPr/>
+        </p:nvSpPr>
+        <p:spPr>
+          <a:xfrm>
+            <a:off x="425083" y="251720"/>
+            <a:ext cx="6094740" cy="2893100"/>
+          </a:xfrm>
+          <a:prstGeom prst="rect">
+            <a:avLst/>
+          </a:prstGeom>
+          <a:noFill/>
+        </p:spPr>
+        <p:txBody>
+          <a:bodyPr wrap="square">
+            <a:spAutoFit/>
+          </a:bodyPr>
+          <a:lstStyle/>
+          <a:p>
+            <a:r>
+              <a:rPr lang="en-US" altLang="ko-KR" sz="1400" dirty="0">
+                <a:latin typeface="DM Mono" panose="020B0509040201040103" pitchFamily="49" charset="0"/>
+              </a:rPr>
+              <a:t>void Increment2(int* </a:t>
+            </a:r>
+            <a:r>
+              <a:rPr lang="en-US" altLang="ko-KR" sz="1400" dirty="0" err="1">
+                <a:latin typeface="DM Mono" panose="020B0509040201040103" pitchFamily="49" charset="0"/>
+              </a:rPr>
+              <a:t>px</a:t>
+            </a:r>
+            <a:r>
+              <a:rPr lang="en-US" altLang="ko-KR" sz="1400" dirty="0">
+                <a:latin typeface="DM Mono" panose="020B0509040201040103" pitchFamily="49" charset="0"/>
+              </a:rPr>
+              <a:t>)</a:t>
+            </a:r>
+          </a:p>
+          <a:p>
+            <a:r>
+              <a:rPr lang="en-US" altLang="ko-KR" sz="1400" dirty="0">
+                <a:latin typeface="DM Mono" panose="020B0509040201040103" pitchFamily="49" charset="0"/>
+              </a:rPr>
+              <a:t>{</a:t>
+            </a:r>
+          </a:p>
+          <a:p>
+            <a:r>
+              <a:rPr lang="en-US" altLang="ko-KR" sz="1400" dirty="0">
+                <a:latin typeface="DM Mono" panose="020B0509040201040103" pitchFamily="49" charset="0"/>
+              </a:rPr>
+              <a:t>    ++(*</a:t>
+            </a:r>
+            <a:r>
+              <a:rPr lang="en-US" altLang="ko-KR" sz="1400" dirty="0" err="1">
+                <a:latin typeface="DM Mono" panose="020B0509040201040103" pitchFamily="49" charset="0"/>
+              </a:rPr>
+              <a:t>px</a:t>
+            </a:r>
+            <a:r>
+              <a:rPr lang="en-US" altLang="ko-KR" sz="1400" dirty="0">
+                <a:latin typeface="DM Mono" panose="020B0509040201040103" pitchFamily="49" charset="0"/>
+              </a:rPr>
+              <a:t>);</a:t>
+            </a:r>
+          </a:p>
+          <a:p>
+            <a:r>
+              <a:rPr lang="en-US" altLang="ko-KR" sz="1400" dirty="0">
+                <a:latin typeface="DM Mono" panose="020B0509040201040103" pitchFamily="49" charset="0"/>
+              </a:rPr>
+              <a:t>}</a:t>
+            </a:r>
+          </a:p>
+          <a:p>
+            <a:endParaRPr lang="en-US" altLang="ko-KR" sz="1400" dirty="0">
+              <a:latin typeface="DM Mono" panose="020B0509040201040103" pitchFamily="49" charset="0"/>
+            </a:endParaRPr>
+          </a:p>
+          <a:p>
+            <a:r>
+              <a:rPr lang="en-US" altLang="ko-KR" sz="1400" dirty="0">
+                <a:latin typeface="DM Mono" panose="020B0509040201040103" pitchFamily="49" charset="0"/>
+              </a:rPr>
+              <a:t>int main(void)</a:t>
+            </a:r>
+          </a:p>
+          <a:p>
+            <a:r>
+              <a:rPr lang="en-US" altLang="ko-KR" sz="1400" dirty="0">
+                <a:latin typeface="DM Mono" panose="020B0509040201040103" pitchFamily="49" charset="0"/>
+              </a:rPr>
+              <a:t>{</a:t>
+            </a:r>
+          </a:p>
+          <a:p>
+            <a:r>
+              <a:rPr lang="en-US" altLang="ko-KR" sz="1400" dirty="0">
+                <a:latin typeface="DM Mono" panose="020B0509040201040103" pitchFamily="49" charset="0"/>
+              </a:rPr>
+              <a:t>    int x = 0;</a:t>
+            </a:r>
+          </a:p>
+          <a:p>
+            <a:r>
+              <a:rPr lang="en-US" altLang="ko-KR" sz="1400" dirty="0">
+                <a:solidFill>
+                  <a:srgbClr val="FF0000"/>
+                </a:solidFill>
+                <a:latin typeface="DM Mono" panose="020B0509040201040103" pitchFamily="49" charset="0"/>
+              </a:rPr>
+              <a:t>    Increment2(</a:t>
+            </a:r>
+            <a:r>
+              <a:rPr lang="en-US" altLang="ko-KR" sz="2800" dirty="0">
+                <a:solidFill>
+                  <a:srgbClr val="FF0000"/>
+                </a:solidFill>
+                <a:latin typeface="DM Mono" panose="020B0509040201040103" pitchFamily="49" charset="0"/>
+              </a:rPr>
+              <a:t>&amp;x</a:t>
+            </a:r>
+            <a:r>
+              <a:rPr lang="en-US" altLang="ko-KR" sz="1400" dirty="0">
+                <a:solidFill>
+                  <a:srgbClr val="FF0000"/>
+                </a:solidFill>
+                <a:latin typeface="DM Mono" panose="020B0509040201040103" pitchFamily="49" charset="0"/>
+              </a:rPr>
+              <a:t>);</a:t>
+            </a:r>
+          </a:p>
+          <a:p>
+            <a:endParaRPr lang="en-US" altLang="ko-KR" sz="1400" dirty="0">
+              <a:latin typeface="DM Mono" panose="020B0509040201040103" pitchFamily="49" charset="0"/>
+            </a:endParaRPr>
+          </a:p>
+          <a:p>
+            <a:r>
+              <a:rPr lang="en-US" altLang="ko-KR" sz="1400" dirty="0">
+                <a:latin typeface="DM Mono" panose="020B0509040201040103" pitchFamily="49" charset="0"/>
+              </a:rPr>
+              <a:t>    return 0;</a:t>
+            </a:r>
+          </a:p>
+          <a:p>
+            <a:r>
+              <a:rPr lang="en-US" altLang="ko-KR" sz="1400" dirty="0">
+                <a:latin typeface="DM Mono" panose="020B0509040201040103" pitchFamily="49" charset="0"/>
+              </a:rPr>
+              <a:t>}</a:t>
+            </a:r>
+            <a:endParaRPr lang="ko-KR" altLang="en-US" sz="1400" dirty="0">
+              <a:latin typeface="DM Mono" panose="020B0509040201040103" pitchFamily="49" charset="0"/>
+            </a:endParaRPr>
+          </a:p>
+        </p:txBody>
+      </p:sp>
+      <p:sp>
+        <p:nvSpPr>
+          <p:cNvPr id="6" name="직사각형 5">
+            <a:extLst>
+              <a:ext uri="{FF2B5EF4-FFF2-40B4-BE49-F238E27FC236}">
+                <a16:creationId xmlns:a16="http://schemas.microsoft.com/office/drawing/2014/main" id="{3003F43C-93FD-FA12-60C8-D41B8B7EA8D6}"/>
+              </a:ext>
+            </a:extLst>
+          </p:cNvPr>
+          <p:cNvSpPr/>
+          <p:nvPr/>
+        </p:nvSpPr>
+        <p:spPr>
+          <a:xfrm>
+            <a:off x="2521049" y="4649600"/>
+            <a:ext cx="1268087" cy="521899"/>
+          </a:xfrm>
+          <a:prstGeom prst="rect">
+            <a:avLst/>
+          </a:prstGeom>
+          <a:solidFill>
+            <a:srgbClr val="FFFF00"/>
+          </a:solidFill>
+        </p:spPr>
+        <p:style>
+          <a:lnRef idx="2">
+            <a:schemeClr val="accent1">
+              <a:shade val="15000"/>
+            </a:schemeClr>
+          </a:lnRef>
+          <a:fillRef idx="1">
+            <a:schemeClr val="accent1"/>
+          </a:fillRef>
+          <a:effectRef idx="0">
+            <a:schemeClr val="accent1"/>
+          </a:effectRef>
+          <a:fontRef idx="minor">
+            <a:schemeClr val="lt1"/>
+          </a:fontRef>
+        </p:style>
+        <p:txBody>
+          <a:bodyPr rtlCol="0" anchor="ctr"/>
+          <a:lstStyle/>
+          <a:p>
+            <a:pPr algn="ctr"/>
+            <a:r>
+              <a:rPr kumimoji="1" lang="en-US" altLang="ko-KR" sz="1600" dirty="0">
+                <a:solidFill>
+                  <a:schemeClr val="tx1"/>
+                </a:solidFill>
+                <a:latin typeface="DM Mono" panose="020B0509040201040103" pitchFamily="49" charset="0"/>
+              </a:rPr>
+              <a:t>0</a:t>
+            </a:r>
+            <a:endParaRPr kumimoji="1" lang="ko-KR" altLang="en-US" sz="1600" dirty="0">
+              <a:solidFill>
+                <a:schemeClr val="tx1"/>
+              </a:solidFill>
+              <a:latin typeface="DM Mono" panose="020B0509040201040103" pitchFamily="49" charset="0"/>
+            </a:endParaRPr>
+          </a:p>
+        </p:txBody>
+      </p:sp>
+      <p:sp>
+        <p:nvSpPr>
+          <p:cNvPr id="7" name="TextBox 6">
+            <a:extLst>
+              <a:ext uri="{FF2B5EF4-FFF2-40B4-BE49-F238E27FC236}">
+                <a16:creationId xmlns:a16="http://schemas.microsoft.com/office/drawing/2014/main" id="{4ECEF5FA-2A2E-B997-6A61-8A85878EB717}"/>
+              </a:ext>
+            </a:extLst>
+          </p:cNvPr>
+          <p:cNvSpPr txBox="1"/>
+          <p:nvPr/>
+        </p:nvSpPr>
+        <p:spPr>
+          <a:xfrm>
+            <a:off x="1789960" y="4725883"/>
+            <a:ext cx="731089" cy="369332"/>
+          </a:xfrm>
+          <a:prstGeom prst="rect">
+            <a:avLst/>
+          </a:prstGeom>
+          <a:noFill/>
+        </p:spPr>
+        <p:txBody>
+          <a:bodyPr wrap="square">
+            <a:spAutoFit/>
+          </a:bodyPr>
+          <a:lstStyle/>
+          <a:p>
+            <a:pPr algn="r"/>
+            <a:r>
+              <a:rPr lang="en-US" altLang="ko-KR" sz="1800" dirty="0">
+                <a:latin typeface="DM Mono" panose="020B0509040201040103" pitchFamily="49" charset="0"/>
+              </a:rPr>
+              <a:t>x</a:t>
+            </a:r>
+            <a:endParaRPr lang="ko-KR" altLang="en-US" dirty="0"/>
+          </a:p>
+        </p:txBody>
+      </p:sp>
+      <p:sp>
+        <p:nvSpPr>
+          <p:cNvPr id="8" name="TextBox 7">
+            <a:extLst>
+              <a:ext uri="{FF2B5EF4-FFF2-40B4-BE49-F238E27FC236}">
+                <a16:creationId xmlns:a16="http://schemas.microsoft.com/office/drawing/2014/main" id="{2AD7A2A4-84BE-242F-F7F9-2A53A9805A0B}"/>
+              </a:ext>
+            </a:extLst>
+          </p:cNvPr>
+          <p:cNvSpPr txBox="1"/>
+          <p:nvPr/>
+        </p:nvSpPr>
+        <p:spPr>
+          <a:xfrm>
+            <a:off x="2298923" y="4372600"/>
+            <a:ext cx="713836" cy="276999"/>
+          </a:xfrm>
+          <a:prstGeom prst="rect">
+            <a:avLst/>
+          </a:prstGeom>
+          <a:noFill/>
+        </p:spPr>
+        <p:txBody>
+          <a:bodyPr wrap="square">
+            <a:spAutoFit/>
+          </a:bodyPr>
+          <a:lstStyle/>
+          <a:p>
+            <a:r>
+              <a:rPr kumimoji="1" lang="en-US" altLang="ko-KR" sz="1200" dirty="0">
+                <a:solidFill>
+                  <a:srgbClr val="FF0000"/>
+                </a:solidFill>
+                <a:latin typeface="DM Mono" panose="020B0509040201040103" pitchFamily="49" charset="0"/>
+              </a:rPr>
+              <a:t>200</a:t>
+            </a:r>
+            <a:endParaRPr lang="ko-KR" altLang="en-US" sz="1200" dirty="0">
+              <a:solidFill>
+                <a:srgbClr val="FF0000"/>
+              </a:solidFill>
+            </a:endParaRPr>
+          </a:p>
+        </p:txBody>
+      </p:sp>
+      <p:sp>
+        <p:nvSpPr>
+          <p:cNvPr id="11" name="TextBox 10">
+            <a:extLst>
+              <a:ext uri="{FF2B5EF4-FFF2-40B4-BE49-F238E27FC236}">
+                <a16:creationId xmlns:a16="http://schemas.microsoft.com/office/drawing/2014/main" id="{F3209435-BC98-0A11-0886-8559C2DBB2A2}"/>
+              </a:ext>
+            </a:extLst>
+          </p:cNvPr>
+          <p:cNvSpPr txBox="1"/>
+          <p:nvPr/>
+        </p:nvSpPr>
+        <p:spPr>
+          <a:xfrm>
+            <a:off x="1759213" y="3291116"/>
+            <a:ext cx="3048630" cy="369332"/>
+          </a:xfrm>
+          <a:prstGeom prst="rect">
+            <a:avLst/>
+          </a:prstGeom>
+          <a:noFill/>
+        </p:spPr>
+        <p:txBody>
+          <a:bodyPr wrap="square">
+            <a:spAutoFit/>
+          </a:bodyPr>
+          <a:lstStyle/>
+          <a:p>
+            <a:pPr algn="ctr"/>
+            <a:r>
+              <a:rPr lang="ko-KR" altLang="en-US" sz="1800" dirty="0" err="1">
+                <a:latin typeface="DM Mono" panose="020B0509040201040103" pitchFamily="49" charset="0"/>
+              </a:rPr>
+              <a:t>main</a:t>
+            </a:r>
+            <a:endParaRPr lang="ko-KR" altLang="en-US" dirty="0"/>
+          </a:p>
+        </p:txBody>
+      </p:sp>
+      <p:sp>
+        <p:nvSpPr>
+          <p:cNvPr id="2" name="모서리가 둥근 직사각형 1">
+            <a:extLst>
+              <a:ext uri="{FF2B5EF4-FFF2-40B4-BE49-F238E27FC236}">
+                <a16:creationId xmlns:a16="http://schemas.microsoft.com/office/drawing/2014/main" id="{BC55FF81-E0B9-9A57-2932-47C60B259360}"/>
+              </a:ext>
+            </a:extLst>
+          </p:cNvPr>
+          <p:cNvSpPr/>
+          <p:nvPr/>
+        </p:nvSpPr>
+        <p:spPr>
+          <a:xfrm>
+            <a:off x="6513841" y="779633"/>
+            <a:ext cx="4435974" cy="2773428"/>
+          </a:xfrm>
+          <a:prstGeom prst="roundRect">
+            <a:avLst/>
+          </a:prstGeom>
+          <a:solidFill>
+            <a:schemeClr val="bg1"/>
+          </a:solidFill>
+        </p:spPr>
+        <p:style>
+          <a:lnRef idx="2">
+            <a:schemeClr val="accent1">
+              <a:shade val="15000"/>
+            </a:schemeClr>
+          </a:lnRef>
+          <a:fillRef idx="1">
+            <a:schemeClr val="accent1"/>
+          </a:fillRef>
+          <a:effectRef idx="0">
+            <a:schemeClr val="accent1"/>
+          </a:effectRef>
+          <a:fontRef idx="minor">
+            <a:schemeClr val="lt1"/>
+          </a:fontRef>
+        </p:style>
+        <p:txBody>
+          <a:bodyPr rtlCol="0" anchor="ctr"/>
+          <a:lstStyle/>
+          <a:p>
+            <a:pPr algn="ctr"/>
+            <a:endParaRPr kumimoji="1" lang="ko-KR" altLang="en-US" dirty="0"/>
+          </a:p>
+        </p:txBody>
+      </p:sp>
+      <p:sp>
+        <p:nvSpPr>
+          <p:cNvPr id="3" name="TextBox 2">
+            <a:extLst>
+              <a:ext uri="{FF2B5EF4-FFF2-40B4-BE49-F238E27FC236}">
+                <a16:creationId xmlns:a16="http://schemas.microsoft.com/office/drawing/2014/main" id="{B22F7ACB-D4F4-047B-05AD-A6DF26BC244C}"/>
+              </a:ext>
+            </a:extLst>
+          </p:cNvPr>
+          <p:cNvSpPr txBox="1"/>
+          <p:nvPr/>
+        </p:nvSpPr>
+        <p:spPr>
+          <a:xfrm>
+            <a:off x="7207513" y="390478"/>
+            <a:ext cx="3048630" cy="369332"/>
+          </a:xfrm>
+          <a:prstGeom prst="rect">
+            <a:avLst/>
+          </a:prstGeom>
+          <a:noFill/>
+        </p:spPr>
+        <p:txBody>
+          <a:bodyPr wrap="square">
+            <a:spAutoFit/>
+          </a:bodyPr>
+          <a:lstStyle/>
+          <a:p>
+            <a:pPr algn="ctr"/>
+            <a:r>
+              <a:rPr lang="en-US" altLang="ko-KR" sz="1800" dirty="0">
+                <a:latin typeface="DM Mono" panose="020B0509040201040103" pitchFamily="49" charset="0"/>
+              </a:rPr>
+              <a:t>Increment</a:t>
+            </a:r>
+            <a:endParaRPr lang="ko-KR" altLang="en-US" dirty="0"/>
+          </a:p>
+        </p:txBody>
+      </p:sp>
+      <p:sp>
+        <p:nvSpPr>
+          <p:cNvPr id="4" name="직사각형 3">
+            <a:extLst>
+              <a:ext uri="{FF2B5EF4-FFF2-40B4-BE49-F238E27FC236}">
+                <a16:creationId xmlns:a16="http://schemas.microsoft.com/office/drawing/2014/main" id="{89884F83-7593-85BE-DD13-010922F3E457}"/>
+              </a:ext>
+            </a:extLst>
+          </p:cNvPr>
+          <p:cNvSpPr/>
+          <p:nvPr/>
+        </p:nvSpPr>
+        <p:spPr>
+          <a:xfrm>
+            <a:off x="7938602" y="1200584"/>
+            <a:ext cx="1268087" cy="521899"/>
+          </a:xfrm>
+          <a:prstGeom prst="rect">
+            <a:avLst/>
+          </a:prstGeom>
+          <a:solidFill>
+            <a:srgbClr val="FFFF00"/>
+          </a:solidFill>
+        </p:spPr>
+        <p:style>
+          <a:lnRef idx="2">
+            <a:schemeClr val="accent1">
+              <a:shade val="15000"/>
+            </a:schemeClr>
+          </a:lnRef>
+          <a:fillRef idx="1">
+            <a:schemeClr val="accent1"/>
+          </a:fillRef>
+          <a:effectRef idx="0">
+            <a:schemeClr val="accent1"/>
+          </a:effectRef>
+          <a:fontRef idx="minor">
+            <a:schemeClr val="lt1"/>
+          </a:fontRef>
+        </p:style>
+        <p:txBody>
+          <a:bodyPr rtlCol="0" anchor="ctr"/>
+          <a:lstStyle/>
+          <a:p>
+            <a:pPr algn="ctr"/>
+            <a:r>
+              <a:rPr kumimoji="1" lang="en-US" altLang="ko-KR" sz="1600" dirty="0">
+                <a:solidFill>
+                  <a:srgbClr val="FF0000"/>
+                </a:solidFill>
+                <a:latin typeface="DM Mono" panose="020B0509040201040103" pitchFamily="49" charset="0"/>
+              </a:rPr>
+              <a:t>200</a:t>
+            </a:r>
+            <a:endParaRPr kumimoji="1" lang="ko-KR" altLang="en-US" sz="1600" dirty="0">
+              <a:solidFill>
+                <a:srgbClr val="FF0000"/>
+              </a:solidFill>
+              <a:latin typeface="DM Mono" panose="020B0509040201040103" pitchFamily="49" charset="0"/>
+            </a:endParaRPr>
+          </a:p>
+        </p:txBody>
+      </p:sp>
+      <p:sp>
+        <p:nvSpPr>
+          <p:cNvPr id="10" name="TextBox 9">
+            <a:extLst>
+              <a:ext uri="{FF2B5EF4-FFF2-40B4-BE49-F238E27FC236}">
+                <a16:creationId xmlns:a16="http://schemas.microsoft.com/office/drawing/2014/main" id="{AFA45D68-A1CF-47FD-94C0-0A1305D59D2A}"/>
+              </a:ext>
+            </a:extLst>
+          </p:cNvPr>
+          <p:cNvSpPr txBox="1"/>
+          <p:nvPr/>
+        </p:nvSpPr>
+        <p:spPr>
+          <a:xfrm>
+            <a:off x="7207513" y="1276867"/>
+            <a:ext cx="731089" cy="369332"/>
+          </a:xfrm>
+          <a:prstGeom prst="rect">
+            <a:avLst/>
+          </a:prstGeom>
+          <a:noFill/>
+        </p:spPr>
+        <p:txBody>
+          <a:bodyPr wrap="square">
+            <a:spAutoFit/>
+          </a:bodyPr>
+          <a:lstStyle/>
+          <a:p>
+            <a:pPr algn="r"/>
+            <a:r>
+              <a:rPr lang="en-US" altLang="ko-KR" sz="1800" dirty="0" err="1">
+                <a:latin typeface="DM Mono" panose="020B0509040201040103" pitchFamily="49" charset="0"/>
+              </a:rPr>
+              <a:t>px</a:t>
+            </a:r>
+            <a:endParaRPr lang="ko-KR" altLang="en-US" dirty="0"/>
+          </a:p>
+        </p:txBody>
+      </p:sp>
+      <p:cxnSp>
+        <p:nvCxnSpPr>
+          <p:cNvPr id="12" name="구부러진 연결선[U] 11">
+            <a:extLst>
+              <a:ext uri="{FF2B5EF4-FFF2-40B4-BE49-F238E27FC236}">
+                <a16:creationId xmlns:a16="http://schemas.microsoft.com/office/drawing/2014/main" id="{C9B997CA-4600-2D06-710C-AD219E329D07}"/>
+              </a:ext>
+            </a:extLst>
+          </p:cNvPr>
+          <p:cNvCxnSpPr>
+            <a:cxnSpLocks/>
+            <a:endCxn id="4" idx="2"/>
+          </p:cNvCxnSpPr>
+          <p:nvPr/>
+        </p:nvCxnSpPr>
+        <p:spPr>
+          <a:xfrm flipV="1">
+            <a:off x="2712972" y="1722483"/>
+            <a:ext cx="5859674" cy="2781504"/>
+          </a:xfrm>
+          <a:prstGeom prst="curvedConnector2">
+            <a:avLst/>
+          </a:prstGeom>
+          <a:ln>
+            <a:tailEnd type="triangle"/>
+          </a:ln>
+        </p:spPr>
+        <p:style>
+          <a:lnRef idx="1">
+            <a:schemeClr val="dk1"/>
+          </a:lnRef>
+          <a:fillRef idx="0">
+            <a:schemeClr val="dk1"/>
+          </a:fillRef>
+          <a:effectRef idx="0">
+            <a:schemeClr val="dk1"/>
+          </a:effectRef>
+          <a:fontRef idx="minor">
+            <a:schemeClr val="tx1"/>
+          </a:fontRef>
+        </p:style>
+      </p:cxnSp>
+      <p:sp>
+        <p:nvSpPr>
+          <p:cNvPr id="13" name="TextBox 12">
+            <a:extLst>
+              <a:ext uri="{FF2B5EF4-FFF2-40B4-BE49-F238E27FC236}">
+                <a16:creationId xmlns:a16="http://schemas.microsoft.com/office/drawing/2014/main" id="{DC3188C5-6C70-4C55-3E95-071F009F2E6A}"/>
+              </a:ext>
+            </a:extLst>
+          </p:cNvPr>
+          <p:cNvSpPr txBox="1"/>
+          <p:nvPr/>
+        </p:nvSpPr>
+        <p:spPr>
+          <a:xfrm>
+            <a:off x="6214448" y="3905683"/>
+            <a:ext cx="2992241" cy="338554"/>
+          </a:xfrm>
+          <a:prstGeom prst="rect">
+            <a:avLst/>
+          </a:prstGeom>
+          <a:noFill/>
+        </p:spPr>
+        <p:txBody>
+          <a:bodyPr wrap="square">
+            <a:spAutoFit/>
+          </a:bodyPr>
+          <a:lstStyle/>
+          <a:p>
+            <a:r>
+              <a:rPr kumimoji="1" lang="ko-KR" altLang="en-US" sz="1600" dirty="0">
+                <a:latin typeface="DM Mono" panose="020B0509040201040103" pitchFamily="49" charset="0"/>
+              </a:rPr>
+              <a:t>주소를 전달합니다</a:t>
+            </a:r>
+            <a:r>
+              <a:rPr kumimoji="1" lang="en-US" altLang="ko-KR" sz="1600" dirty="0">
+                <a:latin typeface="DM Mono" panose="020B0509040201040103" pitchFamily="49" charset="0"/>
+              </a:rPr>
+              <a:t>.</a:t>
+            </a:r>
+            <a:endParaRPr lang="ko-KR" altLang="en-US" sz="1600" dirty="0"/>
+          </a:p>
+        </p:txBody>
+      </p:sp>
+    </p:spTree>
+    <p:extLst>
+      <p:ext uri="{BB962C8B-B14F-4D97-AF65-F5344CB8AC3E}">
+        <p14:creationId xmlns:p14="http://schemas.microsoft.com/office/powerpoint/2010/main" val="1435275665"/>
+      </p:ext>
+    </p:extLst>
+  </p:cSld>
+  <p:clrMapOvr>
+    <a:masterClrMapping/>
+  </p:clrMapOvr>
+</p:sld>
+</file>
+
 <file path=ppt/theme/theme1.xml><?xml version="1.0" encoding="utf-8"?>
 <a:theme xmlns:a="http://schemas.openxmlformats.org/drawingml/2006/main" name="Office 테마">
   <a:themeElements>

--- a/c_231107.pptx
+++ b/c_231107.pptx
@@ -268,7 +268,7 @@
           <a:p>
             <a:fld id="{63F61B26-FEF4-9C4B-819D-1BC363A7EBD4}" type="datetimeFigureOut">
               <a:rPr kumimoji="1" lang="ko-KR" altLang="en-US" smtClean="0"/>
-              <a:t>2023. 11. 8.</a:t>
+              <a:t>2023. 11. 9.</a:t>
             </a:fld>
             <a:endParaRPr kumimoji="1" lang="ko-KR" altLang="en-US"/>
           </a:p>
@@ -466,7 +466,7 @@
           <a:p>
             <a:fld id="{63F61B26-FEF4-9C4B-819D-1BC363A7EBD4}" type="datetimeFigureOut">
               <a:rPr kumimoji="1" lang="ko-KR" altLang="en-US" smtClean="0"/>
-              <a:t>2023. 11. 8.</a:t>
+              <a:t>2023. 11. 9.</a:t>
             </a:fld>
             <a:endParaRPr kumimoji="1" lang="ko-KR" altLang="en-US"/>
           </a:p>
@@ -674,7 +674,7 @@
           <a:p>
             <a:fld id="{63F61B26-FEF4-9C4B-819D-1BC363A7EBD4}" type="datetimeFigureOut">
               <a:rPr kumimoji="1" lang="ko-KR" altLang="en-US" smtClean="0"/>
-              <a:t>2023. 11. 8.</a:t>
+              <a:t>2023. 11. 9.</a:t>
             </a:fld>
             <a:endParaRPr kumimoji="1" lang="ko-KR" altLang="en-US"/>
           </a:p>
@@ -872,7 +872,7 @@
           <a:p>
             <a:fld id="{63F61B26-FEF4-9C4B-819D-1BC363A7EBD4}" type="datetimeFigureOut">
               <a:rPr kumimoji="1" lang="ko-KR" altLang="en-US" smtClean="0"/>
-              <a:t>2023. 11. 8.</a:t>
+              <a:t>2023. 11. 9.</a:t>
             </a:fld>
             <a:endParaRPr kumimoji="1" lang="ko-KR" altLang="en-US"/>
           </a:p>
@@ -1147,7 +1147,7 @@
           <a:p>
             <a:fld id="{63F61B26-FEF4-9C4B-819D-1BC363A7EBD4}" type="datetimeFigureOut">
               <a:rPr kumimoji="1" lang="ko-KR" altLang="en-US" smtClean="0"/>
-              <a:t>2023. 11. 8.</a:t>
+              <a:t>2023. 11. 9.</a:t>
             </a:fld>
             <a:endParaRPr kumimoji="1" lang="ko-KR" altLang="en-US"/>
           </a:p>
@@ -1412,7 +1412,7 @@
           <a:p>
             <a:fld id="{63F61B26-FEF4-9C4B-819D-1BC363A7EBD4}" type="datetimeFigureOut">
               <a:rPr kumimoji="1" lang="ko-KR" altLang="en-US" smtClean="0"/>
-              <a:t>2023. 11. 8.</a:t>
+              <a:t>2023. 11. 9.</a:t>
             </a:fld>
             <a:endParaRPr kumimoji="1" lang="ko-KR" altLang="en-US"/>
           </a:p>
@@ -1824,7 +1824,7 @@
           <a:p>
             <a:fld id="{63F61B26-FEF4-9C4B-819D-1BC363A7EBD4}" type="datetimeFigureOut">
               <a:rPr kumimoji="1" lang="ko-KR" altLang="en-US" smtClean="0"/>
-              <a:t>2023. 11. 8.</a:t>
+              <a:t>2023. 11. 9.</a:t>
             </a:fld>
             <a:endParaRPr kumimoji="1" lang="ko-KR" altLang="en-US"/>
           </a:p>
@@ -1965,7 +1965,7 @@
           <a:p>
             <a:fld id="{63F61B26-FEF4-9C4B-819D-1BC363A7EBD4}" type="datetimeFigureOut">
               <a:rPr kumimoji="1" lang="ko-KR" altLang="en-US" smtClean="0"/>
-              <a:t>2023. 11. 8.</a:t>
+              <a:t>2023. 11. 9.</a:t>
             </a:fld>
             <a:endParaRPr kumimoji="1" lang="ko-KR" altLang="en-US"/>
           </a:p>
@@ -2078,7 +2078,7 @@
           <a:p>
             <a:fld id="{63F61B26-FEF4-9C4B-819D-1BC363A7EBD4}" type="datetimeFigureOut">
               <a:rPr kumimoji="1" lang="ko-KR" altLang="en-US" smtClean="0"/>
-              <a:t>2023. 11. 8.</a:t>
+              <a:t>2023. 11. 9.</a:t>
             </a:fld>
             <a:endParaRPr kumimoji="1" lang="ko-KR" altLang="en-US"/>
           </a:p>
@@ -2389,7 +2389,7 @@
           <a:p>
             <a:fld id="{63F61B26-FEF4-9C4B-819D-1BC363A7EBD4}" type="datetimeFigureOut">
               <a:rPr kumimoji="1" lang="ko-KR" altLang="en-US" smtClean="0"/>
-              <a:t>2023. 11. 8.</a:t>
+              <a:t>2023. 11. 9.</a:t>
             </a:fld>
             <a:endParaRPr kumimoji="1" lang="ko-KR" altLang="en-US"/>
           </a:p>
@@ -2677,7 +2677,7 @@
           <a:p>
             <a:fld id="{63F61B26-FEF4-9C4B-819D-1BC363A7EBD4}" type="datetimeFigureOut">
               <a:rPr kumimoji="1" lang="ko-KR" altLang="en-US" smtClean="0"/>
-              <a:t>2023. 11. 8.</a:t>
+              <a:t>2023. 11. 9.</a:t>
             </a:fld>
             <a:endParaRPr kumimoji="1" lang="ko-KR" altLang="en-US"/>
           </a:p>
@@ -2918,7 +2918,7 @@
           <a:p>
             <a:fld id="{63F61B26-FEF4-9C4B-819D-1BC363A7EBD4}" type="datetimeFigureOut">
               <a:rPr kumimoji="1" lang="ko-KR" altLang="en-US" smtClean="0"/>
-              <a:t>2023. 11. 8.</a:t>
+              <a:t>2023. 11. 9.</a:t>
             </a:fld>
             <a:endParaRPr kumimoji="1" lang="ko-KR" altLang="en-US"/>
           </a:p>
@@ -4559,7 +4559,7 @@
         <p:spPr>
           <a:xfrm>
             <a:off x="1621762" y="4269767"/>
-            <a:ext cx="1268087" cy="521899"/>
+            <a:ext cx="2734578" cy="521899"/>
           </a:xfrm>
           <a:prstGeom prst="rect">
             <a:avLst/>

--- a/c_231107.pptx
+++ b/c_231107.pptx
@@ -15,6 +15,7 @@
     <p:sldId id="263" r:id="rId9"/>
     <p:sldId id="264" r:id="rId10"/>
     <p:sldId id="265" r:id="rId11"/>
+    <p:sldId id="266" r:id="rId12"/>
   </p:sldIdLst>
   <p:sldSz cx="12192000" cy="6858000"/>
   <p:notesSz cx="6858000" cy="9144000"/>
@@ -4290,6 +4291,692 @@
 </p:sld>
 </file>
 
+<file path=ppt/slides/slide11.xml><?xml version="1.0" encoding="utf-8"?>
+<p:sld xmlns:a="http://schemas.openxmlformats.org/drawingml/2006/main" xmlns:r="http://schemas.openxmlformats.org/officeDocument/2006/relationships" xmlns:p="http://schemas.openxmlformats.org/presentationml/2006/main">
+  <p:cSld>
+    <p:spTree>
+      <p:nvGrpSpPr>
+        <p:cNvPr id="1" name=""/>
+        <p:cNvGrpSpPr/>
+        <p:nvPr/>
+      </p:nvGrpSpPr>
+      <p:grpSpPr>
+        <a:xfrm>
+          <a:off x="0" y="0"/>
+          <a:ext cx="0" cy="0"/>
+          <a:chOff x="0" y="0"/>
+          <a:chExt cx="0" cy="0"/>
+        </a:xfrm>
+      </p:grpSpPr>
+      <p:sp>
+        <p:nvSpPr>
+          <p:cNvPr id="5" name="TextBox 4">
+            <a:extLst>
+              <a:ext uri="{FF2B5EF4-FFF2-40B4-BE49-F238E27FC236}">
+                <a16:creationId xmlns:a16="http://schemas.microsoft.com/office/drawing/2014/main" id="{FA671EEC-A458-C7E0-2FB4-44B305191F21}"/>
+              </a:ext>
+            </a:extLst>
+          </p:cNvPr>
+          <p:cNvSpPr txBox="1"/>
+          <p:nvPr/>
+        </p:nvSpPr>
+        <p:spPr>
+          <a:xfrm>
+            <a:off x="485539" y="450401"/>
+            <a:ext cx="6094740" cy="2031325"/>
+          </a:xfrm>
+          <a:prstGeom prst="rect">
+            <a:avLst/>
+          </a:prstGeom>
+          <a:noFill/>
+        </p:spPr>
+        <p:txBody>
+          <a:bodyPr wrap="square">
+            <a:spAutoFit/>
+          </a:bodyPr>
+          <a:lstStyle/>
+          <a:p>
+            <a:r>
+              <a:rPr lang="ko-KR" altLang="en-US" dirty="0" err="1">
+                <a:latin typeface="DM Mono" panose="020B0509040201040103" pitchFamily="49" charset="0"/>
+              </a:rPr>
+              <a:t>int</a:t>
+            </a:r>
+            <a:r>
+              <a:rPr lang="ko-KR" altLang="en-US" dirty="0">
+                <a:latin typeface="DM Mono" panose="020B0509040201040103" pitchFamily="49" charset="0"/>
+              </a:rPr>
+              <a:t> </a:t>
+            </a:r>
+            <a:r>
+              <a:rPr lang="ko-KR" altLang="en-US" dirty="0" err="1">
+                <a:latin typeface="DM Mono" panose="020B0509040201040103" pitchFamily="49" charset="0"/>
+              </a:rPr>
+              <a:t>main</a:t>
+            </a:r>
+            <a:r>
+              <a:rPr lang="ko-KR" altLang="en-US" dirty="0">
+                <a:latin typeface="DM Mono" panose="020B0509040201040103" pitchFamily="49" charset="0"/>
+              </a:rPr>
+              <a:t>(</a:t>
+            </a:r>
+            <a:r>
+              <a:rPr lang="ko-KR" altLang="en-US" dirty="0" err="1">
+                <a:latin typeface="DM Mono" panose="020B0509040201040103" pitchFamily="49" charset="0"/>
+              </a:rPr>
+              <a:t>void</a:t>
+            </a:r>
+            <a:r>
+              <a:rPr lang="ko-KR" altLang="en-US" dirty="0">
+                <a:latin typeface="DM Mono" panose="020B0509040201040103" pitchFamily="49" charset="0"/>
+              </a:rPr>
+              <a:t>)</a:t>
+            </a:r>
+          </a:p>
+          <a:p>
+            <a:r>
+              <a:rPr lang="ko-KR" altLang="en-US" dirty="0">
+                <a:latin typeface="DM Mono" panose="020B0509040201040103" pitchFamily="49" charset="0"/>
+              </a:rPr>
+              <a:t>{</a:t>
+            </a:r>
+          </a:p>
+          <a:p>
+            <a:r>
+              <a:rPr lang="ko-KR" altLang="en-US" dirty="0">
+                <a:solidFill>
+                  <a:srgbClr val="FF0000"/>
+                </a:solidFill>
+                <a:latin typeface="DM Mono" panose="020B0509040201040103" pitchFamily="49" charset="0"/>
+              </a:rPr>
+              <a:t>    </a:t>
+            </a:r>
+            <a:r>
+              <a:rPr lang="ko-KR" altLang="en-US" dirty="0" err="1">
+                <a:solidFill>
+                  <a:srgbClr val="FF0000"/>
+                </a:solidFill>
+                <a:latin typeface="DM Mono" panose="020B0509040201040103" pitchFamily="49" charset="0"/>
+              </a:rPr>
+              <a:t>char</a:t>
+            </a:r>
+            <a:r>
+              <a:rPr lang="ko-KR" altLang="en-US" dirty="0">
+                <a:solidFill>
+                  <a:srgbClr val="FF0000"/>
+                </a:solidFill>
+                <a:latin typeface="DM Mono" panose="020B0509040201040103" pitchFamily="49" charset="0"/>
+              </a:rPr>
+              <a:t> str1[32] = "</a:t>
+            </a:r>
+            <a:r>
+              <a:rPr lang="ko-KR" altLang="en-US" dirty="0" err="1">
+                <a:solidFill>
+                  <a:srgbClr val="FF0000"/>
+                </a:solidFill>
+                <a:latin typeface="DM Mono" panose="020B0509040201040103" pitchFamily="49" charset="0"/>
+              </a:rPr>
+              <a:t>hello</a:t>
+            </a:r>
+            <a:r>
+              <a:rPr lang="ko-KR" altLang="en-US" dirty="0">
+                <a:solidFill>
+                  <a:srgbClr val="FF0000"/>
+                </a:solidFill>
+                <a:latin typeface="DM Mono" panose="020B0509040201040103" pitchFamily="49" charset="0"/>
+              </a:rPr>
+              <a:t>";</a:t>
+            </a:r>
+          </a:p>
+          <a:p>
+            <a:r>
+              <a:rPr lang="ko-KR" altLang="en-US" dirty="0">
+                <a:solidFill>
+                  <a:srgbClr val="FF0000"/>
+                </a:solidFill>
+                <a:latin typeface="DM Mono" panose="020B0509040201040103" pitchFamily="49" charset="0"/>
+              </a:rPr>
+              <a:t>    </a:t>
+            </a:r>
+            <a:r>
+              <a:rPr lang="ko-KR" altLang="en-US" dirty="0" err="1">
+                <a:solidFill>
+                  <a:srgbClr val="FF0000"/>
+                </a:solidFill>
+                <a:latin typeface="DM Mono" panose="020B0509040201040103" pitchFamily="49" charset="0"/>
+              </a:rPr>
+              <a:t>char</a:t>
+            </a:r>
+            <a:r>
+              <a:rPr lang="ko-KR" altLang="en-US" dirty="0">
+                <a:solidFill>
+                  <a:srgbClr val="FF0000"/>
+                </a:solidFill>
+                <a:latin typeface="DM Mono" panose="020B0509040201040103" pitchFamily="49" charset="0"/>
+              </a:rPr>
+              <a:t>* </a:t>
+            </a:r>
+            <a:r>
+              <a:rPr lang="ko-KR" altLang="en-US" dirty="0" err="1">
+                <a:solidFill>
+                  <a:srgbClr val="FF0000"/>
+                </a:solidFill>
+                <a:latin typeface="DM Mono" panose="020B0509040201040103" pitchFamily="49" charset="0"/>
+              </a:rPr>
+              <a:t>s</a:t>
+            </a:r>
+            <a:r>
+              <a:rPr lang="ko-KR" altLang="en-US" dirty="0">
+                <a:solidFill>
+                  <a:srgbClr val="FF0000"/>
+                </a:solidFill>
+                <a:latin typeface="DM Mono" panose="020B0509040201040103" pitchFamily="49" charset="0"/>
+              </a:rPr>
+              <a:t> = "</a:t>
+            </a:r>
+            <a:r>
+              <a:rPr lang="ko-KR" altLang="en-US" dirty="0" err="1">
+                <a:solidFill>
+                  <a:srgbClr val="FF0000"/>
+                </a:solidFill>
+                <a:latin typeface="DM Mono" panose="020B0509040201040103" pitchFamily="49" charset="0"/>
+              </a:rPr>
+              <a:t>hello</a:t>
+            </a:r>
+            <a:r>
+              <a:rPr lang="ko-KR" altLang="en-US" dirty="0">
+                <a:solidFill>
+                  <a:srgbClr val="FF0000"/>
+                </a:solidFill>
+                <a:latin typeface="DM Mono" panose="020B0509040201040103" pitchFamily="49" charset="0"/>
+              </a:rPr>
+              <a:t>";</a:t>
+            </a:r>
+          </a:p>
+          <a:p>
+            <a:endParaRPr lang="ko-KR" altLang="en-US" dirty="0">
+              <a:latin typeface="DM Mono" panose="020B0509040201040103" pitchFamily="49" charset="0"/>
+            </a:endParaRPr>
+          </a:p>
+          <a:p>
+            <a:r>
+              <a:rPr lang="ko-KR" altLang="en-US" dirty="0">
+                <a:latin typeface="DM Mono" panose="020B0509040201040103" pitchFamily="49" charset="0"/>
+              </a:rPr>
+              <a:t>    </a:t>
+            </a:r>
+            <a:r>
+              <a:rPr lang="ko-KR" altLang="en-US" dirty="0" err="1">
+                <a:latin typeface="DM Mono" panose="020B0509040201040103" pitchFamily="49" charset="0"/>
+              </a:rPr>
+              <a:t>return</a:t>
+            </a:r>
+            <a:r>
+              <a:rPr lang="ko-KR" altLang="en-US" dirty="0">
+                <a:latin typeface="DM Mono" panose="020B0509040201040103" pitchFamily="49" charset="0"/>
+              </a:rPr>
+              <a:t> 0;</a:t>
+            </a:r>
+          </a:p>
+          <a:p>
+            <a:r>
+              <a:rPr lang="ko-KR" altLang="en-US" dirty="0">
+                <a:latin typeface="DM Mono" panose="020B0509040201040103" pitchFamily="49" charset="0"/>
+              </a:rPr>
+              <a:t>}</a:t>
+            </a:r>
+          </a:p>
+        </p:txBody>
+      </p:sp>
+      <p:sp>
+        <p:nvSpPr>
+          <p:cNvPr id="6" name="모서리가 둥근 직사각형 5">
+            <a:extLst>
+              <a:ext uri="{FF2B5EF4-FFF2-40B4-BE49-F238E27FC236}">
+                <a16:creationId xmlns:a16="http://schemas.microsoft.com/office/drawing/2014/main" id="{7DA26271-E8F7-6738-204E-2CD97018C79D}"/>
+              </a:ext>
+            </a:extLst>
+          </p:cNvPr>
+          <p:cNvSpPr/>
+          <p:nvPr/>
+        </p:nvSpPr>
+        <p:spPr>
+          <a:xfrm>
+            <a:off x="1065541" y="3680271"/>
+            <a:ext cx="4435974" cy="2773428"/>
+          </a:xfrm>
+          <a:prstGeom prst="roundRect">
+            <a:avLst/>
+          </a:prstGeom>
+          <a:solidFill>
+            <a:schemeClr val="bg1"/>
+          </a:solidFill>
+        </p:spPr>
+        <p:style>
+          <a:lnRef idx="2">
+            <a:schemeClr val="accent1">
+              <a:shade val="15000"/>
+            </a:schemeClr>
+          </a:lnRef>
+          <a:fillRef idx="1">
+            <a:schemeClr val="accent1"/>
+          </a:fillRef>
+          <a:effectRef idx="0">
+            <a:schemeClr val="accent1"/>
+          </a:effectRef>
+          <a:fontRef idx="minor">
+            <a:schemeClr val="lt1"/>
+          </a:fontRef>
+        </p:style>
+        <p:txBody>
+          <a:bodyPr rtlCol="0" anchor="ctr"/>
+          <a:lstStyle/>
+          <a:p>
+            <a:pPr algn="ctr"/>
+            <a:endParaRPr kumimoji="1" lang="ko-KR" altLang="en-US"/>
+          </a:p>
+        </p:txBody>
+      </p:sp>
+      <p:sp>
+        <p:nvSpPr>
+          <p:cNvPr id="7" name="직사각형 6">
+            <a:extLst>
+              <a:ext uri="{FF2B5EF4-FFF2-40B4-BE49-F238E27FC236}">
+                <a16:creationId xmlns:a16="http://schemas.microsoft.com/office/drawing/2014/main" id="{9EE39544-DD48-1B1F-AC70-7101AC535752}"/>
+              </a:ext>
+            </a:extLst>
+          </p:cNvPr>
+          <p:cNvSpPr/>
+          <p:nvPr/>
+        </p:nvSpPr>
+        <p:spPr>
+          <a:xfrm>
+            <a:off x="2521049" y="4649600"/>
+            <a:ext cx="2511930" cy="521899"/>
+          </a:xfrm>
+          <a:prstGeom prst="rect">
+            <a:avLst/>
+          </a:prstGeom>
+          <a:solidFill>
+            <a:srgbClr val="FFFF00"/>
+          </a:solidFill>
+        </p:spPr>
+        <p:style>
+          <a:lnRef idx="2">
+            <a:schemeClr val="accent1">
+              <a:shade val="15000"/>
+            </a:schemeClr>
+          </a:lnRef>
+          <a:fillRef idx="1">
+            <a:schemeClr val="accent1"/>
+          </a:fillRef>
+          <a:effectRef idx="0">
+            <a:schemeClr val="accent1"/>
+          </a:effectRef>
+          <a:fontRef idx="minor">
+            <a:schemeClr val="lt1"/>
+          </a:fontRef>
+        </p:style>
+        <p:txBody>
+          <a:bodyPr rtlCol="0" anchor="ctr"/>
+          <a:lstStyle/>
+          <a:p>
+            <a:pPr algn="ctr"/>
+            <a:r>
+              <a:rPr kumimoji="1" lang="en-US" altLang="ko-KR" sz="1600" dirty="0">
+                <a:solidFill>
+                  <a:schemeClr val="tx1"/>
+                </a:solidFill>
+                <a:latin typeface="DM Mono" panose="020B0509040201040103" pitchFamily="49" charset="0"/>
+              </a:rPr>
+              <a:t>”hello”</a:t>
+            </a:r>
+            <a:endParaRPr kumimoji="1" lang="ko-KR" altLang="en-US" sz="1600" dirty="0">
+              <a:solidFill>
+                <a:schemeClr val="tx1"/>
+              </a:solidFill>
+              <a:latin typeface="DM Mono" panose="020B0509040201040103" pitchFamily="49" charset="0"/>
+            </a:endParaRPr>
+          </a:p>
+        </p:txBody>
+      </p:sp>
+      <p:sp>
+        <p:nvSpPr>
+          <p:cNvPr id="8" name="TextBox 7">
+            <a:extLst>
+              <a:ext uri="{FF2B5EF4-FFF2-40B4-BE49-F238E27FC236}">
+                <a16:creationId xmlns:a16="http://schemas.microsoft.com/office/drawing/2014/main" id="{9A66F7C2-95D5-133B-BBAF-2B6CDEEC0FE1}"/>
+              </a:ext>
+            </a:extLst>
+          </p:cNvPr>
+          <p:cNvSpPr txBox="1"/>
+          <p:nvPr/>
+        </p:nvSpPr>
+        <p:spPr>
+          <a:xfrm>
+            <a:off x="1789960" y="4725883"/>
+            <a:ext cx="731089" cy="369332"/>
+          </a:xfrm>
+          <a:prstGeom prst="rect">
+            <a:avLst/>
+          </a:prstGeom>
+          <a:noFill/>
+        </p:spPr>
+        <p:txBody>
+          <a:bodyPr wrap="square">
+            <a:spAutoFit/>
+          </a:bodyPr>
+          <a:lstStyle/>
+          <a:p>
+            <a:pPr algn="r"/>
+            <a:r>
+              <a:rPr lang="en-US" altLang="ko-KR" sz="1800" dirty="0">
+                <a:latin typeface="DM Mono" panose="020B0509040201040103" pitchFamily="49" charset="0"/>
+              </a:rPr>
+              <a:t>str1</a:t>
+            </a:r>
+            <a:endParaRPr lang="ko-KR" altLang="en-US" dirty="0"/>
+          </a:p>
+        </p:txBody>
+      </p:sp>
+      <p:sp>
+        <p:nvSpPr>
+          <p:cNvPr id="10" name="TextBox 9">
+            <a:extLst>
+              <a:ext uri="{FF2B5EF4-FFF2-40B4-BE49-F238E27FC236}">
+                <a16:creationId xmlns:a16="http://schemas.microsoft.com/office/drawing/2014/main" id="{5A02F22E-1076-6BF5-13EA-6963FBF380B2}"/>
+              </a:ext>
+            </a:extLst>
+          </p:cNvPr>
+          <p:cNvSpPr txBox="1"/>
+          <p:nvPr/>
+        </p:nvSpPr>
+        <p:spPr>
+          <a:xfrm>
+            <a:off x="1759213" y="3291116"/>
+            <a:ext cx="3048630" cy="369332"/>
+          </a:xfrm>
+          <a:prstGeom prst="rect">
+            <a:avLst/>
+          </a:prstGeom>
+          <a:noFill/>
+        </p:spPr>
+        <p:txBody>
+          <a:bodyPr wrap="square">
+            <a:spAutoFit/>
+          </a:bodyPr>
+          <a:lstStyle/>
+          <a:p>
+            <a:pPr algn="ctr"/>
+            <a:r>
+              <a:rPr lang="ko-KR" altLang="en-US" sz="1800" dirty="0" err="1">
+                <a:latin typeface="DM Mono" panose="020B0509040201040103" pitchFamily="49" charset="0"/>
+              </a:rPr>
+              <a:t>main</a:t>
+            </a:r>
+            <a:endParaRPr lang="ko-KR" altLang="en-US" dirty="0"/>
+          </a:p>
+        </p:txBody>
+      </p:sp>
+      <p:sp>
+        <p:nvSpPr>
+          <p:cNvPr id="13" name="TextBox 12">
+            <a:extLst>
+              <a:ext uri="{FF2B5EF4-FFF2-40B4-BE49-F238E27FC236}">
+                <a16:creationId xmlns:a16="http://schemas.microsoft.com/office/drawing/2014/main" id="{0B16A86D-B85F-AE7A-0547-ACA31421906E}"/>
+              </a:ext>
+            </a:extLst>
+          </p:cNvPr>
+          <p:cNvSpPr txBox="1"/>
+          <p:nvPr/>
+        </p:nvSpPr>
+        <p:spPr>
+          <a:xfrm>
+            <a:off x="8955280" y="612990"/>
+            <a:ext cx="1216476" cy="369332"/>
+          </a:xfrm>
+          <a:prstGeom prst="rect">
+            <a:avLst/>
+          </a:prstGeom>
+          <a:noFill/>
+        </p:spPr>
+        <p:txBody>
+          <a:bodyPr wrap="square">
+            <a:spAutoFit/>
+          </a:bodyPr>
+          <a:lstStyle/>
+          <a:p>
+            <a:pPr algn="r"/>
+            <a:r>
+              <a:rPr lang="en-US" altLang="ko-KR" sz="1800" dirty="0">
+                <a:latin typeface="DM Mono" panose="020B0509040201040103" pitchFamily="49" charset="0"/>
+              </a:rPr>
+              <a:t>0x1000</a:t>
+            </a:r>
+            <a:endParaRPr lang="ko-KR" altLang="en-US" dirty="0"/>
+          </a:p>
+        </p:txBody>
+      </p:sp>
+      <p:sp>
+        <p:nvSpPr>
+          <p:cNvPr id="14" name="직사각형 13">
+            <a:extLst>
+              <a:ext uri="{FF2B5EF4-FFF2-40B4-BE49-F238E27FC236}">
+                <a16:creationId xmlns:a16="http://schemas.microsoft.com/office/drawing/2014/main" id="{B49F3D74-7601-B49F-8498-7D0BFD512809}"/>
+              </a:ext>
+            </a:extLst>
+          </p:cNvPr>
+          <p:cNvSpPr/>
+          <p:nvPr/>
+        </p:nvSpPr>
+        <p:spPr>
+          <a:xfrm>
+            <a:off x="9596553" y="982322"/>
+            <a:ext cx="1150406" cy="521899"/>
+          </a:xfrm>
+          <a:prstGeom prst="rect">
+            <a:avLst/>
+          </a:prstGeom>
+          <a:solidFill>
+            <a:srgbClr val="FFFF00"/>
+          </a:solidFill>
+        </p:spPr>
+        <p:style>
+          <a:lnRef idx="2">
+            <a:schemeClr val="accent1">
+              <a:shade val="15000"/>
+            </a:schemeClr>
+          </a:lnRef>
+          <a:fillRef idx="1">
+            <a:schemeClr val="accent1"/>
+          </a:fillRef>
+          <a:effectRef idx="0">
+            <a:schemeClr val="accent1"/>
+          </a:effectRef>
+          <a:fontRef idx="minor">
+            <a:schemeClr val="lt1"/>
+          </a:fontRef>
+        </p:style>
+        <p:txBody>
+          <a:bodyPr rtlCol="0" anchor="ctr"/>
+          <a:lstStyle/>
+          <a:p>
+            <a:pPr algn="ctr"/>
+            <a:r>
+              <a:rPr kumimoji="1" lang="en-US" altLang="ko-KR" sz="1600" dirty="0">
+                <a:solidFill>
+                  <a:schemeClr val="tx1"/>
+                </a:solidFill>
+                <a:latin typeface="DM Mono" panose="020B0509040201040103" pitchFamily="49" charset="0"/>
+              </a:rPr>
+              <a:t>”hello”</a:t>
+            </a:r>
+            <a:endParaRPr kumimoji="1" lang="ko-KR" altLang="en-US" sz="1600" dirty="0">
+              <a:solidFill>
+                <a:schemeClr val="tx1"/>
+              </a:solidFill>
+              <a:latin typeface="DM Mono" panose="020B0509040201040103" pitchFamily="49" charset="0"/>
+            </a:endParaRPr>
+          </a:p>
+        </p:txBody>
+      </p:sp>
+      <p:sp>
+        <p:nvSpPr>
+          <p:cNvPr id="15" name="직사각형 14">
+            <a:extLst>
+              <a:ext uri="{FF2B5EF4-FFF2-40B4-BE49-F238E27FC236}">
+                <a16:creationId xmlns:a16="http://schemas.microsoft.com/office/drawing/2014/main" id="{C905F80A-44A3-1CC1-C049-6AAFE3F8A542}"/>
+              </a:ext>
+            </a:extLst>
+          </p:cNvPr>
+          <p:cNvSpPr/>
+          <p:nvPr/>
+        </p:nvSpPr>
+        <p:spPr>
+          <a:xfrm>
+            <a:off x="2521049" y="5290699"/>
+            <a:ext cx="1181893" cy="521899"/>
+          </a:xfrm>
+          <a:prstGeom prst="rect">
+            <a:avLst/>
+          </a:prstGeom>
+          <a:solidFill>
+            <a:srgbClr val="FFFF00"/>
+          </a:solidFill>
+        </p:spPr>
+        <p:style>
+          <a:lnRef idx="2">
+            <a:schemeClr val="accent1">
+              <a:shade val="15000"/>
+            </a:schemeClr>
+          </a:lnRef>
+          <a:fillRef idx="1">
+            <a:schemeClr val="accent1"/>
+          </a:fillRef>
+          <a:effectRef idx="0">
+            <a:schemeClr val="accent1"/>
+          </a:effectRef>
+          <a:fontRef idx="minor">
+            <a:schemeClr val="lt1"/>
+          </a:fontRef>
+        </p:style>
+        <p:txBody>
+          <a:bodyPr rtlCol="0" anchor="ctr"/>
+          <a:lstStyle/>
+          <a:p>
+            <a:pPr algn="ctr"/>
+            <a:r>
+              <a:rPr kumimoji="1" lang="en-US" altLang="ko-KR" sz="1600" dirty="0">
+                <a:solidFill>
+                  <a:schemeClr val="tx1"/>
+                </a:solidFill>
+                <a:latin typeface="DM Mono" panose="020B0509040201040103" pitchFamily="49" charset="0"/>
+              </a:rPr>
+              <a:t>0x1000</a:t>
+            </a:r>
+            <a:endParaRPr kumimoji="1" lang="ko-KR" altLang="en-US" sz="1600" dirty="0">
+              <a:solidFill>
+                <a:schemeClr val="tx1"/>
+              </a:solidFill>
+              <a:latin typeface="DM Mono" panose="020B0509040201040103" pitchFamily="49" charset="0"/>
+            </a:endParaRPr>
+          </a:p>
+        </p:txBody>
+      </p:sp>
+      <p:sp>
+        <p:nvSpPr>
+          <p:cNvPr id="16" name="TextBox 15">
+            <a:extLst>
+              <a:ext uri="{FF2B5EF4-FFF2-40B4-BE49-F238E27FC236}">
+                <a16:creationId xmlns:a16="http://schemas.microsoft.com/office/drawing/2014/main" id="{CCFC2CBD-45A1-7778-8658-6972FFD2A83A}"/>
+              </a:ext>
+            </a:extLst>
+          </p:cNvPr>
+          <p:cNvSpPr txBox="1"/>
+          <p:nvPr/>
+        </p:nvSpPr>
+        <p:spPr>
+          <a:xfrm>
+            <a:off x="1789960" y="5366982"/>
+            <a:ext cx="731089" cy="369332"/>
+          </a:xfrm>
+          <a:prstGeom prst="rect">
+            <a:avLst/>
+          </a:prstGeom>
+          <a:noFill/>
+        </p:spPr>
+        <p:txBody>
+          <a:bodyPr wrap="square">
+            <a:spAutoFit/>
+          </a:bodyPr>
+          <a:lstStyle/>
+          <a:p>
+            <a:pPr algn="r"/>
+            <a:r>
+              <a:rPr lang="en-US" altLang="ko-KR" sz="1800" dirty="0">
+                <a:latin typeface="DM Mono" panose="020B0509040201040103" pitchFamily="49" charset="0"/>
+              </a:rPr>
+              <a:t>s</a:t>
+            </a:r>
+            <a:endParaRPr lang="ko-KR" altLang="en-US" dirty="0"/>
+          </a:p>
+        </p:txBody>
+      </p:sp>
+      <p:cxnSp>
+        <p:nvCxnSpPr>
+          <p:cNvPr id="18" name="구부러진 연결선[U] 17">
+            <a:extLst>
+              <a:ext uri="{FF2B5EF4-FFF2-40B4-BE49-F238E27FC236}">
+                <a16:creationId xmlns:a16="http://schemas.microsoft.com/office/drawing/2014/main" id="{EAAB149B-5A8A-8730-4871-DBA78CA149E8}"/>
+              </a:ext>
+            </a:extLst>
+          </p:cNvPr>
+          <p:cNvCxnSpPr>
+            <a:stCxn id="15" idx="3"/>
+            <a:endCxn id="14" idx="1"/>
+          </p:cNvCxnSpPr>
+          <p:nvPr/>
+        </p:nvCxnSpPr>
+        <p:spPr>
+          <a:xfrm flipV="1">
+            <a:off x="3702942" y="1243272"/>
+            <a:ext cx="5893611" cy="4308377"/>
+          </a:xfrm>
+          <a:prstGeom prst="curvedConnector3">
+            <a:avLst/>
+          </a:prstGeom>
+          <a:ln>
+            <a:tailEnd type="triangle"/>
+          </a:ln>
+        </p:spPr>
+        <p:style>
+          <a:lnRef idx="1">
+            <a:schemeClr val="dk1"/>
+          </a:lnRef>
+          <a:fillRef idx="0">
+            <a:schemeClr val="dk1"/>
+          </a:fillRef>
+          <a:effectRef idx="0">
+            <a:schemeClr val="dk1"/>
+          </a:effectRef>
+          <a:fontRef idx="minor">
+            <a:schemeClr val="tx1"/>
+          </a:fontRef>
+        </p:style>
+      </p:cxnSp>
+    </p:spTree>
+    <p:extLst>
+      <p:ext uri="{BB962C8B-B14F-4D97-AF65-F5344CB8AC3E}">
+        <p14:creationId xmlns:p14="http://schemas.microsoft.com/office/powerpoint/2010/main" val="2346848726"/>
+      </p:ext>
+    </p:extLst>
+  </p:cSld>
+  <p:clrMapOvr>
+    <a:masterClrMapping/>
+  </p:clrMapOvr>
+</p:sld>
+</file>
+
 <file path=ppt/slides/slide2.xml><?xml version="1.0" encoding="utf-8"?>
 <p:sld xmlns:a="http://schemas.openxmlformats.org/drawingml/2006/main" xmlns:r="http://schemas.openxmlformats.org/officeDocument/2006/relationships" xmlns:p="http://schemas.openxmlformats.org/presentationml/2006/main">
   <p:cSld>
